--- a/labs/WSAA5.1 Authenticationed.pptx
+++ b/labs/WSAA5.1 Authenticationed.pptx
@@ -68,20 +68,17 @@
             <a:noAutofit/>
           </a:bodyPr>
           <a:p>
-            <a:r>
-              <a:rPr b="0" lang="en-US" sz="1800" spc="-1" strike="noStrike">
-                <a:solidFill>
-                  <a:srgbClr val="000000"/>
-                </a:solidFill>
-                <a:latin typeface="Rockwell"/>
+            <a:pPr algn="ctr">
+              <a:buNone/>
+            </a:pPr>
+            <a:r>
+              <a:rPr b="0" lang="en-IE" sz="4400" spc="-1" strike="noStrike">
+                <a:latin typeface="Arial"/>
               </a:rPr>
               <a:t>Click to move the slide</a:t>
             </a:r>
-            <a:endParaRPr b="0" lang="en-US" sz="1800" spc="-1" strike="noStrike">
-              <a:solidFill>
-                <a:srgbClr val="000000"/>
-              </a:solidFill>
-              <a:latin typeface="Rockwell"/>
+            <a:endParaRPr b="0" lang="en-IE" sz="4400" spc="-1" strike="noStrike">
+              <a:latin typeface="Arial"/>
             </a:endParaRPr>
           </a:p>
         </p:txBody>
@@ -303,7 +300,7 @@
             <a:pPr algn="r">
               <a:buNone/>
             </a:pPr>
-            <a:fld id="{3DEA65A0-E99C-43B4-B3E5-C0D8B5D83D7F}" type="slidenum">
+            <a:fld id="{F4511D7E-9823-4A3C-B7D3-41A11A99ECE7}" type="slidenum">
               <a:rPr b="0" lang="en-IE" sz="1400" spc="-1" strike="noStrike">
                 <a:latin typeface="Times New Roman"/>
               </a:rPr>
@@ -351,7 +348,7 @@
         <p:spPr>
           <a:xfrm>
             <a:off x="216000" y="812520"/>
-            <a:ext cx="7127280" cy="4008960"/>
+            <a:ext cx="7126920" cy="4008600"/>
           </a:xfrm>
           <a:prstGeom prst="rect">
             <a:avLst/>
@@ -374,7 +371,7 @@
         <p:spPr>
           <a:xfrm>
             <a:off x="756000" y="5078520"/>
-            <a:ext cx="6047640" cy="4811040"/>
+            <a:ext cx="6047280" cy="4810680"/>
           </a:xfrm>
           <a:prstGeom prst="rect">
             <a:avLst/>
@@ -389,6 +386,12 @@
             <a:noAutofit/>
           </a:bodyPr>
           <a:p>
+            <a:pPr marL="216000" indent="-216000">
+              <a:lnSpc>
+                <a:spcPct val="100000"/>
+              </a:lnSpc>
+              <a:buNone/>
+            </a:pPr>
             <a:r>
               <a:rPr b="0" lang="en-IE" sz="2000" spc="-1" strike="noStrike">
                 <a:latin typeface="Arial"/>
@@ -436,7 +439,7 @@
         <p:spPr>
           <a:xfrm>
             <a:off x="216000" y="812520"/>
-            <a:ext cx="7127280" cy="4008960"/>
+            <a:ext cx="7126920" cy="4008600"/>
           </a:xfrm>
           <a:prstGeom prst="rect">
             <a:avLst/>
@@ -459,7 +462,7 @@
         <p:spPr>
           <a:xfrm>
             <a:off x="0" y="5078520"/>
-            <a:ext cx="7470000" cy="4816800"/>
+            <a:ext cx="7469640" cy="4816440"/>
           </a:xfrm>
           <a:prstGeom prst="rect">
             <a:avLst/>
@@ -474,6 +477,12 @@
             <a:noAutofit/>
           </a:bodyPr>
           <a:p>
+            <a:pPr marL="216000" indent="-216000">
+              <a:lnSpc>
+                <a:spcPct val="100000"/>
+              </a:lnSpc>
+              <a:buNone/>
+            </a:pPr>
             <a:r>
               <a:rPr b="0" lang="en-IE" sz="1300" spc="-1" strike="noStrike">
                 <a:latin typeface="Arial"/>
@@ -485,11 +494,23 @@
             </a:endParaRPr>
           </a:p>
           <a:p>
+            <a:pPr marL="216000" indent="-216000">
+              <a:lnSpc>
+                <a:spcPct val="100000"/>
+              </a:lnSpc>
+              <a:buNone/>
+            </a:pPr>
             <a:endParaRPr b="0" lang="en-IE" sz="2000" spc="-1" strike="noStrike">
               <a:latin typeface="Arial"/>
             </a:endParaRPr>
           </a:p>
           <a:p>
+            <a:pPr marL="216000" indent="-216000">
+              <a:lnSpc>
+                <a:spcPct val="100000"/>
+              </a:lnSpc>
+              <a:buNone/>
+            </a:pPr>
             <a:r>
               <a:rPr b="0" lang="en-IE" sz="1300" spc="-1" strike="noStrike">
                 <a:latin typeface="Arial"/>
@@ -501,11 +522,23 @@
             </a:endParaRPr>
           </a:p>
           <a:p>
+            <a:pPr marL="216000" indent="-216000">
+              <a:lnSpc>
+                <a:spcPct val="100000"/>
+              </a:lnSpc>
+              <a:buNone/>
+            </a:pPr>
             <a:endParaRPr b="0" lang="en-IE" sz="1300" spc="-1" strike="noStrike">
               <a:latin typeface="Arial"/>
             </a:endParaRPr>
           </a:p>
           <a:p>
+            <a:pPr marL="216000" indent="-216000">
+              <a:lnSpc>
+                <a:spcPct val="100000"/>
+              </a:lnSpc>
+              <a:buNone/>
+            </a:pPr>
             <a:r>
               <a:rPr b="0" lang="en-IE" sz="1300" spc="-1" strike="noStrike">
                 <a:latin typeface="Arial"/>
@@ -517,6 +550,12 @@
             </a:endParaRPr>
           </a:p>
           <a:p>
+            <a:pPr marL="216000" indent="-216000">
+              <a:lnSpc>
+                <a:spcPct val="100000"/>
+              </a:lnSpc>
+              <a:buNone/>
+            </a:pPr>
             <a:r>
               <a:rPr b="0" lang="en-IE" sz="1300" spc="-1" strike="noStrike">
                 <a:latin typeface="Arial"/>
@@ -528,11 +567,23 @@
             </a:endParaRPr>
           </a:p>
           <a:p>
+            <a:pPr marL="216000" indent="-216000">
+              <a:lnSpc>
+                <a:spcPct val="100000"/>
+              </a:lnSpc>
+              <a:buNone/>
+            </a:pPr>
             <a:endParaRPr b="0" lang="en-IE" sz="1300" spc="-1" strike="noStrike">
               <a:latin typeface="Arial"/>
             </a:endParaRPr>
           </a:p>
           <a:p>
+            <a:pPr marL="216000" indent="-216000">
+              <a:lnSpc>
+                <a:spcPct val="100000"/>
+              </a:lnSpc>
+              <a:buNone/>
+            </a:pPr>
             <a:r>
               <a:rPr b="0" lang="en-IE" sz="1300" spc="-1" strike="noStrike">
                 <a:latin typeface="Arial"/>
@@ -544,11 +595,23 @@
             </a:endParaRPr>
           </a:p>
           <a:p>
+            <a:pPr marL="216000" indent="-216000">
+              <a:lnSpc>
+                <a:spcPct val="100000"/>
+              </a:lnSpc>
+              <a:buNone/>
+            </a:pPr>
             <a:endParaRPr b="0" lang="en-IE" sz="1300" spc="-1" strike="noStrike">
               <a:latin typeface="Arial"/>
             </a:endParaRPr>
           </a:p>
           <a:p>
+            <a:pPr marL="216000" indent="-216000">
+              <a:lnSpc>
+                <a:spcPct val="100000"/>
+              </a:lnSpc>
+              <a:buNone/>
+            </a:pPr>
             <a:r>
               <a:rPr b="0" lang="en-IE" sz="1300" spc="-1" strike="noStrike">
                 <a:latin typeface="Arial"/>
@@ -560,11 +623,23 @@
             </a:endParaRPr>
           </a:p>
           <a:p>
+            <a:pPr marL="216000" indent="-216000">
+              <a:lnSpc>
+                <a:spcPct val="100000"/>
+              </a:lnSpc>
+              <a:buNone/>
+            </a:pPr>
             <a:endParaRPr b="0" lang="en-IE" sz="1300" spc="-1" strike="noStrike">
               <a:latin typeface="Arial"/>
             </a:endParaRPr>
           </a:p>
           <a:p>
+            <a:pPr marL="216000" indent="-216000">
+              <a:lnSpc>
+                <a:spcPct val="100000"/>
+              </a:lnSpc>
+              <a:buNone/>
+            </a:pPr>
             <a:r>
               <a:rPr b="0" lang="en-IE" sz="1300" spc="-1" strike="noStrike">
                 <a:latin typeface="Arial"/>
@@ -612,7 +687,7 @@
         <p:spPr>
           <a:xfrm>
             <a:off x="216000" y="812520"/>
-            <a:ext cx="7127280" cy="4008960"/>
+            <a:ext cx="7126920" cy="4008600"/>
           </a:xfrm>
           <a:prstGeom prst="rect">
             <a:avLst/>
@@ -635,7 +710,7 @@
         <p:spPr>
           <a:xfrm>
             <a:off x="135000" y="4905000"/>
-            <a:ext cx="7335000" cy="5787000"/>
+            <a:ext cx="7334640" cy="5786640"/>
           </a:xfrm>
           <a:prstGeom prst="rect">
             <a:avLst/>
@@ -650,6 +725,12 @@
             <a:noAutofit/>
           </a:bodyPr>
           <a:p>
+            <a:pPr marL="216000" indent="-216000">
+              <a:lnSpc>
+                <a:spcPct val="100000"/>
+              </a:lnSpc>
+              <a:buNone/>
+            </a:pPr>
             <a:r>
               <a:rPr b="0" lang="en-IE" sz="1300" spc="-1" strike="noStrike">
                 <a:latin typeface="Arial"/>
@@ -661,6 +742,12 @@
             </a:endParaRPr>
           </a:p>
           <a:p>
+            <a:pPr marL="216000" indent="-216000">
+              <a:lnSpc>
+                <a:spcPct val="100000"/>
+              </a:lnSpc>
+              <a:buNone/>
+            </a:pPr>
             <a:r>
               <a:rPr b="0" lang="en-IE" sz="1300" spc="-1" strike="noStrike">
                 <a:latin typeface="Arial"/>
@@ -672,6 +759,12 @@
             </a:endParaRPr>
           </a:p>
           <a:p>
+            <a:pPr marL="216000" indent="-216000">
+              <a:lnSpc>
+                <a:spcPct val="100000"/>
+              </a:lnSpc>
+              <a:buNone/>
+            </a:pPr>
             <a:r>
               <a:rPr b="0" lang="en-IE" sz="1300" spc="-1" strike="noStrike">
                 <a:latin typeface="Arial"/>
@@ -683,6 +776,12 @@
             </a:endParaRPr>
           </a:p>
           <a:p>
+            <a:pPr marL="216000" indent="-216000">
+              <a:lnSpc>
+                <a:spcPct val="100000"/>
+              </a:lnSpc>
+              <a:buNone/>
+            </a:pPr>
             <a:r>
               <a:rPr b="0" lang="en-IE" sz="1300" spc="-1" strike="noStrike">
                 <a:latin typeface="Arial"/>
@@ -694,6 +793,12 @@
             </a:endParaRPr>
           </a:p>
           <a:p>
+            <a:pPr marL="216000" indent="-216000">
+              <a:lnSpc>
+                <a:spcPct val="100000"/>
+              </a:lnSpc>
+              <a:buNone/>
+            </a:pPr>
             <a:r>
               <a:rPr b="0" lang="en-IE" sz="1300" spc="-1" strike="noStrike">
                 <a:latin typeface="Arial"/>
@@ -705,6 +810,12 @@
             </a:endParaRPr>
           </a:p>
           <a:p>
+            <a:pPr marL="216000" indent="-216000">
+              <a:lnSpc>
+                <a:spcPct val="100000"/>
+              </a:lnSpc>
+              <a:buNone/>
+            </a:pPr>
             <a:r>
               <a:rPr b="0" lang="en-IE" sz="1300" spc="-1" strike="noStrike">
                 <a:latin typeface="Arial"/>
@@ -716,6 +827,12 @@
             </a:endParaRPr>
           </a:p>
           <a:p>
+            <a:pPr marL="216000" indent="-216000">
+              <a:lnSpc>
+                <a:spcPct val="100000"/>
+              </a:lnSpc>
+              <a:buNone/>
+            </a:pPr>
             <a:r>
               <a:rPr b="0" lang="en-IE" sz="1300" spc="-1" strike="noStrike">
                 <a:latin typeface="Arial"/>
@@ -728,7 +845,13 @@
           </a:p>
           <a:p>
             <a:pPr marL="216000" indent="-216000" algn="ctr">
-              <a:buNone/>
+              <a:lnSpc>
+                <a:spcPct val="100000"/>
+              </a:lnSpc>
+              <a:buNone/>
+              <a:tabLst>
+                <a:tab algn="l" pos="0"/>
+              </a:tabLst>
             </a:pPr>
             <a:r>
               <a:rPr b="1" lang="en-IE" sz="1300" spc="-1" strike="noStrike">
@@ -777,7 +900,7 @@
         <p:spPr>
           <a:xfrm>
             <a:off x="216000" y="812520"/>
-            <a:ext cx="7127280" cy="4008960"/>
+            <a:ext cx="7126920" cy="4008600"/>
           </a:xfrm>
           <a:prstGeom prst="rect">
             <a:avLst/>
@@ -800,7 +923,7 @@
         <p:spPr>
           <a:xfrm>
             <a:off x="90000" y="4787280"/>
-            <a:ext cx="7335000" cy="5832720"/>
+            <a:ext cx="7334640" cy="5832360"/>
           </a:xfrm>
           <a:prstGeom prst="rect">
             <a:avLst/>
@@ -815,180 +938,278 @@
             <a:noAutofit/>
           </a:bodyPr>
           <a:p>
-            <a:r>
-              <a:rPr b="0" lang="en-IE" sz="1400" spc="-1" strike="noStrike">
+            <a:pPr marL="216000" indent="-216000">
+              <a:lnSpc>
+                <a:spcPct val="100000"/>
+              </a:lnSpc>
+              <a:buNone/>
+            </a:pPr>
+            <a:r>
+              <a:rPr b="0" lang="en-IE" sz="1300" spc="-1" strike="noStrike" u="sng">
+                <a:solidFill>
+                  <a:srgbClr val="000000"/>
+                </a:solidFill>
+                <a:uFillTx/>
                 <a:latin typeface="Arial"/>
                 <a:hlinkClick r:id="rId1"/>
               </a:rPr>
               <a:t>https://html2pdf.app</a:t>
             </a:r>
             <a:r>
-              <a:rPr b="0" lang="en-IE" sz="1400" spc="-1" strike="noStrike">
+              <a:rPr b="0" lang="en-IE" sz="1300" spc="-1" strike="noStrike">
                 <a:latin typeface="Arial"/>
               </a:rPr>
               <a:t> &gt; Documentation &gt; </a:t>
             </a:r>
             <a:r>
-              <a:rPr b="0" lang="en-IE" sz="1400" spc="-1" strike="noStrike">
+              <a:rPr b="0" lang="en-IE" sz="1300" spc="-1" strike="noStrike" u="sng">
+                <a:solidFill>
+                  <a:srgbClr val="000000"/>
+                </a:solidFill>
+                <a:uFillTx/>
                 <a:latin typeface="Arial"/>
                 <a:hlinkClick r:id="rId2"/>
               </a:rPr>
               <a:t>https://api.html2pdf.app/v1/generate?html=https://example.com&amp;apiKey</a:t>
             </a:r>
             <a:r>
-              <a:rPr b="0" lang="en-IE" sz="1400" spc="-1" strike="noStrike">
+              <a:rPr b="0" lang="en-IE" sz="1300" spc="-1" strike="noStrike">
                 <a:latin typeface="Arial"/>
               </a:rPr>
               <a:t>={your-api-key} &gt; register &gt; login</a:t>
             </a:r>
-            <a:endParaRPr b="0" lang="en-IE" sz="1400" spc="-1" strike="noStrike">
-              <a:latin typeface="Arial"/>
-            </a:endParaRPr>
-          </a:p>
-          <a:p>
-            <a:r>
-              <a:rPr b="0" lang="en-IE" sz="1400" spc="-1" strike="noStrike">
+            <a:endParaRPr b="0" lang="en-IE" sz="1300" spc="-1" strike="noStrike">
+              <a:latin typeface="Arial"/>
+            </a:endParaRPr>
+          </a:p>
+          <a:p>
+            <a:pPr marL="216000" indent="-216000">
+              <a:lnSpc>
+                <a:spcPct val="100000"/>
+              </a:lnSpc>
+              <a:buNone/>
+            </a:pPr>
+            <a:r>
+              <a:rPr b="0" lang="en-IE" sz="1300" spc="-1" strike="noStrike">
                 <a:latin typeface="Arial"/>
               </a:rPr>
               <a:t>Dashboard&gt; API keys &gt; Show &gt; Crtl+C </a:t>
             </a:r>
-            <a:endParaRPr b="0" lang="en-IE" sz="1400" spc="-1" strike="noStrike">
-              <a:latin typeface="Arial"/>
-            </a:endParaRPr>
-          </a:p>
-          <a:p>
+            <a:endParaRPr b="0" lang="en-IE" sz="1300" spc="-1" strike="noStrike">
+              <a:latin typeface="Arial"/>
+            </a:endParaRPr>
+          </a:p>
+          <a:p>
+            <a:pPr marL="216000" indent="-216000">
+              <a:lnSpc>
+                <a:spcPct val="100000"/>
+              </a:lnSpc>
+              <a:buNone/>
+            </a:pPr>
             <a:endParaRPr b="0" lang="en-IE" sz="1500" spc="-1" strike="noStrike">
               <a:latin typeface="Arial"/>
             </a:endParaRPr>
           </a:p>
           <a:p>
-            <a:r>
-              <a:rPr b="0" lang="en-IE" sz="1400" spc="-1" strike="noStrike">
+            <a:pPr marL="216000" indent="-216000">
+              <a:lnSpc>
+                <a:spcPct val="100000"/>
+              </a:lnSpc>
+              <a:buNone/>
+            </a:pPr>
+            <a:r>
+              <a:rPr b="0" lang="en-IE" sz="1300" spc="-1" strike="noStrike">
                 <a:latin typeface="Arial"/>
               </a:rPr>
               <a:t>Run python my5htmltopdfdemo.py &gt; right click my5document.pdf &gt; copy path &gt; paste into webbrowser . U get wikipedia page as pdf</a:t>
             </a:r>
-            <a:endParaRPr b="0" lang="en-IE" sz="1400" spc="-1" strike="noStrike">
-              <a:latin typeface="Arial"/>
-            </a:endParaRPr>
-          </a:p>
-          <a:p>
+            <a:endParaRPr b="0" lang="en-IE" sz="1300" spc="-1" strike="noStrike">
+              <a:latin typeface="Arial"/>
+            </a:endParaRPr>
+          </a:p>
+          <a:p>
+            <a:pPr marL="216000" indent="-216000">
+              <a:lnSpc>
+                <a:spcPct val="100000"/>
+              </a:lnSpc>
+              <a:buNone/>
+            </a:pPr>
             <a:endParaRPr b="0" lang="en-IE" sz="1500" spc="-1" strike="noStrike">
               <a:latin typeface="Arial"/>
             </a:endParaRPr>
           </a:p>
           <a:p>
-            <a:r>
-              <a:rPr b="0" lang="en-IE" sz="1400" spc="-1" strike="noStrike">
+            <a:pPr marL="216000" indent="-216000">
+              <a:lnSpc>
+                <a:spcPct val="100000"/>
+              </a:lnSpc>
+              <a:buNone/>
+            </a:pPr>
+            <a:r>
+              <a:rPr b="0" lang="en-IE" sz="1300" spc="-1" strike="noStrike">
                 <a:latin typeface="Arial"/>
               </a:rPr>
               <a:t>Now one of the things, we shouldn't have the API key inside our files. We should not have it inside our files because if we do, people can web scrape through or not web scrape, they can scrape through all the files in GitHub.So if we put this into a file and it goes up to GitHub, somebody will get this key and that is the security hole.So we should really make a config file.</a:t>
             </a:r>
-            <a:endParaRPr b="0" lang="en-IE" sz="1400" spc="-1" strike="noStrike">
-              <a:latin typeface="Arial"/>
-            </a:endParaRPr>
-          </a:p>
-          <a:p>
+            <a:endParaRPr b="0" lang="en-IE" sz="1300" spc="-1" strike="noStrike">
+              <a:latin typeface="Arial"/>
+            </a:endParaRPr>
+          </a:p>
+          <a:p>
+            <a:pPr marL="216000" indent="-216000">
+              <a:lnSpc>
+                <a:spcPct val="100000"/>
+              </a:lnSpc>
+              <a:buNone/>
+            </a:pPr>
             <a:endParaRPr b="0" lang="en-IE" sz="1500" spc="-1" strike="noStrike">
               <a:latin typeface="Arial"/>
             </a:endParaRPr>
           </a:p>
           <a:p>
-            <a:r>
-              <a:rPr b="0" lang="en-IE" sz="1400" spc="-1" strike="noStrike">
+            <a:pPr marL="216000" indent="-216000">
+              <a:lnSpc>
+                <a:spcPct val="100000"/>
+              </a:lnSpc>
+              <a:buNone/>
+            </a:pPr>
+            <a:r>
+              <a:rPr b="0" lang="en-IE" sz="1300" spc="-1" strike="noStrike">
                 <a:latin typeface="Arial"/>
               </a:rPr>
               <a:t>My5config,py, copy api into there</a:t>
             </a:r>
-            <a:endParaRPr b="0" lang="en-IE" sz="1400" spc="-1" strike="noStrike">
-              <a:latin typeface="Arial"/>
-            </a:endParaRPr>
-          </a:p>
-          <a:p>
-            <a:r>
-              <a:rPr b="0" lang="en-IE" sz="1400" spc="-1" strike="noStrike">
+            <a:endParaRPr b="0" lang="en-IE" sz="1300" spc="-1" strike="noStrike">
+              <a:latin typeface="Arial"/>
+            </a:endParaRPr>
+          </a:p>
+          <a:p>
+            <a:pPr marL="216000" indent="-216000">
+              <a:lnSpc>
+                <a:spcPct val="100000"/>
+              </a:lnSpc>
+              <a:buNone/>
+            </a:pPr>
+            <a:r>
+              <a:rPr b="0" lang="en-IE" sz="1300" spc="-1" strike="noStrike">
                 <a:latin typeface="Arial"/>
                 <a:ea typeface="Noto Sans CJK SC"/>
               </a:rPr>
-              <a:t>Go back to </a:t>
-            </a:r>
-            <a:r>
-              <a:rPr b="0" lang="en-IE" sz="1400" spc="-1" strike="noStrike">
+              <a:t>Go back to my5htmltopdfdemo.py</a:t>
+            </a:r>
+            <a:endParaRPr b="0" lang="en-IE" sz="1300" spc="-1" strike="noStrike">
+              <a:latin typeface="Arial"/>
+            </a:endParaRPr>
+          </a:p>
+          <a:p>
+            <a:pPr marL="216000" indent="-216000">
+              <a:lnSpc>
+                <a:spcPct val="100000"/>
+              </a:lnSpc>
+              <a:buNone/>
+            </a:pPr>
+            <a:endParaRPr b="0" lang="en-IE" sz="1500" spc="-1" strike="noStrike">
+              <a:latin typeface="Arial"/>
+            </a:endParaRPr>
+          </a:p>
+          <a:p>
+            <a:pPr marL="216000" indent="-216000">
+              <a:lnSpc>
+                <a:spcPct val="100000"/>
+              </a:lnSpc>
+              <a:buNone/>
+            </a:pPr>
+            <a:r>
+              <a:rPr b="0" lang="en-IE" sz="1300" spc="-1" strike="noStrike">
                 <a:latin typeface="Arial"/>
-              </a:rPr>
-              <a:t>my5htmltopdfdemo.py</a:t>
-            </a:r>
-            <a:endParaRPr b="0" lang="en-IE" sz="1400" spc="-1" strike="noStrike">
-              <a:latin typeface="Arial"/>
-            </a:endParaRPr>
-          </a:p>
-          <a:p>
+                <a:ea typeface="Noto Sans CJK SC"/>
+              </a:rPr>
+              <a:t>On gitignore, add: config.py, my5config.py</a:t>
+            </a:r>
+            <a:endParaRPr b="0" lang="en-IE" sz="1300" spc="-1" strike="noStrike">
+              <a:latin typeface="Arial"/>
+            </a:endParaRPr>
+          </a:p>
+          <a:p>
+            <a:pPr marL="216000" indent="-216000">
+              <a:lnSpc>
+                <a:spcPct val="100000"/>
+              </a:lnSpc>
+              <a:buNone/>
+            </a:pPr>
             <a:endParaRPr b="0" lang="en-IE" sz="1500" spc="-1" strike="noStrike">
               <a:latin typeface="Arial"/>
             </a:endParaRPr>
           </a:p>
           <a:p>
-            <a:r>
-              <a:rPr b="0" lang="en-IE" sz="1400" spc="-1" strike="noStrike">
+            <a:pPr marL="216000" indent="-216000">
+              <a:lnSpc>
+                <a:spcPct val="100000"/>
+              </a:lnSpc>
+              <a:buNone/>
+            </a:pPr>
+            <a:r>
+              <a:rPr b="0" lang="en-IE" sz="1300" spc="-1" strike="noStrike">
                 <a:latin typeface="Arial"/>
-              </a:rPr>
-              <a:t>On gitignore, add: config.py, my5config.py</a:t>
-            </a:r>
-            <a:endParaRPr b="0" lang="en-IE" sz="1400" spc="-1" strike="noStrike">
-              <a:latin typeface="Arial"/>
-            </a:endParaRPr>
-          </a:p>
-          <a:p>
-            <a:endParaRPr b="0" lang="en-IE" sz="1500" spc="-1" strike="noStrike">
-              <a:latin typeface="Arial"/>
-            </a:endParaRPr>
-          </a:p>
-          <a:p>
-            <a:r>
-              <a:rPr b="0" lang="en-IE" sz="1400" spc="-1" strike="noStrike">
+                <a:ea typeface="Noto Sans CJK SC"/>
+              </a:rPr>
+              <a:t>GitHub is an API as well. It allows you to get public information, so you can get information from any kind of repository, Any public repository you can get who follows.</a:t>
+            </a:r>
+            <a:endParaRPr b="0" lang="en-IE" sz="1300" spc="-1" strike="noStrike">
+              <a:latin typeface="Arial"/>
+            </a:endParaRPr>
+          </a:p>
+          <a:p>
+            <a:pPr marL="216000" indent="-216000">
+              <a:lnSpc>
+                <a:spcPct val="100000"/>
+              </a:lnSpc>
+              <a:buNone/>
+            </a:pPr>
+            <a:r>
+              <a:rPr b="0" lang="en-IE" sz="1300" spc="-1" strike="noStrike">
                 <a:latin typeface="Arial"/>
-              </a:rPr>
-              <a:t>GitHub is an API as well. It allows you to get public information, so you can get information from any kind of repository, Any public repository you can get who follows.</a:t>
-            </a:r>
-            <a:endParaRPr b="0" lang="en-IE" sz="1400" spc="-1" strike="noStrike">
-              <a:latin typeface="Arial"/>
-            </a:endParaRPr>
-          </a:p>
-          <a:p>
-            <a:r>
-              <a:rPr b="0" lang="en-IE" sz="1400" spc="-1" strike="noStrike">
+                <a:ea typeface="Noto Sans CJK SC"/>
+              </a:rPr>
+              <a:t>You can get a whole pile of information on the GitHub documentation.This is how people can create scripts that will go through all GitHub, checking every single piece of code to see if there is API keys up there private repositories. You will need an API token to get that.</a:t>
+            </a:r>
+            <a:endParaRPr b="0" lang="en-IE" sz="1300" spc="-1" strike="noStrike">
+              <a:latin typeface="Arial"/>
+            </a:endParaRPr>
+          </a:p>
+          <a:p>
+            <a:pPr marL="216000" indent="-216000">
+              <a:lnSpc>
+                <a:spcPct val="100000"/>
+              </a:lnSpc>
+              <a:buNone/>
+            </a:pPr>
+            <a:r>
+              <a:rPr b="0" lang="en-IE" sz="1300" spc="-1" strike="noStrike">
                 <a:latin typeface="Arial"/>
-              </a:rPr>
-              <a:t>You can get a whole pile of information on the GitHub documentation.This is how people can create scripts that will go through all GitHub, checking every single piece of code to see if there is API keys up there private repositories. You will need an API token to get that.</a:t>
-            </a:r>
-            <a:endParaRPr b="0" lang="en-IE" sz="1400" spc="-1" strike="noStrike">
-              <a:latin typeface="Arial"/>
-            </a:endParaRPr>
-          </a:p>
-          <a:p>
-            <a:r>
-              <a:rPr b="0" lang="en-IE" sz="1400" spc="-1" strike="noStrike">
+                <a:ea typeface="Noto Sans CJK SC"/>
+              </a:rPr>
+              <a:t>make a lab so you can see yourself how you can make a program that will do automatic commits.</a:t>
+            </a:r>
+            <a:endParaRPr b="0" lang="en-IE" sz="1300" spc="-1" strike="noStrike">
+              <a:latin typeface="Arial"/>
+            </a:endParaRPr>
+          </a:p>
+          <a:p>
+            <a:pPr marL="216000" indent="-216000">
+              <a:lnSpc>
+                <a:spcPct val="100000"/>
+              </a:lnSpc>
+              <a:buNone/>
+            </a:pPr>
+            <a:r>
+              <a:rPr b="0" lang="en-IE" sz="1300" spc="-1" strike="noStrike">
                 <a:latin typeface="Arial"/>
-              </a:rPr>
-              <a:t>make a lab so you can see yourself how you can make a program that will do automatic commits.</a:t>
-            </a:r>
-            <a:endParaRPr b="0" lang="en-IE" sz="1400" spc="-1" strike="noStrike">
-              <a:latin typeface="Arial"/>
-            </a:endParaRPr>
-          </a:p>
-          <a:p>
-            <a:r>
-              <a:rPr b="0" lang="en-IE" sz="1400" spc="-1" strike="noStrike">
-                <a:latin typeface="Arial"/>
+                <a:ea typeface="Noto Sans CJK SC"/>
               </a:rPr>
               <a:t>So you get a key from GitHub as an example of what it might look like. And there's lots of information in developer.github.com.</a:t>
             </a:r>
-            <a:endParaRPr b="0" lang="en-IE" sz="1400" spc="-1" strike="noStrike">
-              <a:latin typeface="Arial"/>
-            </a:endParaRPr>
-          </a:p>
-          <a:p>
-            <a:endParaRPr b="0" lang="en-IE" sz="1500" spc="-1" strike="noStrike">
+            <a:endParaRPr b="0" lang="en-IE" sz="1300" spc="-1" strike="noStrike">
               <a:latin typeface="Arial"/>
             </a:endParaRPr>
           </a:p>
@@ -1029,7 +1250,7 @@
         <p:spPr>
           <a:xfrm>
             <a:off x="216000" y="812520"/>
-            <a:ext cx="7127280" cy="4008960"/>
+            <a:ext cx="7126920" cy="4008600"/>
           </a:xfrm>
           <a:prstGeom prst="rect">
             <a:avLst/>
@@ -1052,7 +1273,7 @@
         <p:spPr>
           <a:xfrm>
             <a:off x="180000" y="5078520"/>
-            <a:ext cx="7245000" cy="10766520"/>
+            <a:ext cx="7244640" cy="10766160"/>
           </a:xfrm>
           <a:prstGeom prst="rect">
             <a:avLst/>
@@ -1067,6 +1288,12 @@
             <a:noAutofit/>
           </a:bodyPr>
           <a:p>
+            <a:pPr marL="216000" indent="-216000">
+              <a:lnSpc>
+                <a:spcPct val="100000"/>
+              </a:lnSpc>
+              <a:buNone/>
+            </a:pPr>
             <a:r>
               <a:rPr b="0" lang="en-IE" sz="1800" spc="-1" strike="noStrike">
                 <a:latin typeface="Arial"/>
@@ -1078,6 +1305,12 @@
             </a:endParaRPr>
           </a:p>
           <a:p>
+            <a:pPr marL="216000" indent="-216000">
+              <a:lnSpc>
+                <a:spcPct val="100000"/>
+              </a:lnSpc>
+              <a:buNone/>
+            </a:pPr>
             <a:r>
               <a:rPr b="0" lang="en-IE" sz="1800" spc="-1" strike="noStrike">
                 <a:latin typeface="Arial"/>
@@ -1089,6 +1322,12 @@
             </a:endParaRPr>
           </a:p>
           <a:p>
+            <a:pPr marL="216000" indent="-216000">
+              <a:lnSpc>
+                <a:spcPct val="100000"/>
+              </a:lnSpc>
+              <a:buNone/>
+            </a:pPr>
             <a:r>
               <a:rPr b="0" lang="en-IE" sz="1800" spc="-1" strike="noStrike">
                 <a:latin typeface="Arial"/>
@@ -1100,6 +1339,12 @@
             </a:endParaRPr>
           </a:p>
           <a:p>
+            <a:pPr marL="216000" indent="-216000">
+              <a:lnSpc>
+                <a:spcPct val="100000"/>
+              </a:lnSpc>
+              <a:buNone/>
+            </a:pPr>
             <a:r>
               <a:rPr b="0" lang="en-IE" sz="1800" spc="-1" strike="noStrike">
                 <a:latin typeface="Arial"/>
@@ -1111,11 +1356,23 @@
             </a:endParaRPr>
           </a:p>
           <a:p>
+            <a:pPr marL="216000" indent="-216000">
+              <a:lnSpc>
+                <a:spcPct val="100000"/>
+              </a:lnSpc>
+              <a:buNone/>
+            </a:pPr>
             <a:endParaRPr b="0" lang="en-IE" sz="1800" spc="-1" strike="noStrike">
               <a:latin typeface="Arial"/>
             </a:endParaRPr>
           </a:p>
           <a:p>
+            <a:pPr marL="216000" indent="-216000">
+              <a:lnSpc>
+                <a:spcPct val="100000"/>
+              </a:lnSpc>
+              <a:buNone/>
+            </a:pPr>
             <a:r>
               <a:rPr b="0" lang="en-IE" sz="1800" spc="-1" strike="noStrike">
                 <a:latin typeface="Arial"/>
@@ -1127,6 +1384,12 @@
             </a:endParaRPr>
           </a:p>
           <a:p>
+            <a:pPr marL="216000" indent="-216000">
+              <a:lnSpc>
+                <a:spcPct val="100000"/>
+              </a:lnSpc>
+              <a:buNone/>
+            </a:pPr>
             <a:endParaRPr b="0" lang="en-IE" sz="2000" spc="-1" strike="noStrike">
               <a:latin typeface="Arial"/>
             </a:endParaRPr>
@@ -1168,7 +1431,7 @@
         <p:spPr>
           <a:xfrm>
             <a:off x="216000" y="812520"/>
-            <a:ext cx="7127280" cy="4008960"/>
+            <a:ext cx="7126920" cy="4008600"/>
           </a:xfrm>
           <a:prstGeom prst="rect">
             <a:avLst/>
@@ -1191,7 +1454,7 @@
         <p:spPr>
           <a:xfrm>
             <a:off x="90000" y="5078520"/>
-            <a:ext cx="7335000" cy="5496480"/>
+            <a:ext cx="7334640" cy="5496120"/>
           </a:xfrm>
           <a:prstGeom prst="rect">
             <a:avLst/>
@@ -1206,6 +1469,12 @@
             <a:noAutofit/>
           </a:bodyPr>
           <a:p>
+            <a:pPr marL="216000" indent="-216000">
+              <a:lnSpc>
+                <a:spcPct val="100000"/>
+              </a:lnSpc>
+              <a:buNone/>
+            </a:pPr>
             <a:r>
               <a:rPr b="0" lang="en-IE" sz="2000" spc="-1" strike="noStrike">
                 <a:latin typeface="Arial"/>
@@ -1217,11 +1486,23 @@
             </a:endParaRPr>
           </a:p>
           <a:p>
+            <a:pPr marL="216000" indent="-216000">
+              <a:lnSpc>
+                <a:spcPct val="100000"/>
+              </a:lnSpc>
+              <a:buNone/>
+            </a:pPr>
             <a:endParaRPr b="0" lang="en-IE" sz="2000" spc="-1" strike="noStrike">
               <a:latin typeface="Arial"/>
             </a:endParaRPr>
           </a:p>
           <a:p>
+            <a:pPr marL="216000" indent="-216000">
+              <a:lnSpc>
+                <a:spcPct val="100000"/>
+              </a:lnSpc>
+              <a:buNone/>
+            </a:pPr>
             <a:r>
               <a:rPr b="0" lang="en-IE" sz="2000" spc="-1" strike="noStrike">
                 <a:latin typeface="Arial"/>
@@ -1269,7 +1550,7 @@
         <p:spPr>
           <a:xfrm>
             <a:off x="216000" y="812520"/>
-            <a:ext cx="7127280" cy="4008960"/>
+            <a:ext cx="7126920" cy="4008600"/>
           </a:xfrm>
           <a:prstGeom prst="rect">
             <a:avLst/>
@@ -1292,7 +1573,7 @@
         <p:spPr>
           <a:xfrm>
             <a:off x="225000" y="5078520"/>
-            <a:ext cx="7245000" cy="4811040"/>
+            <a:ext cx="7244640" cy="4810680"/>
           </a:xfrm>
           <a:prstGeom prst="rect">
             <a:avLst/>
@@ -1307,6 +1588,12 @@
             <a:noAutofit/>
           </a:bodyPr>
           <a:p>
+            <a:pPr marL="216000" indent="-216000">
+              <a:lnSpc>
+                <a:spcPct val="100000"/>
+              </a:lnSpc>
+              <a:buNone/>
+            </a:pPr>
             <a:r>
               <a:rPr b="0" lang="en-IE" sz="2000" spc="-1" strike="noStrike">
                 <a:latin typeface="Arial"/>
@@ -1318,6 +1605,12 @@
             </a:endParaRPr>
           </a:p>
           <a:p>
+            <a:pPr marL="216000" indent="-216000">
+              <a:lnSpc>
+                <a:spcPct val="100000"/>
+              </a:lnSpc>
+              <a:buNone/>
+            </a:pPr>
             <a:r>
               <a:rPr b="0" lang="en-IE" sz="2000" spc="-1" strike="noStrike">
                 <a:latin typeface="Arial"/>
@@ -1329,6 +1622,12 @@
             </a:endParaRPr>
           </a:p>
           <a:p>
+            <a:pPr marL="216000" indent="-216000">
+              <a:lnSpc>
+                <a:spcPct val="100000"/>
+              </a:lnSpc>
+              <a:buNone/>
+            </a:pPr>
             <a:r>
               <a:rPr b="0" lang="en-IE" sz="2000" spc="-1" strike="noStrike">
                 <a:latin typeface="Arial"/>
@@ -1340,11 +1639,23 @@
             </a:endParaRPr>
           </a:p>
           <a:p>
+            <a:pPr marL="216000" indent="-216000">
+              <a:lnSpc>
+                <a:spcPct val="100000"/>
+              </a:lnSpc>
+              <a:buNone/>
+            </a:pPr>
             <a:endParaRPr b="0" lang="en-IE" sz="2000" spc="-1" strike="noStrike">
               <a:latin typeface="Arial"/>
             </a:endParaRPr>
           </a:p>
           <a:p>
+            <a:pPr marL="216000" indent="-216000">
+              <a:lnSpc>
+                <a:spcPct val="100000"/>
+              </a:lnSpc>
+              <a:buNone/>
+            </a:pPr>
             <a:r>
               <a:rPr b="0" lang="en-IE" sz="2000" spc="-1" strike="noStrike">
                 <a:latin typeface="Arial"/>
@@ -1356,11 +1667,23 @@
             </a:endParaRPr>
           </a:p>
           <a:p>
+            <a:pPr marL="216000" indent="-216000">
+              <a:lnSpc>
+                <a:spcPct val="100000"/>
+              </a:lnSpc>
+              <a:buNone/>
+            </a:pPr>
             <a:endParaRPr b="0" lang="en-IE" sz="2000" spc="-1" strike="noStrike">
               <a:latin typeface="Arial"/>
             </a:endParaRPr>
           </a:p>
           <a:p>
+            <a:pPr marL="216000" indent="-216000">
+              <a:lnSpc>
+                <a:spcPct val="100000"/>
+              </a:lnSpc>
+              <a:buNone/>
+            </a:pPr>
             <a:r>
               <a:rPr b="0" lang="en-IE" sz="2000" spc="-1" strike="noStrike">
                 <a:latin typeface="Arial"/>
@@ -1408,7 +1731,7 @@
         <p:spPr>
           <a:xfrm>
             <a:off x="216000" y="812520"/>
-            <a:ext cx="7127280" cy="4008960"/>
+            <a:ext cx="7126920" cy="4008600"/>
           </a:xfrm>
           <a:prstGeom prst="rect">
             <a:avLst/>
@@ -1431,7 +1754,7 @@
         <p:spPr>
           <a:xfrm>
             <a:off x="756000" y="5078520"/>
-            <a:ext cx="6047640" cy="4811040"/>
+            <a:ext cx="6047280" cy="4810680"/>
           </a:xfrm>
           <a:prstGeom prst="rect">
             <a:avLst/>
@@ -1446,6 +1769,12 @@
             <a:noAutofit/>
           </a:bodyPr>
           <a:p>
+            <a:pPr marL="216000" indent="-216000">
+              <a:lnSpc>
+                <a:spcPct val="100000"/>
+              </a:lnSpc>
+              <a:buNone/>
+            </a:pPr>
             <a:r>
               <a:rPr b="0" lang="en-IE" sz="2000" spc="-1" strike="noStrike">
                 <a:latin typeface="Arial"/>
@@ -1457,11 +1786,23 @@
             </a:endParaRPr>
           </a:p>
           <a:p>
+            <a:pPr marL="216000" indent="-216000">
+              <a:lnSpc>
+                <a:spcPct val="100000"/>
+              </a:lnSpc>
+              <a:buNone/>
+            </a:pPr>
             <a:endParaRPr b="0" lang="en-IE" sz="2000" spc="-1" strike="noStrike">
               <a:latin typeface="Arial"/>
             </a:endParaRPr>
           </a:p>
           <a:p>
+            <a:pPr marL="216000" indent="-216000">
+              <a:lnSpc>
+                <a:spcPct val="100000"/>
+              </a:lnSpc>
+              <a:buNone/>
+            </a:pPr>
             <a:r>
               <a:rPr b="0" lang="en-IE" sz="2000" spc="-1" strike="noStrike">
                 <a:latin typeface="Arial"/>
@@ -1473,11 +1814,23 @@
             </a:endParaRPr>
           </a:p>
           <a:p>
+            <a:pPr marL="216000" indent="-216000">
+              <a:lnSpc>
+                <a:spcPct val="100000"/>
+              </a:lnSpc>
+              <a:buNone/>
+            </a:pPr>
             <a:endParaRPr b="0" lang="en-IE" sz="2000" spc="-1" strike="noStrike">
               <a:latin typeface="Arial"/>
             </a:endParaRPr>
           </a:p>
           <a:p>
+            <a:pPr marL="216000" indent="-216000">
+              <a:lnSpc>
+                <a:spcPct val="100000"/>
+              </a:lnSpc>
+              <a:buNone/>
+            </a:pPr>
             <a:r>
               <a:rPr b="0" lang="en-IE" sz="2000" spc="-1" strike="noStrike">
                 <a:latin typeface="Arial"/>
@@ -1519,7 +1872,7 @@
             <a:spLocks noGrp="1"/>
           </p:cNvSpPr>
           <p:nvPr>
-            <p:ph type="ftr" idx="2"/>
+            <p:ph type="ftr" idx="1"/>
           </p:nvPr>
         </p:nvSpPr>
         <p:spPr/>
@@ -1539,14 +1892,14 @@
             <a:spLocks noGrp="1"/>
           </p:cNvSpPr>
           <p:nvPr>
-            <p:ph type="sldNum" idx="3"/>
+            <p:ph type="sldNum" idx="2"/>
           </p:nvPr>
         </p:nvSpPr>
         <p:spPr/>
         <p:txBody>
           <a:bodyPr/>
           <a:p>
-            <a:fld id="{BBFBE9E1-E1EE-40D3-8DF1-830F386B6E7B}" type="slidenum">
+            <a:fld id="{4B480046-3108-489A-A565-80260F40D886}" type="slidenum">
               <a:t>&lt;#&gt;</a:t>
             </a:fld>
           </a:p>
@@ -1559,7 +1912,7 @@
             <a:spLocks noGrp="1"/>
           </p:cNvSpPr>
           <p:nvPr>
-            <p:ph type="dt" idx="1"/>
+            <p:ph type="dt" idx="3"/>
           </p:nvPr>
         </p:nvSpPr>
         <p:spPr/>
@@ -1607,8 +1960,8 @@
         </p:nvSpPr>
         <p:spPr>
           <a:xfrm>
-            <a:off x="1069920" y="484560"/>
-            <a:ext cx="10058040" cy="1608840"/>
+            <a:off x="609480" y="273600"/>
+            <a:ext cx="10972440" cy="1144800"/>
           </a:xfrm>
           <a:prstGeom prst="rect">
             <a:avLst/>
@@ -1623,11 +1976,11 @@
             <a:noAutofit/>
           </a:bodyPr>
           <a:p>
-            <a:endParaRPr b="0" lang="en-US" sz="1800" spc="-1" strike="noStrike">
-              <a:solidFill>
-                <a:srgbClr val="000000"/>
-              </a:solidFill>
-              <a:latin typeface="Rockwell"/>
+            <a:pPr algn="ctr">
+              <a:buNone/>
+            </a:pPr>
+            <a:endParaRPr b="0" lang="en-IE" sz="4400" spc="-1" strike="noStrike">
+              <a:latin typeface="Arial"/>
             </a:endParaRPr>
           </a:p>
         </p:txBody>
@@ -1644,8 +1997,8 @@
         </p:nvSpPr>
         <p:spPr>
           <a:xfrm>
-            <a:off x="1069920" y="2121480"/>
-            <a:ext cx="10058040" cy="1931760"/>
+            <a:off x="609480" y="1604520"/>
+            <a:ext cx="10972440" cy="1896840"/>
           </a:xfrm>
           <a:prstGeom prst="rect">
             <a:avLst/>
@@ -1660,20 +2013,8 @@
             <a:normAutofit/>
           </a:bodyPr>
           <a:p>
-            <a:pPr>
-              <a:lnSpc>
-                <a:spcPct val="90000"/>
-              </a:lnSpc>
-              <a:spcBef>
-                <a:spcPts val="1417"/>
-              </a:spcBef>
-              <a:buNone/>
-            </a:pPr>
-            <a:endParaRPr b="0" lang="en-US" sz="2000" spc="-1" strike="noStrike">
-              <a:solidFill>
-                <a:srgbClr val="000000"/>
-              </a:solidFill>
-              <a:latin typeface="Rockwell"/>
+            <a:endParaRPr b="0" lang="en-IE" sz="3200" spc="-1" strike="noStrike">
+              <a:latin typeface="Arial"/>
             </a:endParaRPr>
           </a:p>
         </p:txBody>
@@ -1690,8 +2031,8 @@
         </p:nvSpPr>
         <p:spPr>
           <a:xfrm>
-            <a:off x="1069920" y="4237200"/>
-            <a:ext cx="10058040" cy="1931760"/>
+            <a:off x="609480" y="3682080"/>
+            <a:ext cx="10972440" cy="1896840"/>
           </a:xfrm>
           <a:prstGeom prst="rect">
             <a:avLst/>
@@ -1706,20 +2047,8 @@
             <a:normAutofit/>
           </a:bodyPr>
           <a:p>
-            <a:pPr>
-              <a:lnSpc>
-                <a:spcPct val="90000"/>
-              </a:lnSpc>
-              <a:spcBef>
-                <a:spcPts val="1417"/>
-              </a:spcBef>
-              <a:buNone/>
-            </a:pPr>
-            <a:endParaRPr b="0" lang="en-US" sz="2000" spc="-1" strike="noStrike">
-              <a:solidFill>
-                <a:srgbClr val="000000"/>
-              </a:solidFill>
-              <a:latin typeface="Rockwell"/>
+            <a:endParaRPr b="0" lang="en-IE" sz="3200" spc="-1" strike="noStrike">
+              <a:latin typeface="Arial"/>
             </a:endParaRPr>
           </a:p>
         </p:txBody>
@@ -1731,7 +2060,7 @@
             <a:spLocks noGrp="1"/>
           </p:cNvSpPr>
           <p:nvPr>
-            <p:ph type="ftr" idx="2"/>
+            <p:ph type="ftr" idx="1"/>
           </p:nvPr>
         </p:nvSpPr>
         <p:spPr/>
@@ -1751,14 +2080,14 @@
             <a:spLocks noGrp="1"/>
           </p:cNvSpPr>
           <p:nvPr>
-            <p:ph type="sldNum" idx="3"/>
+            <p:ph type="sldNum" idx="2"/>
           </p:nvPr>
         </p:nvSpPr>
         <p:spPr/>
         <p:txBody>
           <a:bodyPr/>
           <a:p>
-            <a:fld id="{353067C7-B607-4DEF-A679-B27946848608}" type="slidenum">
+            <a:fld id="{AE0DDA4D-FF05-48FF-8062-EC0F8370D5C1}" type="slidenum">
               <a:t>&lt;#&gt;</a:t>
             </a:fld>
           </a:p>
@@ -1771,7 +2100,7 @@
             <a:spLocks noGrp="1"/>
           </p:cNvSpPr>
           <p:nvPr>
-            <p:ph type="dt" idx="1"/>
+            <p:ph type="dt" idx="3"/>
           </p:nvPr>
         </p:nvSpPr>
         <p:spPr/>
@@ -1819,8 +2148,8 @@
         </p:nvSpPr>
         <p:spPr>
           <a:xfrm>
-            <a:off x="1069920" y="484560"/>
-            <a:ext cx="10058040" cy="1608840"/>
+            <a:off x="609480" y="273600"/>
+            <a:ext cx="10972440" cy="1144800"/>
           </a:xfrm>
           <a:prstGeom prst="rect">
             <a:avLst/>
@@ -1835,11 +2164,11 @@
             <a:noAutofit/>
           </a:bodyPr>
           <a:p>
-            <a:endParaRPr b="0" lang="en-US" sz="1800" spc="-1" strike="noStrike">
-              <a:solidFill>
-                <a:srgbClr val="000000"/>
-              </a:solidFill>
-              <a:latin typeface="Rockwell"/>
+            <a:pPr algn="ctr">
+              <a:buNone/>
+            </a:pPr>
+            <a:endParaRPr b="0" lang="en-IE" sz="4400" spc="-1" strike="noStrike">
+              <a:latin typeface="Arial"/>
             </a:endParaRPr>
           </a:p>
         </p:txBody>
@@ -1856,8 +2185,8 @@
         </p:nvSpPr>
         <p:spPr>
           <a:xfrm>
-            <a:off x="1069920" y="2121480"/>
-            <a:ext cx="4908240" cy="1931760"/>
+            <a:off x="609480" y="1604520"/>
+            <a:ext cx="5354280" cy="1896840"/>
           </a:xfrm>
           <a:prstGeom prst="rect">
             <a:avLst/>
@@ -1872,20 +2201,8 @@
             <a:normAutofit/>
           </a:bodyPr>
           <a:p>
-            <a:pPr>
-              <a:lnSpc>
-                <a:spcPct val="90000"/>
-              </a:lnSpc>
-              <a:spcBef>
-                <a:spcPts val="1417"/>
-              </a:spcBef>
-              <a:buNone/>
-            </a:pPr>
-            <a:endParaRPr b="0" lang="en-US" sz="2000" spc="-1" strike="noStrike">
-              <a:solidFill>
-                <a:srgbClr val="000000"/>
-              </a:solidFill>
-              <a:latin typeface="Rockwell"/>
+            <a:endParaRPr b="0" lang="en-IE" sz="3200" spc="-1" strike="noStrike">
+              <a:latin typeface="Arial"/>
             </a:endParaRPr>
           </a:p>
         </p:txBody>
@@ -1902,8 +2219,8 @@
         </p:nvSpPr>
         <p:spPr>
           <a:xfrm>
-            <a:off x="6224040" y="2121480"/>
-            <a:ext cx="4908240" cy="1931760"/>
+            <a:off x="6231960" y="1604520"/>
+            <a:ext cx="5354280" cy="1896840"/>
           </a:xfrm>
           <a:prstGeom prst="rect">
             <a:avLst/>
@@ -1918,20 +2235,8 @@
             <a:normAutofit/>
           </a:bodyPr>
           <a:p>
-            <a:pPr>
-              <a:lnSpc>
-                <a:spcPct val="90000"/>
-              </a:lnSpc>
-              <a:spcBef>
-                <a:spcPts val="1417"/>
-              </a:spcBef>
-              <a:buNone/>
-            </a:pPr>
-            <a:endParaRPr b="0" lang="en-US" sz="2000" spc="-1" strike="noStrike">
-              <a:solidFill>
-                <a:srgbClr val="000000"/>
-              </a:solidFill>
-              <a:latin typeface="Rockwell"/>
+            <a:endParaRPr b="0" lang="en-IE" sz="3200" spc="-1" strike="noStrike">
+              <a:latin typeface="Arial"/>
             </a:endParaRPr>
           </a:p>
         </p:txBody>
@@ -1948,8 +2253,8 @@
         </p:nvSpPr>
         <p:spPr>
           <a:xfrm>
-            <a:off x="1069920" y="4237200"/>
-            <a:ext cx="4908240" cy="1931760"/>
+            <a:off x="609480" y="3682080"/>
+            <a:ext cx="5354280" cy="1896840"/>
           </a:xfrm>
           <a:prstGeom prst="rect">
             <a:avLst/>
@@ -1964,20 +2269,8 @@
             <a:normAutofit/>
           </a:bodyPr>
           <a:p>
-            <a:pPr>
-              <a:lnSpc>
-                <a:spcPct val="90000"/>
-              </a:lnSpc>
-              <a:spcBef>
-                <a:spcPts val="1417"/>
-              </a:spcBef>
-              <a:buNone/>
-            </a:pPr>
-            <a:endParaRPr b="0" lang="en-US" sz="2000" spc="-1" strike="noStrike">
-              <a:solidFill>
-                <a:srgbClr val="000000"/>
-              </a:solidFill>
-              <a:latin typeface="Rockwell"/>
+            <a:endParaRPr b="0" lang="en-IE" sz="3200" spc="-1" strike="noStrike">
+              <a:latin typeface="Arial"/>
             </a:endParaRPr>
           </a:p>
         </p:txBody>
@@ -1994,8 +2287,8 @@
         </p:nvSpPr>
         <p:spPr>
           <a:xfrm>
-            <a:off x="6224040" y="4237200"/>
-            <a:ext cx="4908240" cy="1931760"/>
+            <a:off x="6231960" y="3682080"/>
+            <a:ext cx="5354280" cy="1896840"/>
           </a:xfrm>
           <a:prstGeom prst="rect">
             <a:avLst/>
@@ -2010,20 +2303,8 @@
             <a:normAutofit/>
           </a:bodyPr>
           <a:p>
-            <a:pPr>
-              <a:lnSpc>
-                <a:spcPct val="90000"/>
-              </a:lnSpc>
-              <a:spcBef>
-                <a:spcPts val="1417"/>
-              </a:spcBef>
-              <a:buNone/>
-            </a:pPr>
-            <a:endParaRPr b="0" lang="en-US" sz="2000" spc="-1" strike="noStrike">
-              <a:solidFill>
-                <a:srgbClr val="000000"/>
-              </a:solidFill>
-              <a:latin typeface="Rockwell"/>
+            <a:endParaRPr b="0" lang="en-IE" sz="3200" spc="-1" strike="noStrike">
+              <a:latin typeface="Arial"/>
             </a:endParaRPr>
           </a:p>
         </p:txBody>
@@ -2035,7 +2316,7 @@
             <a:spLocks noGrp="1"/>
           </p:cNvSpPr>
           <p:nvPr>
-            <p:ph type="ftr" idx="2"/>
+            <p:ph type="ftr" idx="1"/>
           </p:nvPr>
         </p:nvSpPr>
         <p:spPr/>
@@ -2055,14 +2336,14 @@
             <a:spLocks noGrp="1"/>
           </p:cNvSpPr>
           <p:nvPr>
-            <p:ph type="sldNum" idx="3"/>
+            <p:ph type="sldNum" idx="2"/>
           </p:nvPr>
         </p:nvSpPr>
         <p:spPr/>
         <p:txBody>
           <a:bodyPr/>
           <a:p>
-            <a:fld id="{239D3964-B915-485E-BD26-58A00BCD15AA}" type="slidenum">
+            <a:fld id="{C11E37D3-6823-4B5C-B8BB-3F920EAC83B2}" type="slidenum">
               <a:t>&lt;#&gt;</a:t>
             </a:fld>
           </a:p>
@@ -2075,7 +2356,7 @@
             <a:spLocks noGrp="1"/>
           </p:cNvSpPr>
           <p:nvPr>
-            <p:ph type="dt" idx="1"/>
+            <p:ph type="dt" idx="3"/>
           </p:nvPr>
         </p:nvSpPr>
         <p:spPr/>
@@ -2123,8 +2404,8 @@
         </p:nvSpPr>
         <p:spPr>
           <a:xfrm>
-            <a:off x="1069920" y="484560"/>
-            <a:ext cx="10058040" cy="1608840"/>
+            <a:off x="609480" y="273600"/>
+            <a:ext cx="10972440" cy="1144800"/>
           </a:xfrm>
           <a:prstGeom prst="rect">
             <a:avLst/>
@@ -2139,11 +2420,11 @@
             <a:noAutofit/>
           </a:bodyPr>
           <a:p>
-            <a:endParaRPr b="0" lang="en-US" sz="1800" spc="-1" strike="noStrike">
-              <a:solidFill>
-                <a:srgbClr val="000000"/>
-              </a:solidFill>
-              <a:latin typeface="Rockwell"/>
+            <a:pPr algn="ctr">
+              <a:buNone/>
+            </a:pPr>
+            <a:endParaRPr b="0" lang="en-IE" sz="4400" spc="-1" strike="noStrike">
+              <a:latin typeface="Arial"/>
             </a:endParaRPr>
           </a:p>
         </p:txBody>
@@ -2160,8 +2441,8 @@
         </p:nvSpPr>
         <p:spPr>
           <a:xfrm>
-            <a:off x="1069920" y="2121480"/>
-            <a:ext cx="3238560" cy="1931760"/>
+            <a:off x="609480" y="1604520"/>
+            <a:ext cx="3533040" cy="1896840"/>
           </a:xfrm>
           <a:prstGeom prst="rect">
             <a:avLst/>
@@ -2176,20 +2457,8 @@
             <a:normAutofit/>
           </a:bodyPr>
           <a:p>
-            <a:pPr>
-              <a:lnSpc>
-                <a:spcPct val="90000"/>
-              </a:lnSpc>
-              <a:spcBef>
-                <a:spcPts val="1417"/>
-              </a:spcBef>
-              <a:buNone/>
-            </a:pPr>
-            <a:endParaRPr b="0" lang="en-US" sz="2000" spc="-1" strike="noStrike">
-              <a:solidFill>
-                <a:srgbClr val="000000"/>
-              </a:solidFill>
-              <a:latin typeface="Rockwell"/>
+            <a:endParaRPr b="0" lang="en-IE" sz="3200" spc="-1" strike="noStrike">
+              <a:latin typeface="Arial"/>
             </a:endParaRPr>
           </a:p>
         </p:txBody>
@@ -2206,8 +2475,8 @@
         </p:nvSpPr>
         <p:spPr>
           <a:xfrm>
-            <a:off x="4470840" y="2121480"/>
-            <a:ext cx="3238560" cy="1931760"/>
+            <a:off x="4319640" y="1604520"/>
+            <a:ext cx="3533040" cy="1896840"/>
           </a:xfrm>
           <a:prstGeom prst="rect">
             <a:avLst/>
@@ -2222,20 +2491,8 @@
             <a:normAutofit/>
           </a:bodyPr>
           <a:p>
-            <a:pPr>
-              <a:lnSpc>
-                <a:spcPct val="90000"/>
-              </a:lnSpc>
-              <a:spcBef>
-                <a:spcPts val="1417"/>
-              </a:spcBef>
-              <a:buNone/>
-            </a:pPr>
-            <a:endParaRPr b="0" lang="en-US" sz="2000" spc="-1" strike="noStrike">
-              <a:solidFill>
-                <a:srgbClr val="000000"/>
-              </a:solidFill>
-              <a:latin typeface="Rockwell"/>
+            <a:endParaRPr b="0" lang="en-IE" sz="3200" spc="-1" strike="noStrike">
+              <a:latin typeface="Arial"/>
             </a:endParaRPr>
           </a:p>
         </p:txBody>
@@ -2252,8 +2509,8 @@
         </p:nvSpPr>
         <p:spPr>
           <a:xfrm>
-            <a:off x="7871760" y="2121480"/>
-            <a:ext cx="3238560" cy="1931760"/>
+            <a:off x="8029800" y="1604520"/>
+            <a:ext cx="3533040" cy="1896840"/>
           </a:xfrm>
           <a:prstGeom prst="rect">
             <a:avLst/>
@@ -2268,20 +2525,8 @@
             <a:normAutofit/>
           </a:bodyPr>
           <a:p>
-            <a:pPr>
-              <a:lnSpc>
-                <a:spcPct val="90000"/>
-              </a:lnSpc>
-              <a:spcBef>
-                <a:spcPts val="1417"/>
-              </a:spcBef>
-              <a:buNone/>
-            </a:pPr>
-            <a:endParaRPr b="0" lang="en-US" sz="2000" spc="-1" strike="noStrike">
-              <a:solidFill>
-                <a:srgbClr val="000000"/>
-              </a:solidFill>
-              <a:latin typeface="Rockwell"/>
+            <a:endParaRPr b="0" lang="en-IE" sz="3200" spc="-1" strike="noStrike">
+              <a:latin typeface="Arial"/>
             </a:endParaRPr>
           </a:p>
         </p:txBody>
@@ -2298,8 +2543,8 @@
         </p:nvSpPr>
         <p:spPr>
           <a:xfrm>
-            <a:off x="1069920" y="4237200"/>
-            <a:ext cx="3238560" cy="1931760"/>
+            <a:off x="609480" y="3682080"/>
+            <a:ext cx="3533040" cy="1896840"/>
           </a:xfrm>
           <a:prstGeom prst="rect">
             <a:avLst/>
@@ -2314,20 +2559,8 @@
             <a:normAutofit/>
           </a:bodyPr>
           <a:p>
-            <a:pPr>
-              <a:lnSpc>
-                <a:spcPct val="90000"/>
-              </a:lnSpc>
-              <a:spcBef>
-                <a:spcPts val="1417"/>
-              </a:spcBef>
-              <a:buNone/>
-            </a:pPr>
-            <a:endParaRPr b="0" lang="en-US" sz="2000" spc="-1" strike="noStrike">
-              <a:solidFill>
-                <a:srgbClr val="000000"/>
-              </a:solidFill>
-              <a:latin typeface="Rockwell"/>
+            <a:endParaRPr b="0" lang="en-IE" sz="3200" spc="-1" strike="noStrike">
+              <a:latin typeface="Arial"/>
             </a:endParaRPr>
           </a:p>
         </p:txBody>
@@ -2344,8 +2577,8 @@
         </p:nvSpPr>
         <p:spPr>
           <a:xfrm>
-            <a:off x="4470840" y="4237200"/>
-            <a:ext cx="3238560" cy="1931760"/>
+            <a:off x="4319640" y="3682080"/>
+            <a:ext cx="3533040" cy="1896840"/>
           </a:xfrm>
           <a:prstGeom prst="rect">
             <a:avLst/>
@@ -2360,20 +2593,8 @@
             <a:normAutofit/>
           </a:bodyPr>
           <a:p>
-            <a:pPr>
-              <a:lnSpc>
-                <a:spcPct val="90000"/>
-              </a:lnSpc>
-              <a:spcBef>
-                <a:spcPts val="1417"/>
-              </a:spcBef>
-              <a:buNone/>
-            </a:pPr>
-            <a:endParaRPr b="0" lang="en-US" sz="2000" spc="-1" strike="noStrike">
-              <a:solidFill>
-                <a:srgbClr val="000000"/>
-              </a:solidFill>
-              <a:latin typeface="Rockwell"/>
+            <a:endParaRPr b="0" lang="en-IE" sz="3200" spc="-1" strike="noStrike">
+              <a:latin typeface="Arial"/>
             </a:endParaRPr>
           </a:p>
         </p:txBody>
@@ -2390,8 +2611,8 @@
         </p:nvSpPr>
         <p:spPr>
           <a:xfrm>
-            <a:off x="7871760" y="4237200"/>
-            <a:ext cx="3238560" cy="1931760"/>
+            <a:off x="8029800" y="3682080"/>
+            <a:ext cx="3533040" cy="1896840"/>
           </a:xfrm>
           <a:prstGeom prst="rect">
             <a:avLst/>
@@ -2406,20 +2627,8 @@
             <a:normAutofit/>
           </a:bodyPr>
           <a:p>
-            <a:pPr>
-              <a:lnSpc>
-                <a:spcPct val="90000"/>
-              </a:lnSpc>
-              <a:spcBef>
-                <a:spcPts val="1417"/>
-              </a:spcBef>
-              <a:buNone/>
-            </a:pPr>
-            <a:endParaRPr b="0" lang="en-US" sz="2000" spc="-1" strike="noStrike">
-              <a:solidFill>
-                <a:srgbClr val="000000"/>
-              </a:solidFill>
-              <a:latin typeface="Rockwell"/>
+            <a:endParaRPr b="0" lang="en-IE" sz="3200" spc="-1" strike="noStrike">
+              <a:latin typeface="Arial"/>
             </a:endParaRPr>
           </a:p>
         </p:txBody>
@@ -2431,7 +2640,7 @@
             <a:spLocks noGrp="1"/>
           </p:cNvSpPr>
           <p:nvPr>
-            <p:ph type="ftr" idx="2"/>
+            <p:ph type="ftr" idx="1"/>
           </p:nvPr>
         </p:nvSpPr>
         <p:spPr/>
@@ -2451,14 +2660,14 @@
             <a:spLocks noGrp="1"/>
           </p:cNvSpPr>
           <p:nvPr>
-            <p:ph type="sldNum" idx="3"/>
+            <p:ph type="sldNum" idx="2"/>
           </p:nvPr>
         </p:nvSpPr>
         <p:spPr/>
         <p:txBody>
           <a:bodyPr/>
           <a:p>
-            <a:fld id="{3AD91069-B0CC-4F7F-96FD-19B9A0858235}" type="slidenum">
+            <a:fld id="{B579AFEA-6E0B-4068-9301-EFBF43CCF5DE}" type="slidenum">
               <a:t>&lt;#&gt;</a:t>
             </a:fld>
           </a:p>
@@ -2471,7 +2680,7 @@
             <a:spLocks noGrp="1"/>
           </p:cNvSpPr>
           <p:nvPr>
-            <p:ph type="dt" idx="1"/>
+            <p:ph type="dt" idx="3"/>
           </p:nvPr>
         </p:nvSpPr>
         <p:spPr/>
@@ -2514,7 +2723,7 @@
             <a:spLocks noGrp="1"/>
           </p:cNvSpPr>
           <p:nvPr>
-            <p:ph type="ftr" idx="5"/>
+            <p:ph type="ftr" idx="4"/>
           </p:nvPr>
         </p:nvSpPr>
         <p:spPr/>
@@ -2534,14 +2743,14 @@
             <a:spLocks noGrp="1"/>
           </p:cNvSpPr>
           <p:nvPr>
-            <p:ph type="sldNum" idx="6"/>
+            <p:ph type="sldNum" idx="5"/>
           </p:nvPr>
         </p:nvSpPr>
         <p:spPr/>
         <p:txBody>
           <a:bodyPr/>
           <a:p>
-            <a:fld id="{2F1A52E4-00C2-4740-80F4-EAD076FF3E51}" type="slidenum">
+            <a:fld id="{57EA690C-8EE9-4403-AFAA-4F08C58F2E55}" type="slidenum">
               <a:t>&lt;#&gt;</a:t>
             </a:fld>
           </a:p>
@@ -2554,7 +2763,7 @@
             <a:spLocks noGrp="1"/>
           </p:cNvSpPr>
           <p:nvPr>
-            <p:ph type="dt" idx="4"/>
+            <p:ph type="dt" idx="6"/>
           </p:nvPr>
         </p:nvSpPr>
         <p:spPr/>
@@ -2602,8 +2811,8 @@
         </p:nvSpPr>
         <p:spPr>
           <a:xfrm>
-            <a:off x="1069920" y="484560"/>
-            <a:ext cx="10058040" cy="1608840"/>
+            <a:off x="609480" y="273600"/>
+            <a:ext cx="10972440" cy="1144800"/>
           </a:xfrm>
           <a:prstGeom prst="rect">
             <a:avLst/>
@@ -2618,11 +2827,11 @@
             <a:noAutofit/>
           </a:bodyPr>
           <a:p>
-            <a:endParaRPr b="0" lang="en-US" sz="1800" spc="-1" strike="noStrike">
-              <a:solidFill>
-                <a:srgbClr val="000000"/>
-              </a:solidFill>
-              <a:latin typeface="Rockwell"/>
+            <a:pPr algn="ctr">
+              <a:buNone/>
+            </a:pPr>
+            <a:endParaRPr b="0" lang="en-IE" sz="4400" spc="-1" strike="noStrike">
+              <a:latin typeface="Arial"/>
             </a:endParaRPr>
           </a:p>
         </p:txBody>
@@ -2639,8 +2848,8 @@
         </p:nvSpPr>
         <p:spPr>
           <a:xfrm>
-            <a:off x="1069920" y="2121480"/>
-            <a:ext cx="10058040" cy="4050360"/>
+            <a:off x="609480" y="1604520"/>
+            <a:ext cx="10972440" cy="3977280"/>
           </a:xfrm>
           <a:prstGeom prst="rect">
             <a:avLst/>
@@ -2671,7 +2880,7 @@
             <a:spLocks noGrp="1"/>
           </p:cNvSpPr>
           <p:nvPr>
-            <p:ph type="ftr" idx="5"/>
+            <p:ph type="ftr" idx="4"/>
           </p:nvPr>
         </p:nvSpPr>
         <p:spPr/>
@@ -2691,14 +2900,14 @@
             <a:spLocks noGrp="1"/>
           </p:cNvSpPr>
           <p:nvPr>
-            <p:ph type="sldNum" idx="6"/>
+            <p:ph type="sldNum" idx="5"/>
           </p:nvPr>
         </p:nvSpPr>
         <p:spPr/>
         <p:txBody>
           <a:bodyPr/>
           <a:p>
-            <a:fld id="{FF14AD1F-2C44-4AFC-AEDD-A3791BA31606}" type="slidenum">
+            <a:fld id="{3222B19E-B424-4959-BF08-01E18E95E4BD}" type="slidenum">
               <a:t>&lt;#&gt;</a:t>
             </a:fld>
           </a:p>
@@ -2711,7 +2920,7 @@
             <a:spLocks noGrp="1"/>
           </p:cNvSpPr>
           <p:nvPr>
-            <p:ph type="dt" idx="4"/>
+            <p:ph type="dt" idx="6"/>
           </p:nvPr>
         </p:nvSpPr>
         <p:spPr/>
@@ -2759,8 +2968,8 @@
         </p:nvSpPr>
         <p:spPr>
           <a:xfrm>
-            <a:off x="1069920" y="484560"/>
-            <a:ext cx="10058040" cy="1608840"/>
+            <a:off x="609480" y="273600"/>
+            <a:ext cx="10972440" cy="1144800"/>
           </a:xfrm>
           <a:prstGeom prst="rect">
             <a:avLst/>
@@ -2775,11 +2984,11 @@
             <a:noAutofit/>
           </a:bodyPr>
           <a:p>
-            <a:endParaRPr b="0" lang="en-US" sz="1800" spc="-1" strike="noStrike">
-              <a:solidFill>
-                <a:srgbClr val="000000"/>
-              </a:solidFill>
-              <a:latin typeface="Rockwell"/>
+            <a:pPr algn="ctr">
+              <a:buNone/>
+            </a:pPr>
+            <a:endParaRPr b="0" lang="en-IE" sz="4400" spc="-1" strike="noStrike">
+              <a:latin typeface="Arial"/>
             </a:endParaRPr>
           </a:p>
         </p:txBody>
@@ -2796,8 +3005,8 @@
         </p:nvSpPr>
         <p:spPr>
           <a:xfrm>
-            <a:off x="1069920" y="2121480"/>
-            <a:ext cx="10058040" cy="4050360"/>
+            <a:off x="609480" y="1604520"/>
+            <a:ext cx="10972440" cy="3977280"/>
           </a:xfrm>
           <a:prstGeom prst="rect">
             <a:avLst/>
@@ -2812,20 +3021,8 @@
             <a:normAutofit/>
           </a:bodyPr>
           <a:p>
-            <a:pPr>
-              <a:lnSpc>
-                <a:spcPct val="90000"/>
-              </a:lnSpc>
-              <a:spcBef>
-                <a:spcPts val="1417"/>
-              </a:spcBef>
-              <a:buNone/>
-            </a:pPr>
-            <a:endParaRPr b="0" lang="en-US" sz="2000" spc="-1" strike="noStrike">
-              <a:solidFill>
-                <a:srgbClr val="000000"/>
-              </a:solidFill>
-              <a:latin typeface="Rockwell"/>
+            <a:endParaRPr b="0" lang="en-IE" sz="3200" spc="-1" strike="noStrike">
+              <a:latin typeface="Arial"/>
             </a:endParaRPr>
           </a:p>
         </p:txBody>
@@ -2837,7 +3034,7 @@
             <a:spLocks noGrp="1"/>
           </p:cNvSpPr>
           <p:nvPr>
-            <p:ph type="ftr" idx="5"/>
+            <p:ph type="ftr" idx="4"/>
           </p:nvPr>
         </p:nvSpPr>
         <p:spPr/>
@@ -2857,14 +3054,14 @@
             <a:spLocks noGrp="1"/>
           </p:cNvSpPr>
           <p:nvPr>
-            <p:ph type="sldNum" idx="6"/>
+            <p:ph type="sldNum" idx="5"/>
           </p:nvPr>
         </p:nvSpPr>
         <p:spPr/>
         <p:txBody>
           <a:bodyPr/>
           <a:p>
-            <a:fld id="{56A6B409-B675-4D31-A3CC-1DC3AB7D308D}" type="slidenum">
+            <a:fld id="{81450F39-E322-4506-8198-C0AE7A87F326}" type="slidenum">
               <a:t>&lt;#&gt;</a:t>
             </a:fld>
           </a:p>
@@ -2877,7 +3074,7 @@
             <a:spLocks noGrp="1"/>
           </p:cNvSpPr>
           <p:nvPr>
-            <p:ph type="dt" idx="4"/>
+            <p:ph type="dt" idx="6"/>
           </p:nvPr>
         </p:nvSpPr>
         <p:spPr/>
@@ -2925,8 +3122,8 @@
         </p:nvSpPr>
         <p:spPr>
           <a:xfrm>
-            <a:off x="1069920" y="484560"/>
-            <a:ext cx="10058040" cy="1608840"/>
+            <a:off x="609480" y="273600"/>
+            <a:ext cx="10972440" cy="1144800"/>
           </a:xfrm>
           <a:prstGeom prst="rect">
             <a:avLst/>
@@ -2941,11 +3138,11 @@
             <a:noAutofit/>
           </a:bodyPr>
           <a:p>
-            <a:endParaRPr b="0" lang="en-US" sz="1800" spc="-1" strike="noStrike">
-              <a:solidFill>
-                <a:srgbClr val="000000"/>
-              </a:solidFill>
-              <a:latin typeface="Rockwell"/>
+            <a:pPr algn="ctr">
+              <a:buNone/>
+            </a:pPr>
+            <a:endParaRPr b="0" lang="en-IE" sz="4400" spc="-1" strike="noStrike">
+              <a:latin typeface="Arial"/>
             </a:endParaRPr>
           </a:p>
         </p:txBody>
@@ -2962,8 +3159,8 @@
         </p:nvSpPr>
         <p:spPr>
           <a:xfrm>
-            <a:off x="1069920" y="2121480"/>
-            <a:ext cx="4908240" cy="4050360"/>
+            <a:off x="609480" y="1604520"/>
+            <a:ext cx="5354280" cy="3977280"/>
           </a:xfrm>
           <a:prstGeom prst="rect">
             <a:avLst/>
@@ -2978,20 +3175,8 @@
             <a:normAutofit/>
           </a:bodyPr>
           <a:p>
-            <a:pPr>
-              <a:lnSpc>
-                <a:spcPct val="90000"/>
-              </a:lnSpc>
-              <a:spcBef>
-                <a:spcPts val="1417"/>
-              </a:spcBef>
-              <a:buNone/>
-            </a:pPr>
-            <a:endParaRPr b="0" lang="en-US" sz="2000" spc="-1" strike="noStrike">
-              <a:solidFill>
-                <a:srgbClr val="000000"/>
-              </a:solidFill>
-              <a:latin typeface="Rockwell"/>
+            <a:endParaRPr b="0" lang="en-IE" sz="3200" spc="-1" strike="noStrike">
+              <a:latin typeface="Arial"/>
             </a:endParaRPr>
           </a:p>
         </p:txBody>
@@ -3008,8 +3193,8 @@
         </p:nvSpPr>
         <p:spPr>
           <a:xfrm>
-            <a:off x="6224040" y="2121480"/>
-            <a:ext cx="4908240" cy="4050360"/>
+            <a:off x="6231960" y="1604520"/>
+            <a:ext cx="5354280" cy="3977280"/>
           </a:xfrm>
           <a:prstGeom prst="rect">
             <a:avLst/>
@@ -3024,20 +3209,8 @@
             <a:normAutofit/>
           </a:bodyPr>
           <a:p>
-            <a:pPr>
-              <a:lnSpc>
-                <a:spcPct val="90000"/>
-              </a:lnSpc>
-              <a:spcBef>
-                <a:spcPts val="1417"/>
-              </a:spcBef>
-              <a:buNone/>
-            </a:pPr>
-            <a:endParaRPr b="0" lang="en-US" sz="2000" spc="-1" strike="noStrike">
-              <a:solidFill>
-                <a:srgbClr val="000000"/>
-              </a:solidFill>
-              <a:latin typeface="Rockwell"/>
+            <a:endParaRPr b="0" lang="en-IE" sz="3200" spc="-1" strike="noStrike">
+              <a:latin typeface="Arial"/>
             </a:endParaRPr>
           </a:p>
         </p:txBody>
@@ -3049,7 +3222,7 @@
             <a:spLocks noGrp="1"/>
           </p:cNvSpPr>
           <p:nvPr>
-            <p:ph type="ftr" idx="5"/>
+            <p:ph type="ftr" idx="4"/>
           </p:nvPr>
         </p:nvSpPr>
         <p:spPr/>
@@ -3069,14 +3242,14 @@
             <a:spLocks noGrp="1"/>
           </p:cNvSpPr>
           <p:nvPr>
-            <p:ph type="sldNum" idx="6"/>
+            <p:ph type="sldNum" idx="5"/>
           </p:nvPr>
         </p:nvSpPr>
         <p:spPr/>
         <p:txBody>
           <a:bodyPr/>
           <a:p>
-            <a:fld id="{9E1F4711-17CC-44F2-8127-CF40A8D579CC}" type="slidenum">
+            <a:fld id="{79B164FF-F5C1-4C96-892E-834B2485BE01}" type="slidenum">
               <a:t>&lt;#&gt;</a:t>
             </a:fld>
           </a:p>
@@ -3089,7 +3262,7 @@
             <a:spLocks noGrp="1"/>
           </p:cNvSpPr>
           <p:nvPr>
-            <p:ph type="dt" idx="4"/>
+            <p:ph type="dt" idx="6"/>
           </p:nvPr>
         </p:nvSpPr>
         <p:spPr/>
@@ -3137,8 +3310,8 @@
         </p:nvSpPr>
         <p:spPr>
           <a:xfrm>
-            <a:off x="1069920" y="484560"/>
-            <a:ext cx="10058040" cy="1608840"/>
+            <a:off x="609480" y="273600"/>
+            <a:ext cx="10972440" cy="1144800"/>
           </a:xfrm>
           <a:prstGeom prst="rect">
             <a:avLst/>
@@ -3153,11 +3326,11 @@
             <a:noAutofit/>
           </a:bodyPr>
           <a:p>
-            <a:endParaRPr b="0" lang="en-US" sz="1800" spc="-1" strike="noStrike">
-              <a:solidFill>
-                <a:srgbClr val="000000"/>
-              </a:solidFill>
-              <a:latin typeface="Rockwell"/>
+            <a:pPr algn="ctr">
+              <a:buNone/>
+            </a:pPr>
+            <a:endParaRPr b="0" lang="en-IE" sz="4400" spc="-1" strike="noStrike">
+              <a:latin typeface="Arial"/>
             </a:endParaRPr>
           </a:p>
         </p:txBody>
@@ -3169,7 +3342,7 @@
             <a:spLocks noGrp="1"/>
           </p:cNvSpPr>
           <p:nvPr>
-            <p:ph type="ftr" idx="5"/>
+            <p:ph type="ftr" idx="4"/>
           </p:nvPr>
         </p:nvSpPr>
         <p:spPr/>
@@ -3189,14 +3362,14 @@
             <a:spLocks noGrp="1"/>
           </p:cNvSpPr>
           <p:nvPr>
-            <p:ph type="sldNum" idx="6"/>
+            <p:ph type="sldNum" idx="5"/>
           </p:nvPr>
         </p:nvSpPr>
         <p:spPr/>
         <p:txBody>
           <a:bodyPr/>
           <a:p>
-            <a:fld id="{225A5511-3F63-44B4-B310-390880D1AD3D}" type="slidenum">
+            <a:fld id="{26E0404C-60E8-4059-803C-CBAB7148E454}" type="slidenum">
               <a:t>&lt;#&gt;</a:t>
             </a:fld>
           </a:p>
@@ -3209,7 +3382,7 @@
             <a:spLocks noGrp="1"/>
           </p:cNvSpPr>
           <p:nvPr>
-            <p:ph type="dt" idx="4"/>
+            <p:ph type="dt" idx="6"/>
           </p:nvPr>
         </p:nvSpPr>
         <p:spPr/>
@@ -3257,8 +3430,8 @@
         </p:nvSpPr>
         <p:spPr>
           <a:xfrm>
-            <a:off x="1069920" y="484560"/>
-            <a:ext cx="10058040" cy="7458840"/>
+            <a:off x="609480" y="273600"/>
+            <a:ext cx="10972440" cy="5307840"/>
           </a:xfrm>
           <a:prstGeom prst="rect">
             <a:avLst/>
@@ -3289,7 +3462,7 @@
             <a:spLocks noGrp="1"/>
           </p:cNvSpPr>
           <p:nvPr>
-            <p:ph type="ftr" idx="5"/>
+            <p:ph type="ftr" idx="4"/>
           </p:nvPr>
         </p:nvSpPr>
         <p:spPr/>
@@ -3309,14 +3482,14 @@
             <a:spLocks noGrp="1"/>
           </p:cNvSpPr>
           <p:nvPr>
-            <p:ph type="sldNum" idx="6"/>
+            <p:ph type="sldNum" idx="5"/>
           </p:nvPr>
         </p:nvSpPr>
         <p:spPr/>
         <p:txBody>
           <a:bodyPr/>
           <a:p>
-            <a:fld id="{8C714464-50ED-473D-9B66-BD587F76DBEA}" type="slidenum">
+            <a:fld id="{74595CFC-F666-4532-B479-E79C11F710C4}" type="slidenum">
               <a:t>&lt;#&gt;</a:t>
             </a:fld>
           </a:p>
@@ -3329,7 +3502,7 @@
             <a:spLocks noGrp="1"/>
           </p:cNvSpPr>
           <p:nvPr>
-            <p:ph type="dt" idx="4"/>
+            <p:ph type="dt" idx="6"/>
           </p:nvPr>
         </p:nvSpPr>
         <p:spPr/>
@@ -3377,8 +3550,8 @@
         </p:nvSpPr>
         <p:spPr>
           <a:xfrm>
-            <a:off x="1069920" y="484560"/>
-            <a:ext cx="10058040" cy="1608840"/>
+            <a:off x="609480" y="273600"/>
+            <a:ext cx="10972440" cy="1144800"/>
           </a:xfrm>
           <a:prstGeom prst="rect">
             <a:avLst/>
@@ -3393,11 +3566,11 @@
             <a:noAutofit/>
           </a:bodyPr>
           <a:p>
-            <a:endParaRPr b="0" lang="en-US" sz="1800" spc="-1" strike="noStrike">
-              <a:solidFill>
-                <a:srgbClr val="000000"/>
-              </a:solidFill>
-              <a:latin typeface="Rockwell"/>
+            <a:pPr algn="ctr">
+              <a:buNone/>
+            </a:pPr>
+            <a:endParaRPr b="0" lang="en-IE" sz="4400" spc="-1" strike="noStrike">
+              <a:latin typeface="Arial"/>
             </a:endParaRPr>
           </a:p>
         </p:txBody>
@@ -3414,8 +3587,8 @@
         </p:nvSpPr>
         <p:spPr>
           <a:xfrm>
-            <a:off x="1069920" y="2121480"/>
-            <a:ext cx="4908240" cy="1931760"/>
+            <a:off x="609480" y="1604520"/>
+            <a:ext cx="5354280" cy="1896840"/>
           </a:xfrm>
           <a:prstGeom prst="rect">
             <a:avLst/>
@@ -3430,20 +3603,8 @@
             <a:normAutofit/>
           </a:bodyPr>
           <a:p>
-            <a:pPr>
-              <a:lnSpc>
-                <a:spcPct val="90000"/>
-              </a:lnSpc>
-              <a:spcBef>
-                <a:spcPts val="1417"/>
-              </a:spcBef>
-              <a:buNone/>
-            </a:pPr>
-            <a:endParaRPr b="0" lang="en-US" sz="2000" spc="-1" strike="noStrike">
-              <a:solidFill>
-                <a:srgbClr val="000000"/>
-              </a:solidFill>
-              <a:latin typeface="Rockwell"/>
+            <a:endParaRPr b="0" lang="en-IE" sz="3200" spc="-1" strike="noStrike">
+              <a:latin typeface="Arial"/>
             </a:endParaRPr>
           </a:p>
         </p:txBody>
@@ -3460,8 +3621,8 @@
         </p:nvSpPr>
         <p:spPr>
           <a:xfrm>
-            <a:off x="6224040" y="2121480"/>
-            <a:ext cx="4908240" cy="4050360"/>
+            <a:off x="6231960" y="1604520"/>
+            <a:ext cx="5354280" cy="3977280"/>
           </a:xfrm>
           <a:prstGeom prst="rect">
             <a:avLst/>
@@ -3476,20 +3637,8 @@
             <a:normAutofit/>
           </a:bodyPr>
           <a:p>
-            <a:pPr>
-              <a:lnSpc>
-                <a:spcPct val="90000"/>
-              </a:lnSpc>
-              <a:spcBef>
-                <a:spcPts val="1417"/>
-              </a:spcBef>
-              <a:buNone/>
-            </a:pPr>
-            <a:endParaRPr b="0" lang="en-US" sz="2000" spc="-1" strike="noStrike">
-              <a:solidFill>
-                <a:srgbClr val="000000"/>
-              </a:solidFill>
-              <a:latin typeface="Rockwell"/>
+            <a:endParaRPr b="0" lang="en-IE" sz="3200" spc="-1" strike="noStrike">
+              <a:latin typeface="Arial"/>
             </a:endParaRPr>
           </a:p>
         </p:txBody>
@@ -3506,8 +3655,8 @@
         </p:nvSpPr>
         <p:spPr>
           <a:xfrm>
-            <a:off x="1069920" y="4237200"/>
-            <a:ext cx="4908240" cy="1931760"/>
+            <a:off x="609480" y="3682080"/>
+            <a:ext cx="5354280" cy="1896840"/>
           </a:xfrm>
           <a:prstGeom prst="rect">
             <a:avLst/>
@@ -3522,20 +3671,8 @@
             <a:normAutofit/>
           </a:bodyPr>
           <a:p>
-            <a:pPr>
-              <a:lnSpc>
-                <a:spcPct val="90000"/>
-              </a:lnSpc>
-              <a:spcBef>
-                <a:spcPts val="1417"/>
-              </a:spcBef>
-              <a:buNone/>
-            </a:pPr>
-            <a:endParaRPr b="0" lang="en-US" sz="2000" spc="-1" strike="noStrike">
-              <a:solidFill>
-                <a:srgbClr val="000000"/>
-              </a:solidFill>
-              <a:latin typeface="Rockwell"/>
+            <a:endParaRPr b="0" lang="en-IE" sz="3200" spc="-1" strike="noStrike">
+              <a:latin typeface="Arial"/>
             </a:endParaRPr>
           </a:p>
         </p:txBody>
@@ -3547,7 +3684,7 @@
             <a:spLocks noGrp="1"/>
           </p:cNvSpPr>
           <p:nvPr>
-            <p:ph type="ftr" idx="5"/>
+            <p:ph type="ftr" idx="4"/>
           </p:nvPr>
         </p:nvSpPr>
         <p:spPr/>
@@ -3567,14 +3704,14 @@
             <a:spLocks noGrp="1"/>
           </p:cNvSpPr>
           <p:nvPr>
-            <p:ph type="sldNum" idx="6"/>
+            <p:ph type="sldNum" idx="5"/>
           </p:nvPr>
         </p:nvSpPr>
         <p:spPr/>
         <p:txBody>
           <a:bodyPr/>
           <a:p>
-            <a:fld id="{D5FDC96B-549A-4C9E-9B69-F27AE43B1170}" type="slidenum">
+            <a:fld id="{E27C724E-DDE9-4F56-8706-1A7CE94E96D1}" type="slidenum">
               <a:t>&lt;#&gt;</a:t>
             </a:fld>
           </a:p>
@@ -3587,7 +3724,7 @@
             <a:spLocks noGrp="1"/>
           </p:cNvSpPr>
           <p:nvPr>
-            <p:ph type="dt" idx="4"/>
+            <p:ph type="dt" idx="6"/>
           </p:nvPr>
         </p:nvSpPr>
         <p:spPr/>
@@ -3635,8 +3772,8 @@
         </p:nvSpPr>
         <p:spPr>
           <a:xfrm>
-            <a:off x="1069920" y="484560"/>
-            <a:ext cx="10058040" cy="1608840"/>
+            <a:off x="609480" y="273600"/>
+            <a:ext cx="10972440" cy="1144800"/>
           </a:xfrm>
           <a:prstGeom prst="rect">
             <a:avLst/>
@@ -3651,11 +3788,11 @@
             <a:noAutofit/>
           </a:bodyPr>
           <a:p>
-            <a:endParaRPr b="0" lang="en-US" sz="1800" spc="-1" strike="noStrike">
-              <a:solidFill>
-                <a:srgbClr val="000000"/>
-              </a:solidFill>
-              <a:latin typeface="Rockwell"/>
+            <a:pPr algn="ctr">
+              <a:buNone/>
+            </a:pPr>
+            <a:endParaRPr b="0" lang="en-IE" sz="4400" spc="-1" strike="noStrike">
+              <a:latin typeface="Arial"/>
             </a:endParaRPr>
           </a:p>
         </p:txBody>
@@ -3672,8 +3809,8 @@
         </p:nvSpPr>
         <p:spPr>
           <a:xfrm>
-            <a:off x="1069920" y="2121480"/>
-            <a:ext cx="10058040" cy="4050360"/>
+            <a:off x="609480" y="1604520"/>
+            <a:ext cx="10972440" cy="3977280"/>
           </a:xfrm>
           <a:prstGeom prst="rect">
             <a:avLst/>
@@ -3704,7 +3841,7 @@
             <a:spLocks noGrp="1"/>
           </p:cNvSpPr>
           <p:nvPr>
-            <p:ph type="ftr" idx="2"/>
+            <p:ph type="ftr" idx="1"/>
           </p:nvPr>
         </p:nvSpPr>
         <p:spPr/>
@@ -3724,14 +3861,14 @@
             <a:spLocks noGrp="1"/>
           </p:cNvSpPr>
           <p:nvPr>
-            <p:ph type="sldNum" idx="3"/>
+            <p:ph type="sldNum" idx="2"/>
           </p:nvPr>
         </p:nvSpPr>
         <p:spPr/>
         <p:txBody>
           <a:bodyPr/>
           <a:p>
-            <a:fld id="{56CF674E-CD23-426D-9637-E072091872B8}" type="slidenum">
+            <a:fld id="{74ACA6CF-CEFD-49E8-B083-68082885C446}" type="slidenum">
               <a:t>&lt;#&gt;</a:t>
             </a:fld>
           </a:p>
@@ -3744,7 +3881,7 @@
             <a:spLocks noGrp="1"/>
           </p:cNvSpPr>
           <p:nvPr>
-            <p:ph type="dt" idx="1"/>
+            <p:ph type="dt" idx="3"/>
           </p:nvPr>
         </p:nvSpPr>
         <p:spPr/>
@@ -3792,8 +3929,8 @@
         </p:nvSpPr>
         <p:spPr>
           <a:xfrm>
-            <a:off x="1069920" y="484560"/>
-            <a:ext cx="10058040" cy="1608840"/>
+            <a:off x="609480" y="273600"/>
+            <a:ext cx="10972440" cy="1144800"/>
           </a:xfrm>
           <a:prstGeom prst="rect">
             <a:avLst/>
@@ -3808,11 +3945,11 @@
             <a:noAutofit/>
           </a:bodyPr>
           <a:p>
-            <a:endParaRPr b="0" lang="en-US" sz="1800" spc="-1" strike="noStrike">
-              <a:solidFill>
-                <a:srgbClr val="000000"/>
-              </a:solidFill>
-              <a:latin typeface="Rockwell"/>
+            <a:pPr algn="ctr">
+              <a:buNone/>
+            </a:pPr>
+            <a:endParaRPr b="0" lang="en-IE" sz="4400" spc="-1" strike="noStrike">
+              <a:latin typeface="Arial"/>
             </a:endParaRPr>
           </a:p>
         </p:txBody>
@@ -3829,8 +3966,8 @@
         </p:nvSpPr>
         <p:spPr>
           <a:xfrm>
-            <a:off x="1069920" y="2121480"/>
-            <a:ext cx="4908240" cy="4050360"/>
+            <a:off x="609480" y="1604520"/>
+            <a:ext cx="5354280" cy="3977280"/>
           </a:xfrm>
           <a:prstGeom prst="rect">
             <a:avLst/>
@@ -3845,20 +3982,8 @@
             <a:normAutofit/>
           </a:bodyPr>
           <a:p>
-            <a:pPr>
-              <a:lnSpc>
-                <a:spcPct val="90000"/>
-              </a:lnSpc>
-              <a:spcBef>
-                <a:spcPts val="1417"/>
-              </a:spcBef>
-              <a:buNone/>
-            </a:pPr>
-            <a:endParaRPr b="0" lang="en-US" sz="2000" spc="-1" strike="noStrike">
-              <a:solidFill>
-                <a:srgbClr val="000000"/>
-              </a:solidFill>
-              <a:latin typeface="Rockwell"/>
+            <a:endParaRPr b="0" lang="en-IE" sz="3200" spc="-1" strike="noStrike">
+              <a:latin typeface="Arial"/>
             </a:endParaRPr>
           </a:p>
         </p:txBody>
@@ -3875,8 +4000,8 @@
         </p:nvSpPr>
         <p:spPr>
           <a:xfrm>
-            <a:off x="6224040" y="2121480"/>
-            <a:ext cx="4908240" cy="1931760"/>
+            <a:off x="6231960" y="1604520"/>
+            <a:ext cx="5354280" cy="1896840"/>
           </a:xfrm>
           <a:prstGeom prst="rect">
             <a:avLst/>
@@ -3891,20 +4016,8 @@
             <a:normAutofit/>
           </a:bodyPr>
           <a:p>
-            <a:pPr>
-              <a:lnSpc>
-                <a:spcPct val="90000"/>
-              </a:lnSpc>
-              <a:spcBef>
-                <a:spcPts val="1417"/>
-              </a:spcBef>
-              <a:buNone/>
-            </a:pPr>
-            <a:endParaRPr b="0" lang="en-US" sz="2000" spc="-1" strike="noStrike">
-              <a:solidFill>
-                <a:srgbClr val="000000"/>
-              </a:solidFill>
-              <a:latin typeface="Rockwell"/>
+            <a:endParaRPr b="0" lang="en-IE" sz="3200" spc="-1" strike="noStrike">
+              <a:latin typeface="Arial"/>
             </a:endParaRPr>
           </a:p>
         </p:txBody>
@@ -3921,8 +4034,8 @@
         </p:nvSpPr>
         <p:spPr>
           <a:xfrm>
-            <a:off x="6224040" y="4237200"/>
-            <a:ext cx="4908240" cy="1931760"/>
+            <a:off x="6231960" y="3682080"/>
+            <a:ext cx="5354280" cy="1896840"/>
           </a:xfrm>
           <a:prstGeom prst="rect">
             <a:avLst/>
@@ -3937,20 +4050,8 @@
             <a:normAutofit/>
           </a:bodyPr>
           <a:p>
-            <a:pPr>
-              <a:lnSpc>
-                <a:spcPct val="90000"/>
-              </a:lnSpc>
-              <a:spcBef>
-                <a:spcPts val="1417"/>
-              </a:spcBef>
-              <a:buNone/>
-            </a:pPr>
-            <a:endParaRPr b="0" lang="en-US" sz="2000" spc="-1" strike="noStrike">
-              <a:solidFill>
-                <a:srgbClr val="000000"/>
-              </a:solidFill>
-              <a:latin typeface="Rockwell"/>
+            <a:endParaRPr b="0" lang="en-IE" sz="3200" spc="-1" strike="noStrike">
+              <a:latin typeface="Arial"/>
             </a:endParaRPr>
           </a:p>
         </p:txBody>
@@ -3962,7 +4063,7 @@
             <a:spLocks noGrp="1"/>
           </p:cNvSpPr>
           <p:nvPr>
-            <p:ph type="ftr" idx="5"/>
+            <p:ph type="ftr" idx="4"/>
           </p:nvPr>
         </p:nvSpPr>
         <p:spPr/>
@@ -3982,14 +4083,14 @@
             <a:spLocks noGrp="1"/>
           </p:cNvSpPr>
           <p:nvPr>
-            <p:ph type="sldNum" idx="6"/>
+            <p:ph type="sldNum" idx="5"/>
           </p:nvPr>
         </p:nvSpPr>
         <p:spPr/>
         <p:txBody>
           <a:bodyPr/>
           <a:p>
-            <a:fld id="{E4E8F8A6-4558-43AE-9BA9-4467C63A385C}" type="slidenum">
+            <a:fld id="{4193DD5E-7680-4ECC-8844-E549FD7E30AA}" type="slidenum">
               <a:t>&lt;#&gt;</a:t>
             </a:fld>
           </a:p>
@@ -4002,7 +4103,7 @@
             <a:spLocks noGrp="1"/>
           </p:cNvSpPr>
           <p:nvPr>
-            <p:ph type="dt" idx="4"/>
+            <p:ph type="dt" idx="6"/>
           </p:nvPr>
         </p:nvSpPr>
         <p:spPr/>
@@ -4050,8 +4151,8 @@
         </p:nvSpPr>
         <p:spPr>
           <a:xfrm>
-            <a:off x="1069920" y="484560"/>
-            <a:ext cx="10058040" cy="1608840"/>
+            <a:off x="609480" y="273600"/>
+            <a:ext cx="10972440" cy="1144800"/>
           </a:xfrm>
           <a:prstGeom prst="rect">
             <a:avLst/>
@@ -4066,11 +4167,11 @@
             <a:noAutofit/>
           </a:bodyPr>
           <a:p>
-            <a:endParaRPr b="0" lang="en-US" sz="1800" spc="-1" strike="noStrike">
-              <a:solidFill>
-                <a:srgbClr val="000000"/>
-              </a:solidFill>
-              <a:latin typeface="Rockwell"/>
+            <a:pPr algn="ctr">
+              <a:buNone/>
+            </a:pPr>
+            <a:endParaRPr b="0" lang="en-IE" sz="4400" spc="-1" strike="noStrike">
+              <a:latin typeface="Arial"/>
             </a:endParaRPr>
           </a:p>
         </p:txBody>
@@ -4087,8 +4188,8 @@
         </p:nvSpPr>
         <p:spPr>
           <a:xfrm>
-            <a:off x="1069920" y="2121480"/>
-            <a:ext cx="4908240" cy="1931760"/>
+            <a:off x="609480" y="1604520"/>
+            <a:ext cx="5354280" cy="1896840"/>
           </a:xfrm>
           <a:prstGeom prst="rect">
             <a:avLst/>
@@ -4103,20 +4204,8 @@
             <a:normAutofit/>
           </a:bodyPr>
           <a:p>
-            <a:pPr>
-              <a:lnSpc>
-                <a:spcPct val="90000"/>
-              </a:lnSpc>
-              <a:spcBef>
-                <a:spcPts val="1417"/>
-              </a:spcBef>
-              <a:buNone/>
-            </a:pPr>
-            <a:endParaRPr b="0" lang="en-US" sz="2000" spc="-1" strike="noStrike">
-              <a:solidFill>
-                <a:srgbClr val="000000"/>
-              </a:solidFill>
-              <a:latin typeface="Rockwell"/>
+            <a:endParaRPr b="0" lang="en-IE" sz="3200" spc="-1" strike="noStrike">
+              <a:latin typeface="Arial"/>
             </a:endParaRPr>
           </a:p>
         </p:txBody>
@@ -4133,8 +4222,8 @@
         </p:nvSpPr>
         <p:spPr>
           <a:xfrm>
-            <a:off x="6224040" y="2121480"/>
-            <a:ext cx="4908240" cy="1931760"/>
+            <a:off x="6231960" y="1604520"/>
+            <a:ext cx="5354280" cy="1896840"/>
           </a:xfrm>
           <a:prstGeom prst="rect">
             <a:avLst/>
@@ -4149,20 +4238,8 @@
             <a:normAutofit/>
           </a:bodyPr>
           <a:p>
-            <a:pPr>
-              <a:lnSpc>
-                <a:spcPct val="90000"/>
-              </a:lnSpc>
-              <a:spcBef>
-                <a:spcPts val="1417"/>
-              </a:spcBef>
-              <a:buNone/>
-            </a:pPr>
-            <a:endParaRPr b="0" lang="en-US" sz="2000" spc="-1" strike="noStrike">
-              <a:solidFill>
-                <a:srgbClr val="000000"/>
-              </a:solidFill>
-              <a:latin typeface="Rockwell"/>
+            <a:endParaRPr b="0" lang="en-IE" sz="3200" spc="-1" strike="noStrike">
+              <a:latin typeface="Arial"/>
             </a:endParaRPr>
           </a:p>
         </p:txBody>
@@ -4179,8 +4256,8 @@
         </p:nvSpPr>
         <p:spPr>
           <a:xfrm>
-            <a:off x="1069920" y="4237200"/>
-            <a:ext cx="10058040" cy="1931760"/>
+            <a:off x="609480" y="3682080"/>
+            <a:ext cx="10972440" cy="1896840"/>
           </a:xfrm>
           <a:prstGeom prst="rect">
             <a:avLst/>
@@ -4195,20 +4272,8 @@
             <a:normAutofit/>
           </a:bodyPr>
           <a:p>
-            <a:pPr>
-              <a:lnSpc>
-                <a:spcPct val="90000"/>
-              </a:lnSpc>
-              <a:spcBef>
-                <a:spcPts val="1417"/>
-              </a:spcBef>
-              <a:buNone/>
-            </a:pPr>
-            <a:endParaRPr b="0" lang="en-US" sz="2000" spc="-1" strike="noStrike">
-              <a:solidFill>
-                <a:srgbClr val="000000"/>
-              </a:solidFill>
-              <a:latin typeface="Rockwell"/>
+            <a:endParaRPr b="0" lang="en-IE" sz="3200" spc="-1" strike="noStrike">
+              <a:latin typeface="Arial"/>
             </a:endParaRPr>
           </a:p>
         </p:txBody>
@@ -4220,7 +4285,7 @@
             <a:spLocks noGrp="1"/>
           </p:cNvSpPr>
           <p:nvPr>
-            <p:ph type="ftr" idx="5"/>
+            <p:ph type="ftr" idx="4"/>
           </p:nvPr>
         </p:nvSpPr>
         <p:spPr/>
@@ -4240,14 +4305,14 @@
             <a:spLocks noGrp="1"/>
           </p:cNvSpPr>
           <p:nvPr>
-            <p:ph type="sldNum" idx="6"/>
+            <p:ph type="sldNum" idx="5"/>
           </p:nvPr>
         </p:nvSpPr>
         <p:spPr/>
         <p:txBody>
           <a:bodyPr/>
           <a:p>
-            <a:fld id="{0F42B50A-2FE1-4435-B2B0-C37034B8D892}" type="slidenum">
+            <a:fld id="{76DB1E64-66DF-401D-8288-2E5DCE223306}" type="slidenum">
               <a:t>&lt;#&gt;</a:t>
             </a:fld>
           </a:p>
@@ -4260,7 +4325,7 @@
             <a:spLocks noGrp="1"/>
           </p:cNvSpPr>
           <p:nvPr>
-            <p:ph type="dt" idx="4"/>
+            <p:ph type="dt" idx="6"/>
           </p:nvPr>
         </p:nvSpPr>
         <p:spPr/>
@@ -4308,8 +4373,8 @@
         </p:nvSpPr>
         <p:spPr>
           <a:xfrm>
-            <a:off x="1069920" y="484560"/>
-            <a:ext cx="10058040" cy="1608840"/>
+            <a:off x="609480" y="273600"/>
+            <a:ext cx="10972440" cy="1144800"/>
           </a:xfrm>
           <a:prstGeom prst="rect">
             <a:avLst/>
@@ -4324,11 +4389,11 @@
             <a:noAutofit/>
           </a:bodyPr>
           <a:p>
-            <a:endParaRPr b="0" lang="en-US" sz="1800" spc="-1" strike="noStrike">
-              <a:solidFill>
-                <a:srgbClr val="000000"/>
-              </a:solidFill>
-              <a:latin typeface="Rockwell"/>
+            <a:pPr algn="ctr">
+              <a:buNone/>
+            </a:pPr>
+            <a:endParaRPr b="0" lang="en-IE" sz="4400" spc="-1" strike="noStrike">
+              <a:latin typeface="Arial"/>
             </a:endParaRPr>
           </a:p>
         </p:txBody>
@@ -4345,8 +4410,8 @@
         </p:nvSpPr>
         <p:spPr>
           <a:xfrm>
-            <a:off x="1069920" y="2121480"/>
-            <a:ext cx="10058040" cy="1931760"/>
+            <a:off x="609480" y="1604520"/>
+            <a:ext cx="10972440" cy="1896840"/>
           </a:xfrm>
           <a:prstGeom prst="rect">
             <a:avLst/>
@@ -4361,20 +4426,8 @@
             <a:normAutofit/>
           </a:bodyPr>
           <a:p>
-            <a:pPr>
-              <a:lnSpc>
-                <a:spcPct val="90000"/>
-              </a:lnSpc>
-              <a:spcBef>
-                <a:spcPts val="1417"/>
-              </a:spcBef>
-              <a:buNone/>
-            </a:pPr>
-            <a:endParaRPr b="0" lang="en-US" sz="2000" spc="-1" strike="noStrike">
-              <a:solidFill>
-                <a:srgbClr val="000000"/>
-              </a:solidFill>
-              <a:latin typeface="Rockwell"/>
+            <a:endParaRPr b="0" lang="en-IE" sz="3200" spc="-1" strike="noStrike">
+              <a:latin typeface="Arial"/>
             </a:endParaRPr>
           </a:p>
         </p:txBody>
@@ -4391,8 +4444,8 @@
         </p:nvSpPr>
         <p:spPr>
           <a:xfrm>
-            <a:off x="1069920" y="4237200"/>
-            <a:ext cx="10058040" cy="1931760"/>
+            <a:off x="609480" y="3682080"/>
+            <a:ext cx="10972440" cy="1896840"/>
           </a:xfrm>
           <a:prstGeom prst="rect">
             <a:avLst/>
@@ -4407,20 +4460,8 @@
             <a:normAutofit/>
           </a:bodyPr>
           <a:p>
-            <a:pPr>
-              <a:lnSpc>
-                <a:spcPct val="90000"/>
-              </a:lnSpc>
-              <a:spcBef>
-                <a:spcPts val="1417"/>
-              </a:spcBef>
-              <a:buNone/>
-            </a:pPr>
-            <a:endParaRPr b="0" lang="en-US" sz="2000" spc="-1" strike="noStrike">
-              <a:solidFill>
-                <a:srgbClr val="000000"/>
-              </a:solidFill>
-              <a:latin typeface="Rockwell"/>
+            <a:endParaRPr b="0" lang="en-IE" sz="3200" spc="-1" strike="noStrike">
+              <a:latin typeface="Arial"/>
             </a:endParaRPr>
           </a:p>
         </p:txBody>
@@ -4432,7 +4473,7 @@
             <a:spLocks noGrp="1"/>
           </p:cNvSpPr>
           <p:nvPr>
-            <p:ph type="ftr" idx="5"/>
+            <p:ph type="ftr" idx="4"/>
           </p:nvPr>
         </p:nvSpPr>
         <p:spPr/>
@@ -4452,14 +4493,14 @@
             <a:spLocks noGrp="1"/>
           </p:cNvSpPr>
           <p:nvPr>
-            <p:ph type="sldNum" idx="6"/>
+            <p:ph type="sldNum" idx="5"/>
           </p:nvPr>
         </p:nvSpPr>
         <p:spPr/>
         <p:txBody>
           <a:bodyPr/>
           <a:p>
-            <a:fld id="{B2F3473A-FF2D-46F5-B4D5-E27CDFDBA308}" type="slidenum">
+            <a:fld id="{0B4B3F3F-95D9-4B7D-9F5B-26DB6FF73C4B}" type="slidenum">
               <a:t>&lt;#&gt;</a:t>
             </a:fld>
           </a:p>
@@ -4472,7 +4513,7 @@
             <a:spLocks noGrp="1"/>
           </p:cNvSpPr>
           <p:nvPr>
-            <p:ph type="dt" idx="4"/>
+            <p:ph type="dt" idx="6"/>
           </p:nvPr>
         </p:nvSpPr>
         <p:spPr/>
@@ -4520,8 +4561,8 @@
         </p:nvSpPr>
         <p:spPr>
           <a:xfrm>
-            <a:off x="1069920" y="484560"/>
-            <a:ext cx="10058040" cy="1608840"/>
+            <a:off x="609480" y="273600"/>
+            <a:ext cx="10972440" cy="1144800"/>
           </a:xfrm>
           <a:prstGeom prst="rect">
             <a:avLst/>
@@ -4536,11 +4577,11 @@
             <a:noAutofit/>
           </a:bodyPr>
           <a:p>
-            <a:endParaRPr b="0" lang="en-US" sz="1800" spc="-1" strike="noStrike">
-              <a:solidFill>
-                <a:srgbClr val="000000"/>
-              </a:solidFill>
-              <a:latin typeface="Rockwell"/>
+            <a:pPr algn="ctr">
+              <a:buNone/>
+            </a:pPr>
+            <a:endParaRPr b="0" lang="en-IE" sz="4400" spc="-1" strike="noStrike">
+              <a:latin typeface="Arial"/>
             </a:endParaRPr>
           </a:p>
         </p:txBody>
@@ -4557,8 +4598,8 @@
         </p:nvSpPr>
         <p:spPr>
           <a:xfrm>
-            <a:off x="1069920" y="2121480"/>
-            <a:ext cx="4908240" cy="1931760"/>
+            <a:off x="609480" y="1604520"/>
+            <a:ext cx="5354280" cy="1896840"/>
           </a:xfrm>
           <a:prstGeom prst="rect">
             <a:avLst/>
@@ -4573,20 +4614,8 @@
             <a:normAutofit/>
           </a:bodyPr>
           <a:p>
-            <a:pPr>
-              <a:lnSpc>
-                <a:spcPct val="90000"/>
-              </a:lnSpc>
-              <a:spcBef>
-                <a:spcPts val="1417"/>
-              </a:spcBef>
-              <a:buNone/>
-            </a:pPr>
-            <a:endParaRPr b="0" lang="en-US" sz="2000" spc="-1" strike="noStrike">
-              <a:solidFill>
-                <a:srgbClr val="000000"/>
-              </a:solidFill>
-              <a:latin typeface="Rockwell"/>
+            <a:endParaRPr b="0" lang="en-IE" sz="3200" spc="-1" strike="noStrike">
+              <a:latin typeface="Arial"/>
             </a:endParaRPr>
           </a:p>
         </p:txBody>
@@ -4603,8 +4632,8 @@
         </p:nvSpPr>
         <p:spPr>
           <a:xfrm>
-            <a:off x="6224040" y="2121480"/>
-            <a:ext cx="4908240" cy="1931760"/>
+            <a:off x="6231960" y="1604520"/>
+            <a:ext cx="5354280" cy="1896840"/>
           </a:xfrm>
           <a:prstGeom prst="rect">
             <a:avLst/>
@@ -4619,20 +4648,8 @@
             <a:normAutofit/>
           </a:bodyPr>
           <a:p>
-            <a:pPr>
-              <a:lnSpc>
-                <a:spcPct val="90000"/>
-              </a:lnSpc>
-              <a:spcBef>
-                <a:spcPts val="1417"/>
-              </a:spcBef>
-              <a:buNone/>
-            </a:pPr>
-            <a:endParaRPr b="0" lang="en-US" sz="2000" spc="-1" strike="noStrike">
-              <a:solidFill>
-                <a:srgbClr val="000000"/>
-              </a:solidFill>
-              <a:latin typeface="Rockwell"/>
+            <a:endParaRPr b="0" lang="en-IE" sz="3200" spc="-1" strike="noStrike">
+              <a:latin typeface="Arial"/>
             </a:endParaRPr>
           </a:p>
         </p:txBody>
@@ -4649,8 +4666,8 @@
         </p:nvSpPr>
         <p:spPr>
           <a:xfrm>
-            <a:off x="1069920" y="4237200"/>
-            <a:ext cx="4908240" cy="1931760"/>
+            <a:off x="609480" y="3682080"/>
+            <a:ext cx="5354280" cy="1896840"/>
           </a:xfrm>
           <a:prstGeom prst="rect">
             <a:avLst/>
@@ -4665,20 +4682,8 @@
             <a:normAutofit/>
           </a:bodyPr>
           <a:p>
-            <a:pPr>
-              <a:lnSpc>
-                <a:spcPct val="90000"/>
-              </a:lnSpc>
-              <a:spcBef>
-                <a:spcPts val="1417"/>
-              </a:spcBef>
-              <a:buNone/>
-            </a:pPr>
-            <a:endParaRPr b="0" lang="en-US" sz="2000" spc="-1" strike="noStrike">
-              <a:solidFill>
-                <a:srgbClr val="000000"/>
-              </a:solidFill>
-              <a:latin typeface="Rockwell"/>
+            <a:endParaRPr b="0" lang="en-IE" sz="3200" spc="-1" strike="noStrike">
+              <a:latin typeface="Arial"/>
             </a:endParaRPr>
           </a:p>
         </p:txBody>
@@ -4695,8 +4700,8 @@
         </p:nvSpPr>
         <p:spPr>
           <a:xfrm>
-            <a:off x="6224040" y="4237200"/>
-            <a:ext cx="4908240" cy="1931760"/>
+            <a:off x="6231960" y="3682080"/>
+            <a:ext cx="5354280" cy="1896840"/>
           </a:xfrm>
           <a:prstGeom prst="rect">
             <a:avLst/>
@@ -4711,20 +4716,8 @@
             <a:normAutofit/>
           </a:bodyPr>
           <a:p>
-            <a:pPr>
-              <a:lnSpc>
-                <a:spcPct val="90000"/>
-              </a:lnSpc>
-              <a:spcBef>
-                <a:spcPts val="1417"/>
-              </a:spcBef>
-              <a:buNone/>
-            </a:pPr>
-            <a:endParaRPr b="0" lang="en-US" sz="2000" spc="-1" strike="noStrike">
-              <a:solidFill>
-                <a:srgbClr val="000000"/>
-              </a:solidFill>
-              <a:latin typeface="Rockwell"/>
+            <a:endParaRPr b="0" lang="en-IE" sz="3200" spc="-1" strike="noStrike">
+              <a:latin typeface="Arial"/>
             </a:endParaRPr>
           </a:p>
         </p:txBody>
@@ -4736,7 +4729,7 @@
             <a:spLocks noGrp="1"/>
           </p:cNvSpPr>
           <p:nvPr>
-            <p:ph type="ftr" idx="5"/>
+            <p:ph type="ftr" idx="4"/>
           </p:nvPr>
         </p:nvSpPr>
         <p:spPr/>
@@ -4756,14 +4749,14 @@
             <a:spLocks noGrp="1"/>
           </p:cNvSpPr>
           <p:nvPr>
-            <p:ph type="sldNum" idx="6"/>
+            <p:ph type="sldNum" idx="5"/>
           </p:nvPr>
         </p:nvSpPr>
         <p:spPr/>
         <p:txBody>
           <a:bodyPr/>
           <a:p>
-            <a:fld id="{7E1E4853-4AB1-4517-A1C0-ECEC72D874E6}" type="slidenum">
+            <a:fld id="{968CC70A-5A8E-47BF-A4CF-6481BD8A1948}" type="slidenum">
               <a:t>&lt;#&gt;</a:t>
             </a:fld>
           </a:p>
@@ -4776,7 +4769,7 @@
             <a:spLocks noGrp="1"/>
           </p:cNvSpPr>
           <p:nvPr>
-            <p:ph type="dt" idx="4"/>
+            <p:ph type="dt" idx="6"/>
           </p:nvPr>
         </p:nvSpPr>
         <p:spPr/>
@@ -4824,8 +4817,8 @@
         </p:nvSpPr>
         <p:spPr>
           <a:xfrm>
-            <a:off x="1069920" y="484560"/>
-            <a:ext cx="10058040" cy="1608840"/>
+            <a:off x="609480" y="273600"/>
+            <a:ext cx="10972440" cy="1144800"/>
           </a:xfrm>
           <a:prstGeom prst="rect">
             <a:avLst/>
@@ -4840,11 +4833,11 @@
             <a:noAutofit/>
           </a:bodyPr>
           <a:p>
-            <a:endParaRPr b="0" lang="en-US" sz="1800" spc="-1" strike="noStrike">
-              <a:solidFill>
-                <a:srgbClr val="000000"/>
-              </a:solidFill>
-              <a:latin typeface="Rockwell"/>
+            <a:pPr algn="ctr">
+              <a:buNone/>
+            </a:pPr>
+            <a:endParaRPr b="0" lang="en-IE" sz="4400" spc="-1" strike="noStrike">
+              <a:latin typeface="Arial"/>
             </a:endParaRPr>
           </a:p>
         </p:txBody>
@@ -4861,8 +4854,8 @@
         </p:nvSpPr>
         <p:spPr>
           <a:xfrm>
-            <a:off x="1069920" y="2121480"/>
-            <a:ext cx="3238560" cy="1931760"/>
+            <a:off x="609480" y="1604520"/>
+            <a:ext cx="3533040" cy="1896840"/>
           </a:xfrm>
           <a:prstGeom prst="rect">
             <a:avLst/>
@@ -4877,20 +4870,8 @@
             <a:normAutofit/>
           </a:bodyPr>
           <a:p>
-            <a:pPr>
-              <a:lnSpc>
-                <a:spcPct val="90000"/>
-              </a:lnSpc>
-              <a:spcBef>
-                <a:spcPts val="1417"/>
-              </a:spcBef>
-              <a:buNone/>
-            </a:pPr>
-            <a:endParaRPr b="0" lang="en-US" sz="2000" spc="-1" strike="noStrike">
-              <a:solidFill>
-                <a:srgbClr val="000000"/>
-              </a:solidFill>
-              <a:latin typeface="Rockwell"/>
+            <a:endParaRPr b="0" lang="en-IE" sz="3200" spc="-1" strike="noStrike">
+              <a:latin typeface="Arial"/>
             </a:endParaRPr>
           </a:p>
         </p:txBody>
@@ -4907,8 +4888,8 @@
         </p:nvSpPr>
         <p:spPr>
           <a:xfrm>
-            <a:off x="4470840" y="2121480"/>
-            <a:ext cx="3238560" cy="1931760"/>
+            <a:off x="4319640" y="1604520"/>
+            <a:ext cx="3533040" cy="1896840"/>
           </a:xfrm>
           <a:prstGeom prst="rect">
             <a:avLst/>
@@ -4923,20 +4904,8 @@
             <a:normAutofit/>
           </a:bodyPr>
           <a:p>
-            <a:pPr>
-              <a:lnSpc>
-                <a:spcPct val="90000"/>
-              </a:lnSpc>
-              <a:spcBef>
-                <a:spcPts val="1417"/>
-              </a:spcBef>
-              <a:buNone/>
-            </a:pPr>
-            <a:endParaRPr b="0" lang="en-US" sz="2000" spc="-1" strike="noStrike">
-              <a:solidFill>
-                <a:srgbClr val="000000"/>
-              </a:solidFill>
-              <a:latin typeface="Rockwell"/>
+            <a:endParaRPr b="0" lang="en-IE" sz="3200" spc="-1" strike="noStrike">
+              <a:latin typeface="Arial"/>
             </a:endParaRPr>
           </a:p>
         </p:txBody>
@@ -4953,8 +4922,8 @@
         </p:nvSpPr>
         <p:spPr>
           <a:xfrm>
-            <a:off x="7871760" y="2121480"/>
-            <a:ext cx="3238560" cy="1931760"/>
+            <a:off x="8029800" y="1604520"/>
+            <a:ext cx="3533040" cy="1896840"/>
           </a:xfrm>
           <a:prstGeom prst="rect">
             <a:avLst/>
@@ -4969,20 +4938,8 @@
             <a:normAutofit/>
           </a:bodyPr>
           <a:p>
-            <a:pPr>
-              <a:lnSpc>
-                <a:spcPct val="90000"/>
-              </a:lnSpc>
-              <a:spcBef>
-                <a:spcPts val="1417"/>
-              </a:spcBef>
-              <a:buNone/>
-            </a:pPr>
-            <a:endParaRPr b="0" lang="en-US" sz="2000" spc="-1" strike="noStrike">
-              <a:solidFill>
-                <a:srgbClr val="000000"/>
-              </a:solidFill>
-              <a:latin typeface="Rockwell"/>
+            <a:endParaRPr b="0" lang="en-IE" sz="3200" spc="-1" strike="noStrike">
+              <a:latin typeface="Arial"/>
             </a:endParaRPr>
           </a:p>
         </p:txBody>
@@ -4999,8 +4956,8 @@
         </p:nvSpPr>
         <p:spPr>
           <a:xfrm>
-            <a:off x="1069920" y="4237200"/>
-            <a:ext cx="3238560" cy="1931760"/>
+            <a:off x="609480" y="3682080"/>
+            <a:ext cx="3533040" cy="1896840"/>
           </a:xfrm>
           <a:prstGeom prst="rect">
             <a:avLst/>
@@ -5015,20 +4972,8 @@
             <a:normAutofit/>
           </a:bodyPr>
           <a:p>
-            <a:pPr>
-              <a:lnSpc>
-                <a:spcPct val="90000"/>
-              </a:lnSpc>
-              <a:spcBef>
-                <a:spcPts val="1417"/>
-              </a:spcBef>
-              <a:buNone/>
-            </a:pPr>
-            <a:endParaRPr b="0" lang="en-US" sz="2000" spc="-1" strike="noStrike">
-              <a:solidFill>
-                <a:srgbClr val="000000"/>
-              </a:solidFill>
-              <a:latin typeface="Rockwell"/>
+            <a:endParaRPr b="0" lang="en-IE" sz="3200" spc="-1" strike="noStrike">
+              <a:latin typeface="Arial"/>
             </a:endParaRPr>
           </a:p>
         </p:txBody>
@@ -5045,8 +4990,8 @@
         </p:nvSpPr>
         <p:spPr>
           <a:xfrm>
-            <a:off x="4470840" y="4237200"/>
-            <a:ext cx="3238560" cy="1931760"/>
+            <a:off x="4319640" y="3682080"/>
+            <a:ext cx="3533040" cy="1896840"/>
           </a:xfrm>
           <a:prstGeom prst="rect">
             <a:avLst/>
@@ -5061,20 +5006,8 @@
             <a:normAutofit/>
           </a:bodyPr>
           <a:p>
-            <a:pPr>
-              <a:lnSpc>
-                <a:spcPct val="90000"/>
-              </a:lnSpc>
-              <a:spcBef>
-                <a:spcPts val="1417"/>
-              </a:spcBef>
-              <a:buNone/>
-            </a:pPr>
-            <a:endParaRPr b="0" lang="en-US" sz="2000" spc="-1" strike="noStrike">
-              <a:solidFill>
-                <a:srgbClr val="000000"/>
-              </a:solidFill>
-              <a:latin typeface="Rockwell"/>
+            <a:endParaRPr b="0" lang="en-IE" sz="3200" spc="-1" strike="noStrike">
+              <a:latin typeface="Arial"/>
             </a:endParaRPr>
           </a:p>
         </p:txBody>
@@ -5091,8 +5024,8 @@
         </p:nvSpPr>
         <p:spPr>
           <a:xfrm>
-            <a:off x="7871760" y="4237200"/>
-            <a:ext cx="3238560" cy="1931760"/>
+            <a:off x="8029800" y="3682080"/>
+            <a:ext cx="3533040" cy="1896840"/>
           </a:xfrm>
           <a:prstGeom prst="rect">
             <a:avLst/>
@@ -5107,20 +5040,8 @@
             <a:normAutofit/>
           </a:bodyPr>
           <a:p>
-            <a:pPr>
-              <a:lnSpc>
-                <a:spcPct val="90000"/>
-              </a:lnSpc>
-              <a:spcBef>
-                <a:spcPts val="1417"/>
-              </a:spcBef>
-              <a:buNone/>
-            </a:pPr>
-            <a:endParaRPr b="0" lang="en-US" sz="2000" spc="-1" strike="noStrike">
-              <a:solidFill>
-                <a:srgbClr val="000000"/>
-              </a:solidFill>
-              <a:latin typeface="Rockwell"/>
+            <a:endParaRPr b="0" lang="en-IE" sz="3200" spc="-1" strike="noStrike">
+              <a:latin typeface="Arial"/>
             </a:endParaRPr>
           </a:p>
         </p:txBody>
@@ -5132,7 +5053,7 @@
             <a:spLocks noGrp="1"/>
           </p:cNvSpPr>
           <p:nvPr>
-            <p:ph type="ftr" idx="5"/>
+            <p:ph type="ftr" idx="4"/>
           </p:nvPr>
         </p:nvSpPr>
         <p:spPr/>
@@ -5152,14 +5073,14 @@
             <a:spLocks noGrp="1"/>
           </p:cNvSpPr>
           <p:nvPr>
-            <p:ph type="sldNum" idx="6"/>
+            <p:ph type="sldNum" idx="5"/>
           </p:nvPr>
         </p:nvSpPr>
         <p:spPr/>
         <p:txBody>
           <a:bodyPr/>
           <a:p>
-            <a:fld id="{56A2404B-C919-4023-ACBB-39EA965FACA9}" type="slidenum">
+            <a:fld id="{FB232877-72C6-4223-82A8-1E7CDA179595}" type="slidenum">
               <a:t>&lt;#&gt;</a:t>
             </a:fld>
           </a:p>
@@ -5172,7 +5093,7 @@
             <a:spLocks noGrp="1"/>
           </p:cNvSpPr>
           <p:nvPr>
-            <p:ph type="dt" idx="4"/>
+            <p:ph type="dt" idx="6"/>
           </p:nvPr>
         </p:nvSpPr>
         <p:spPr/>
@@ -5220,8 +5141,8 @@
         </p:nvSpPr>
         <p:spPr>
           <a:xfrm>
-            <a:off x="1069920" y="484560"/>
-            <a:ext cx="10058040" cy="1608840"/>
+            <a:off x="609480" y="273600"/>
+            <a:ext cx="10972440" cy="1144800"/>
           </a:xfrm>
           <a:prstGeom prst="rect">
             <a:avLst/>
@@ -5236,11 +5157,11 @@
             <a:noAutofit/>
           </a:bodyPr>
           <a:p>
-            <a:endParaRPr b="0" lang="en-US" sz="1800" spc="-1" strike="noStrike">
-              <a:solidFill>
-                <a:srgbClr val="000000"/>
-              </a:solidFill>
-              <a:latin typeface="Rockwell"/>
+            <a:pPr algn="ctr">
+              <a:buNone/>
+            </a:pPr>
+            <a:endParaRPr b="0" lang="en-IE" sz="4400" spc="-1" strike="noStrike">
+              <a:latin typeface="Arial"/>
             </a:endParaRPr>
           </a:p>
         </p:txBody>
@@ -5257,8 +5178,8 @@
         </p:nvSpPr>
         <p:spPr>
           <a:xfrm>
-            <a:off x="1069920" y="2121480"/>
-            <a:ext cx="10058040" cy="4050360"/>
+            <a:off x="609480" y="1604520"/>
+            <a:ext cx="10972440" cy="3977280"/>
           </a:xfrm>
           <a:prstGeom prst="rect">
             <a:avLst/>
@@ -5273,20 +5194,8 @@
             <a:normAutofit/>
           </a:bodyPr>
           <a:p>
-            <a:pPr>
-              <a:lnSpc>
-                <a:spcPct val="90000"/>
-              </a:lnSpc>
-              <a:spcBef>
-                <a:spcPts val="1417"/>
-              </a:spcBef>
-              <a:buNone/>
-            </a:pPr>
-            <a:endParaRPr b="0" lang="en-US" sz="2000" spc="-1" strike="noStrike">
-              <a:solidFill>
-                <a:srgbClr val="000000"/>
-              </a:solidFill>
-              <a:latin typeface="Rockwell"/>
+            <a:endParaRPr b="0" lang="en-IE" sz="3200" spc="-1" strike="noStrike">
+              <a:latin typeface="Arial"/>
             </a:endParaRPr>
           </a:p>
         </p:txBody>
@@ -5298,7 +5207,7 @@
             <a:spLocks noGrp="1"/>
           </p:cNvSpPr>
           <p:nvPr>
-            <p:ph type="ftr" idx="2"/>
+            <p:ph type="ftr" idx="1"/>
           </p:nvPr>
         </p:nvSpPr>
         <p:spPr/>
@@ -5318,14 +5227,14 @@
             <a:spLocks noGrp="1"/>
           </p:cNvSpPr>
           <p:nvPr>
-            <p:ph type="sldNum" idx="3"/>
+            <p:ph type="sldNum" idx="2"/>
           </p:nvPr>
         </p:nvSpPr>
         <p:spPr/>
         <p:txBody>
           <a:bodyPr/>
           <a:p>
-            <a:fld id="{20417EA1-CFF4-484A-9A42-760A35C3F49C}" type="slidenum">
+            <a:fld id="{6471F41B-6427-4E40-9F8B-43FF8D95C6FE}" type="slidenum">
               <a:t>&lt;#&gt;</a:t>
             </a:fld>
           </a:p>
@@ -5338,7 +5247,7 @@
             <a:spLocks noGrp="1"/>
           </p:cNvSpPr>
           <p:nvPr>
-            <p:ph type="dt" idx="1"/>
+            <p:ph type="dt" idx="3"/>
           </p:nvPr>
         </p:nvSpPr>
         <p:spPr/>
@@ -5386,8 +5295,8 @@
         </p:nvSpPr>
         <p:spPr>
           <a:xfrm>
-            <a:off x="1069920" y="484560"/>
-            <a:ext cx="10058040" cy="1608840"/>
+            <a:off x="609480" y="273600"/>
+            <a:ext cx="10972440" cy="1144800"/>
           </a:xfrm>
           <a:prstGeom prst="rect">
             <a:avLst/>
@@ -5402,11 +5311,11 @@
             <a:noAutofit/>
           </a:bodyPr>
           <a:p>
-            <a:endParaRPr b="0" lang="en-US" sz="1800" spc="-1" strike="noStrike">
-              <a:solidFill>
-                <a:srgbClr val="000000"/>
-              </a:solidFill>
-              <a:latin typeface="Rockwell"/>
+            <a:pPr algn="ctr">
+              <a:buNone/>
+            </a:pPr>
+            <a:endParaRPr b="0" lang="en-IE" sz="4400" spc="-1" strike="noStrike">
+              <a:latin typeface="Arial"/>
             </a:endParaRPr>
           </a:p>
         </p:txBody>
@@ -5423,8 +5332,8 @@
         </p:nvSpPr>
         <p:spPr>
           <a:xfrm>
-            <a:off x="1069920" y="2121480"/>
-            <a:ext cx="4908240" cy="4050360"/>
+            <a:off x="609480" y="1604520"/>
+            <a:ext cx="5354280" cy="3977280"/>
           </a:xfrm>
           <a:prstGeom prst="rect">
             <a:avLst/>
@@ -5439,20 +5348,8 @@
             <a:normAutofit/>
           </a:bodyPr>
           <a:p>
-            <a:pPr>
-              <a:lnSpc>
-                <a:spcPct val="90000"/>
-              </a:lnSpc>
-              <a:spcBef>
-                <a:spcPts val="1417"/>
-              </a:spcBef>
-              <a:buNone/>
-            </a:pPr>
-            <a:endParaRPr b="0" lang="en-US" sz="2000" spc="-1" strike="noStrike">
-              <a:solidFill>
-                <a:srgbClr val="000000"/>
-              </a:solidFill>
-              <a:latin typeface="Rockwell"/>
+            <a:endParaRPr b="0" lang="en-IE" sz="3200" spc="-1" strike="noStrike">
+              <a:latin typeface="Arial"/>
             </a:endParaRPr>
           </a:p>
         </p:txBody>
@@ -5469,8 +5366,8 @@
         </p:nvSpPr>
         <p:spPr>
           <a:xfrm>
-            <a:off x="6224040" y="2121480"/>
-            <a:ext cx="4908240" cy="4050360"/>
+            <a:off x="6231960" y="1604520"/>
+            <a:ext cx="5354280" cy="3977280"/>
           </a:xfrm>
           <a:prstGeom prst="rect">
             <a:avLst/>
@@ -5485,20 +5382,8 @@
             <a:normAutofit/>
           </a:bodyPr>
           <a:p>
-            <a:pPr>
-              <a:lnSpc>
-                <a:spcPct val="90000"/>
-              </a:lnSpc>
-              <a:spcBef>
-                <a:spcPts val="1417"/>
-              </a:spcBef>
-              <a:buNone/>
-            </a:pPr>
-            <a:endParaRPr b="0" lang="en-US" sz="2000" spc="-1" strike="noStrike">
-              <a:solidFill>
-                <a:srgbClr val="000000"/>
-              </a:solidFill>
-              <a:latin typeface="Rockwell"/>
+            <a:endParaRPr b="0" lang="en-IE" sz="3200" spc="-1" strike="noStrike">
+              <a:latin typeface="Arial"/>
             </a:endParaRPr>
           </a:p>
         </p:txBody>
@@ -5510,7 +5395,7 @@
             <a:spLocks noGrp="1"/>
           </p:cNvSpPr>
           <p:nvPr>
-            <p:ph type="ftr" idx="2"/>
+            <p:ph type="ftr" idx="1"/>
           </p:nvPr>
         </p:nvSpPr>
         <p:spPr/>
@@ -5530,14 +5415,14 @@
             <a:spLocks noGrp="1"/>
           </p:cNvSpPr>
           <p:nvPr>
-            <p:ph type="sldNum" idx="3"/>
+            <p:ph type="sldNum" idx="2"/>
           </p:nvPr>
         </p:nvSpPr>
         <p:spPr/>
         <p:txBody>
           <a:bodyPr/>
           <a:p>
-            <a:fld id="{0790ACD5-F5DF-499F-A647-BC1492197394}" type="slidenum">
+            <a:fld id="{9270877E-8D11-4056-9D1F-984DFA16B618}" type="slidenum">
               <a:t>&lt;#&gt;</a:t>
             </a:fld>
           </a:p>
@@ -5550,7 +5435,7 @@
             <a:spLocks noGrp="1"/>
           </p:cNvSpPr>
           <p:nvPr>
-            <p:ph type="dt" idx="1"/>
+            <p:ph type="dt" idx="3"/>
           </p:nvPr>
         </p:nvSpPr>
         <p:spPr/>
@@ -5598,8 +5483,8 @@
         </p:nvSpPr>
         <p:spPr>
           <a:xfrm>
-            <a:off x="1069920" y="484560"/>
-            <a:ext cx="10058040" cy="1608840"/>
+            <a:off x="609480" y="273600"/>
+            <a:ext cx="10972440" cy="1144800"/>
           </a:xfrm>
           <a:prstGeom prst="rect">
             <a:avLst/>
@@ -5614,11 +5499,11 @@
             <a:noAutofit/>
           </a:bodyPr>
           <a:p>
-            <a:endParaRPr b="0" lang="en-US" sz="1800" spc="-1" strike="noStrike">
-              <a:solidFill>
-                <a:srgbClr val="000000"/>
-              </a:solidFill>
-              <a:latin typeface="Rockwell"/>
+            <a:pPr algn="ctr">
+              <a:buNone/>
+            </a:pPr>
+            <a:endParaRPr b="0" lang="en-IE" sz="4400" spc="-1" strike="noStrike">
+              <a:latin typeface="Arial"/>
             </a:endParaRPr>
           </a:p>
         </p:txBody>
@@ -5630,7 +5515,7 @@
             <a:spLocks noGrp="1"/>
           </p:cNvSpPr>
           <p:nvPr>
-            <p:ph type="ftr" idx="2"/>
+            <p:ph type="ftr" idx="1"/>
           </p:nvPr>
         </p:nvSpPr>
         <p:spPr/>
@@ -5650,14 +5535,14 @@
             <a:spLocks noGrp="1"/>
           </p:cNvSpPr>
           <p:nvPr>
-            <p:ph type="sldNum" idx="3"/>
+            <p:ph type="sldNum" idx="2"/>
           </p:nvPr>
         </p:nvSpPr>
         <p:spPr/>
         <p:txBody>
           <a:bodyPr/>
           <a:p>
-            <a:fld id="{B7318ECF-30DB-47EA-ABDD-812E3277CAD9}" type="slidenum">
+            <a:fld id="{4978390B-F27E-45E6-B6E0-6F3BA837D5E3}" type="slidenum">
               <a:t>&lt;#&gt;</a:t>
             </a:fld>
           </a:p>
@@ -5670,7 +5555,7 @@
             <a:spLocks noGrp="1"/>
           </p:cNvSpPr>
           <p:nvPr>
-            <p:ph type="dt" idx="1"/>
+            <p:ph type="dt" idx="3"/>
           </p:nvPr>
         </p:nvSpPr>
         <p:spPr/>
@@ -5718,8 +5603,8 @@
         </p:nvSpPr>
         <p:spPr>
           <a:xfrm>
-            <a:off x="1069920" y="484560"/>
-            <a:ext cx="10058040" cy="7458840"/>
+            <a:off x="609480" y="273600"/>
+            <a:ext cx="10972440" cy="5307840"/>
           </a:xfrm>
           <a:prstGeom prst="rect">
             <a:avLst/>
@@ -5750,7 +5635,7 @@
             <a:spLocks noGrp="1"/>
           </p:cNvSpPr>
           <p:nvPr>
-            <p:ph type="ftr" idx="2"/>
+            <p:ph type="ftr" idx="1"/>
           </p:nvPr>
         </p:nvSpPr>
         <p:spPr/>
@@ -5770,14 +5655,14 @@
             <a:spLocks noGrp="1"/>
           </p:cNvSpPr>
           <p:nvPr>
-            <p:ph type="sldNum" idx="3"/>
+            <p:ph type="sldNum" idx="2"/>
           </p:nvPr>
         </p:nvSpPr>
         <p:spPr/>
         <p:txBody>
           <a:bodyPr/>
           <a:p>
-            <a:fld id="{2FD90985-A2F4-4EA8-8D8F-6172969CD2E5}" type="slidenum">
+            <a:fld id="{72BBBEF1-AAF4-456A-A8A1-58E199463336}" type="slidenum">
               <a:t>&lt;#&gt;</a:t>
             </a:fld>
           </a:p>
@@ -5790,7 +5675,7 @@
             <a:spLocks noGrp="1"/>
           </p:cNvSpPr>
           <p:nvPr>
-            <p:ph type="dt" idx="1"/>
+            <p:ph type="dt" idx="3"/>
           </p:nvPr>
         </p:nvSpPr>
         <p:spPr/>
@@ -5838,8 +5723,8 @@
         </p:nvSpPr>
         <p:spPr>
           <a:xfrm>
-            <a:off x="1069920" y="484560"/>
-            <a:ext cx="10058040" cy="1608840"/>
+            <a:off x="609480" y="273600"/>
+            <a:ext cx="10972440" cy="1144800"/>
           </a:xfrm>
           <a:prstGeom prst="rect">
             <a:avLst/>
@@ -5854,11 +5739,11 @@
             <a:noAutofit/>
           </a:bodyPr>
           <a:p>
-            <a:endParaRPr b="0" lang="en-US" sz="1800" spc="-1" strike="noStrike">
-              <a:solidFill>
-                <a:srgbClr val="000000"/>
-              </a:solidFill>
-              <a:latin typeface="Rockwell"/>
+            <a:pPr algn="ctr">
+              <a:buNone/>
+            </a:pPr>
+            <a:endParaRPr b="0" lang="en-IE" sz="4400" spc="-1" strike="noStrike">
+              <a:latin typeface="Arial"/>
             </a:endParaRPr>
           </a:p>
         </p:txBody>
@@ -5875,8 +5760,8 @@
         </p:nvSpPr>
         <p:spPr>
           <a:xfrm>
-            <a:off x="1069920" y="2121480"/>
-            <a:ext cx="4908240" cy="1931760"/>
+            <a:off x="609480" y="1604520"/>
+            <a:ext cx="5354280" cy="1896840"/>
           </a:xfrm>
           <a:prstGeom prst="rect">
             <a:avLst/>
@@ -5891,20 +5776,8 @@
             <a:normAutofit/>
           </a:bodyPr>
           <a:p>
-            <a:pPr>
-              <a:lnSpc>
-                <a:spcPct val="90000"/>
-              </a:lnSpc>
-              <a:spcBef>
-                <a:spcPts val="1417"/>
-              </a:spcBef>
-              <a:buNone/>
-            </a:pPr>
-            <a:endParaRPr b="0" lang="en-US" sz="2000" spc="-1" strike="noStrike">
-              <a:solidFill>
-                <a:srgbClr val="000000"/>
-              </a:solidFill>
-              <a:latin typeface="Rockwell"/>
+            <a:endParaRPr b="0" lang="en-IE" sz="3200" spc="-1" strike="noStrike">
+              <a:latin typeface="Arial"/>
             </a:endParaRPr>
           </a:p>
         </p:txBody>
@@ -5921,8 +5794,8 @@
         </p:nvSpPr>
         <p:spPr>
           <a:xfrm>
-            <a:off x="6224040" y="2121480"/>
-            <a:ext cx="4908240" cy="4050360"/>
+            <a:off x="6231960" y="1604520"/>
+            <a:ext cx="5354280" cy="3977280"/>
           </a:xfrm>
           <a:prstGeom prst="rect">
             <a:avLst/>
@@ -5937,20 +5810,8 @@
             <a:normAutofit/>
           </a:bodyPr>
           <a:p>
-            <a:pPr>
-              <a:lnSpc>
-                <a:spcPct val="90000"/>
-              </a:lnSpc>
-              <a:spcBef>
-                <a:spcPts val="1417"/>
-              </a:spcBef>
-              <a:buNone/>
-            </a:pPr>
-            <a:endParaRPr b="0" lang="en-US" sz="2000" spc="-1" strike="noStrike">
-              <a:solidFill>
-                <a:srgbClr val="000000"/>
-              </a:solidFill>
-              <a:latin typeface="Rockwell"/>
+            <a:endParaRPr b="0" lang="en-IE" sz="3200" spc="-1" strike="noStrike">
+              <a:latin typeface="Arial"/>
             </a:endParaRPr>
           </a:p>
         </p:txBody>
@@ -5967,8 +5828,8 @@
         </p:nvSpPr>
         <p:spPr>
           <a:xfrm>
-            <a:off x="1069920" y="4237200"/>
-            <a:ext cx="4908240" cy="1931760"/>
+            <a:off x="609480" y="3682080"/>
+            <a:ext cx="5354280" cy="1896840"/>
           </a:xfrm>
           <a:prstGeom prst="rect">
             <a:avLst/>
@@ -5983,20 +5844,8 @@
             <a:normAutofit/>
           </a:bodyPr>
           <a:p>
-            <a:pPr>
-              <a:lnSpc>
-                <a:spcPct val="90000"/>
-              </a:lnSpc>
-              <a:spcBef>
-                <a:spcPts val="1417"/>
-              </a:spcBef>
-              <a:buNone/>
-            </a:pPr>
-            <a:endParaRPr b="0" lang="en-US" sz="2000" spc="-1" strike="noStrike">
-              <a:solidFill>
-                <a:srgbClr val="000000"/>
-              </a:solidFill>
-              <a:latin typeface="Rockwell"/>
+            <a:endParaRPr b="0" lang="en-IE" sz="3200" spc="-1" strike="noStrike">
+              <a:latin typeface="Arial"/>
             </a:endParaRPr>
           </a:p>
         </p:txBody>
@@ -6008,7 +5857,7 @@
             <a:spLocks noGrp="1"/>
           </p:cNvSpPr>
           <p:nvPr>
-            <p:ph type="ftr" idx="2"/>
+            <p:ph type="ftr" idx="1"/>
           </p:nvPr>
         </p:nvSpPr>
         <p:spPr/>
@@ -6028,14 +5877,14 @@
             <a:spLocks noGrp="1"/>
           </p:cNvSpPr>
           <p:nvPr>
-            <p:ph type="sldNum" idx="3"/>
+            <p:ph type="sldNum" idx="2"/>
           </p:nvPr>
         </p:nvSpPr>
         <p:spPr/>
         <p:txBody>
           <a:bodyPr/>
           <a:p>
-            <a:fld id="{39E73B1B-4B91-492A-8E68-C3E73436E991}" type="slidenum">
+            <a:fld id="{B4D43974-5DA0-4D2E-BAFF-BCD696B89BAE}" type="slidenum">
               <a:t>&lt;#&gt;</a:t>
             </a:fld>
           </a:p>
@@ -6048,7 +5897,7 @@
             <a:spLocks noGrp="1"/>
           </p:cNvSpPr>
           <p:nvPr>
-            <p:ph type="dt" idx="1"/>
+            <p:ph type="dt" idx="3"/>
           </p:nvPr>
         </p:nvSpPr>
         <p:spPr/>
@@ -6096,8 +5945,8 @@
         </p:nvSpPr>
         <p:spPr>
           <a:xfrm>
-            <a:off x="1069920" y="484560"/>
-            <a:ext cx="10058040" cy="1608840"/>
+            <a:off x="609480" y="273600"/>
+            <a:ext cx="10972440" cy="1144800"/>
           </a:xfrm>
           <a:prstGeom prst="rect">
             <a:avLst/>
@@ -6112,11 +5961,11 @@
             <a:noAutofit/>
           </a:bodyPr>
           <a:p>
-            <a:endParaRPr b="0" lang="en-US" sz="1800" spc="-1" strike="noStrike">
-              <a:solidFill>
-                <a:srgbClr val="000000"/>
-              </a:solidFill>
-              <a:latin typeface="Rockwell"/>
+            <a:pPr algn="ctr">
+              <a:buNone/>
+            </a:pPr>
+            <a:endParaRPr b="0" lang="en-IE" sz="4400" spc="-1" strike="noStrike">
+              <a:latin typeface="Arial"/>
             </a:endParaRPr>
           </a:p>
         </p:txBody>
@@ -6133,8 +5982,8 @@
         </p:nvSpPr>
         <p:spPr>
           <a:xfrm>
-            <a:off x="1069920" y="2121480"/>
-            <a:ext cx="4908240" cy="4050360"/>
+            <a:off x="609480" y="1604520"/>
+            <a:ext cx="5354280" cy="3977280"/>
           </a:xfrm>
           <a:prstGeom prst="rect">
             <a:avLst/>
@@ -6149,20 +5998,8 @@
             <a:normAutofit/>
           </a:bodyPr>
           <a:p>
-            <a:pPr>
-              <a:lnSpc>
-                <a:spcPct val="90000"/>
-              </a:lnSpc>
-              <a:spcBef>
-                <a:spcPts val="1417"/>
-              </a:spcBef>
-              <a:buNone/>
-            </a:pPr>
-            <a:endParaRPr b="0" lang="en-US" sz="2000" spc="-1" strike="noStrike">
-              <a:solidFill>
-                <a:srgbClr val="000000"/>
-              </a:solidFill>
-              <a:latin typeface="Rockwell"/>
+            <a:endParaRPr b="0" lang="en-IE" sz="3200" spc="-1" strike="noStrike">
+              <a:latin typeface="Arial"/>
             </a:endParaRPr>
           </a:p>
         </p:txBody>
@@ -6179,8 +6016,8 @@
         </p:nvSpPr>
         <p:spPr>
           <a:xfrm>
-            <a:off x="6224040" y="2121480"/>
-            <a:ext cx="4908240" cy="1931760"/>
+            <a:off x="6231960" y="1604520"/>
+            <a:ext cx="5354280" cy="1896840"/>
           </a:xfrm>
           <a:prstGeom prst="rect">
             <a:avLst/>
@@ -6195,20 +6032,8 @@
             <a:normAutofit/>
           </a:bodyPr>
           <a:p>
-            <a:pPr>
-              <a:lnSpc>
-                <a:spcPct val="90000"/>
-              </a:lnSpc>
-              <a:spcBef>
-                <a:spcPts val="1417"/>
-              </a:spcBef>
-              <a:buNone/>
-            </a:pPr>
-            <a:endParaRPr b="0" lang="en-US" sz="2000" spc="-1" strike="noStrike">
-              <a:solidFill>
-                <a:srgbClr val="000000"/>
-              </a:solidFill>
-              <a:latin typeface="Rockwell"/>
+            <a:endParaRPr b="0" lang="en-IE" sz="3200" spc="-1" strike="noStrike">
+              <a:latin typeface="Arial"/>
             </a:endParaRPr>
           </a:p>
         </p:txBody>
@@ -6225,8 +6050,8 @@
         </p:nvSpPr>
         <p:spPr>
           <a:xfrm>
-            <a:off x="6224040" y="4237200"/>
-            <a:ext cx="4908240" cy="1931760"/>
+            <a:off x="6231960" y="3682080"/>
+            <a:ext cx="5354280" cy="1896840"/>
           </a:xfrm>
           <a:prstGeom prst="rect">
             <a:avLst/>
@@ -6241,20 +6066,8 @@
             <a:normAutofit/>
           </a:bodyPr>
           <a:p>
-            <a:pPr>
-              <a:lnSpc>
-                <a:spcPct val="90000"/>
-              </a:lnSpc>
-              <a:spcBef>
-                <a:spcPts val="1417"/>
-              </a:spcBef>
-              <a:buNone/>
-            </a:pPr>
-            <a:endParaRPr b="0" lang="en-US" sz="2000" spc="-1" strike="noStrike">
-              <a:solidFill>
-                <a:srgbClr val="000000"/>
-              </a:solidFill>
-              <a:latin typeface="Rockwell"/>
+            <a:endParaRPr b="0" lang="en-IE" sz="3200" spc="-1" strike="noStrike">
+              <a:latin typeface="Arial"/>
             </a:endParaRPr>
           </a:p>
         </p:txBody>
@@ -6266,7 +6079,7 @@
             <a:spLocks noGrp="1"/>
           </p:cNvSpPr>
           <p:nvPr>
-            <p:ph type="ftr" idx="2"/>
+            <p:ph type="ftr" idx="1"/>
           </p:nvPr>
         </p:nvSpPr>
         <p:spPr/>
@@ -6286,14 +6099,14 @@
             <a:spLocks noGrp="1"/>
           </p:cNvSpPr>
           <p:nvPr>
-            <p:ph type="sldNum" idx="3"/>
+            <p:ph type="sldNum" idx="2"/>
           </p:nvPr>
         </p:nvSpPr>
         <p:spPr/>
         <p:txBody>
           <a:bodyPr/>
           <a:p>
-            <a:fld id="{690116EF-AFF3-4780-BF59-60BEE803ADF3}" type="slidenum">
+            <a:fld id="{36D264DF-E7DE-438A-9394-432E1B9561AF}" type="slidenum">
               <a:t>&lt;#&gt;</a:t>
             </a:fld>
           </a:p>
@@ -6306,7 +6119,7 @@
             <a:spLocks noGrp="1"/>
           </p:cNvSpPr>
           <p:nvPr>
-            <p:ph type="dt" idx="1"/>
+            <p:ph type="dt" idx="3"/>
           </p:nvPr>
         </p:nvSpPr>
         <p:spPr/>
@@ -6354,8 +6167,8 @@
         </p:nvSpPr>
         <p:spPr>
           <a:xfrm>
-            <a:off x="1069920" y="484560"/>
-            <a:ext cx="10058040" cy="1608840"/>
+            <a:off x="609480" y="273600"/>
+            <a:ext cx="10972440" cy="1144800"/>
           </a:xfrm>
           <a:prstGeom prst="rect">
             <a:avLst/>
@@ -6370,11 +6183,11 @@
             <a:noAutofit/>
           </a:bodyPr>
           <a:p>
-            <a:endParaRPr b="0" lang="en-US" sz="1800" spc="-1" strike="noStrike">
-              <a:solidFill>
-                <a:srgbClr val="000000"/>
-              </a:solidFill>
-              <a:latin typeface="Rockwell"/>
+            <a:pPr algn="ctr">
+              <a:buNone/>
+            </a:pPr>
+            <a:endParaRPr b="0" lang="en-IE" sz="4400" spc="-1" strike="noStrike">
+              <a:latin typeface="Arial"/>
             </a:endParaRPr>
           </a:p>
         </p:txBody>
@@ -6391,8 +6204,8 @@
         </p:nvSpPr>
         <p:spPr>
           <a:xfrm>
-            <a:off x="1069920" y="2121480"/>
-            <a:ext cx="4908240" cy="1931760"/>
+            <a:off x="609480" y="1604520"/>
+            <a:ext cx="5354280" cy="1896840"/>
           </a:xfrm>
           <a:prstGeom prst="rect">
             <a:avLst/>
@@ -6407,20 +6220,8 @@
             <a:normAutofit/>
           </a:bodyPr>
           <a:p>
-            <a:pPr>
-              <a:lnSpc>
-                <a:spcPct val="90000"/>
-              </a:lnSpc>
-              <a:spcBef>
-                <a:spcPts val="1417"/>
-              </a:spcBef>
-              <a:buNone/>
-            </a:pPr>
-            <a:endParaRPr b="0" lang="en-US" sz="2000" spc="-1" strike="noStrike">
-              <a:solidFill>
-                <a:srgbClr val="000000"/>
-              </a:solidFill>
-              <a:latin typeface="Rockwell"/>
+            <a:endParaRPr b="0" lang="en-IE" sz="3200" spc="-1" strike="noStrike">
+              <a:latin typeface="Arial"/>
             </a:endParaRPr>
           </a:p>
         </p:txBody>
@@ -6437,8 +6238,8 @@
         </p:nvSpPr>
         <p:spPr>
           <a:xfrm>
-            <a:off x="6224040" y="2121480"/>
-            <a:ext cx="4908240" cy="1931760"/>
+            <a:off x="6231960" y="1604520"/>
+            <a:ext cx="5354280" cy="1896840"/>
           </a:xfrm>
           <a:prstGeom prst="rect">
             <a:avLst/>
@@ -6453,20 +6254,8 @@
             <a:normAutofit/>
           </a:bodyPr>
           <a:p>
-            <a:pPr>
-              <a:lnSpc>
-                <a:spcPct val="90000"/>
-              </a:lnSpc>
-              <a:spcBef>
-                <a:spcPts val="1417"/>
-              </a:spcBef>
-              <a:buNone/>
-            </a:pPr>
-            <a:endParaRPr b="0" lang="en-US" sz="2000" spc="-1" strike="noStrike">
-              <a:solidFill>
-                <a:srgbClr val="000000"/>
-              </a:solidFill>
-              <a:latin typeface="Rockwell"/>
+            <a:endParaRPr b="0" lang="en-IE" sz="3200" spc="-1" strike="noStrike">
+              <a:latin typeface="Arial"/>
             </a:endParaRPr>
           </a:p>
         </p:txBody>
@@ -6483,8 +6272,8 @@
         </p:nvSpPr>
         <p:spPr>
           <a:xfrm>
-            <a:off x="1069920" y="4237200"/>
-            <a:ext cx="10058040" cy="1931760"/>
+            <a:off x="609480" y="3682080"/>
+            <a:ext cx="10972440" cy="1896840"/>
           </a:xfrm>
           <a:prstGeom prst="rect">
             <a:avLst/>
@@ -6499,20 +6288,8 @@
             <a:normAutofit/>
           </a:bodyPr>
           <a:p>
-            <a:pPr>
-              <a:lnSpc>
-                <a:spcPct val="90000"/>
-              </a:lnSpc>
-              <a:spcBef>
-                <a:spcPts val="1417"/>
-              </a:spcBef>
-              <a:buNone/>
-            </a:pPr>
-            <a:endParaRPr b="0" lang="en-US" sz="2000" spc="-1" strike="noStrike">
-              <a:solidFill>
-                <a:srgbClr val="000000"/>
-              </a:solidFill>
-              <a:latin typeface="Rockwell"/>
+            <a:endParaRPr b="0" lang="en-IE" sz="3200" spc="-1" strike="noStrike">
+              <a:latin typeface="Arial"/>
             </a:endParaRPr>
           </a:p>
         </p:txBody>
@@ -6524,7 +6301,7 @@
             <a:spLocks noGrp="1"/>
           </p:cNvSpPr>
           <p:nvPr>
-            <p:ph type="ftr" idx="2"/>
+            <p:ph type="ftr" idx="1"/>
           </p:nvPr>
         </p:nvSpPr>
         <p:spPr/>
@@ -6544,14 +6321,14 @@
             <a:spLocks noGrp="1"/>
           </p:cNvSpPr>
           <p:nvPr>
-            <p:ph type="sldNum" idx="3"/>
+            <p:ph type="sldNum" idx="2"/>
           </p:nvPr>
         </p:nvSpPr>
         <p:spPr/>
         <p:txBody>
           <a:bodyPr/>
           <a:p>
-            <a:fld id="{4DF1033C-67B7-4A06-94B7-22FA455DDEF9}" type="slidenum">
+            <a:fld id="{C9A0BF52-BA7C-40D2-AB39-92909C9CCB59}" type="slidenum">
               <a:t>&lt;#&gt;</a:t>
             </a:fld>
           </a:p>
@@ -6564,7 +6341,7 @@
             <a:spLocks noGrp="1"/>
           </p:cNvSpPr>
           <p:nvPr>
-            <p:ph type="dt" idx="1"/>
+            <p:ph type="dt" idx="3"/>
           </p:nvPr>
         </p:nvSpPr>
         <p:spPr/>
@@ -6616,9 +6393,9 @@
         <p:grpSpPr>
           <a:xfrm>
             <a:off x="11401560" y="6229800"/>
-            <a:ext cx="456840" cy="456840"/>
+            <a:ext cx="456480" cy="456480"/>
             <a:chOff x="11401560" y="6229800"/>
-            <a:chExt cx="456840" cy="456840"/>
+            <a:chExt cx="456480" cy="456480"/>
           </a:xfrm>
         </p:grpSpPr>
         <p:sp>
@@ -6630,7 +6407,7 @@
           <p:spPr>
             <a:xfrm>
               <a:off x="11401560" y="6229800"/>
-              <a:ext cx="456840" cy="456840"/>
+              <a:ext cx="456480" cy="456480"/>
             </a:xfrm>
             <a:prstGeom prst="ellipse">
               <a:avLst/>
@@ -6660,7 +6437,7 @@
           <p:spPr>
             <a:xfrm>
               <a:off x="11431080" y="6258960"/>
-              <a:ext cx="398520" cy="398520"/>
+              <a:ext cx="398160" cy="398160"/>
             </a:xfrm>
             <a:prstGeom prst="ellipse">
               <a:avLst/>
@@ -6690,7 +6467,7 @@
         <p:spPr>
           <a:xfrm>
             <a:off x="920880" y="1347120"/>
-            <a:ext cx="10222560" cy="80280"/>
+            <a:ext cx="10222200" cy="79920"/>
           </a:xfrm>
           <a:prstGeom prst="rect">
             <a:avLst/>
@@ -6730,7 +6507,7 @@
         <p:spPr>
           <a:xfrm>
             <a:off x="920880" y="4299840"/>
-            <a:ext cx="10222560" cy="80280"/>
+            <a:ext cx="10222200" cy="79920"/>
           </a:xfrm>
           <a:prstGeom prst="rect">
             <a:avLst/>
@@ -6770,7 +6547,7 @@
         <p:spPr>
           <a:xfrm>
             <a:off x="920880" y="1484640"/>
-            <a:ext cx="10222560" cy="2742840"/>
+            <a:ext cx="10222200" cy="2742480"/>
           </a:xfrm>
           <a:prstGeom prst="rect">
             <a:avLst/>
@@ -6810,9 +6587,9 @@
         <p:grpSpPr>
           <a:xfrm>
             <a:off x="9649080" y="4069080"/>
-            <a:ext cx="1080720" cy="1080720"/>
+            <a:ext cx="1080360" cy="1080360"/>
             <a:chOff x="9649080" y="4069080"/>
-            <a:chExt cx="1080720" cy="1080720"/>
+            <a:chExt cx="1080360" cy="1080360"/>
           </a:xfrm>
         </p:grpSpPr>
         <p:sp>
@@ -6824,7 +6601,7 @@
           <p:spPr>
             <a:xfrm>
               <a:off x="9649080" y="4069080"/>
-              <a:ext cx="1080720" cy="1080720"/>
+              <a:ext cx="1080360" cy="1080360"/>
             </a:xfrm>
             <a:prstGeom prst="ellipse">
               <a:avLst/>
@@ -6854,7 +6631,7 @@
           <p:spPr>
             <a:xfrm>
               <a:off x="9757440" y="4177080"/>
-              <a:ext cx="864360" cy="864360"/>
+              <a:ext cx="864000" cy="864000"/>
             </a:xfrm>
             <a:prstGeom prst="ellipse">
               <a:avLst/>
@@ -6887,39 +6664,30 @@
         </p:nvSpPr>
         <p:spPr>
           <a:xfrm>
-            <a:off x="1051560" y="1432080"/>
-            <a:ext cx="9966600" cy="3035520"/>
-          </a:xfrm>
-          <a:prstGeom prst="rect">
-            <a:avLst/>
-          </a:prstGeom>
-          <a:noFill/>
-          <a:ln w="0">
-            <a:noFill/>
-          </a:ln>
-        </p:spPr>
-        <p:txBody>
-          <a:bodyPr anchor="ctr">
+            <a:off x="1069920" y="484560"/>
+            <a:ext cx="10057680" cy="1608480"/>
+          </a:xfrm>
+          <a:prstGeom prst="rect">
+            <a:avLst/>
+          </a:prstGeom>
+          <a:noFill/>
+          <a:ln w="0">
+            <a:noFill/>
+          </a:ln>
+        </p:spPr>
+        <p:txBody>
+          <a:bodyPr lIns="0" rIns="0" tIns="0" bIns="0" anchor="ctr">
             <a:noAutofit/>
           </a:bodyPr>
           <a:p>
-            <a:pPr>
-              <a:lnSpc>
-                <a:spcPct val="80000"/>
-              </a:lnSpc>
-              <a:buNone/>
-            </a:pPr>
-            <a:r>
-              <a:rPr b="0" lang="en-US" sz="9600" spc="-1" strike="noStrike" cap="all">
-                <a:latin typeface="Rockwell Condensed"/>
-              </a:rPr>
-              <a:t>Click to edit Master title style</a:t>
-            </a:r>
-            <a:endParaRPr b="0" lang="en-US" sz="9600" spc="-1" strike="noStrike">
-              <a:solidFill>
-                <a:srgbClr val="000000"/>
-              </a:solidFill>
-              <a:latin typeface="Rockwell"/>
+            <a:r>
+              <a:rPr b="0" lang="en-IE" sz="1800" spc="-1" strike="noStrike">
+                <a:latin typeface="Arial"/>
+              </a:rPr>
+              <a:t>Click to edit the title text format</a:t>
+            </a:r>
+            <a:endParaRPr b="0" lang="en-IE" sz="1800" spc="-1" strike="noStrike">
+              <a:latin typeface="Arial"/>
             </a:endParaRPr>
           </a:p>
         </p:txBody>
@@ -6931,91 +6699,31 @@
             <a:spLocks noGrp="1"/>
           </p:cNvSpPr>
           <p:nvPr>
-            <p:ph type="dt" idx="1"/>
-          </p:nvPr>
-        </p:nvSpPr>
-        <p:spPr>
-          <a:xfrm>
-            <a:off x="7964280" y="6272640"/>
-            <a:ext cx="3273120" cy="364680"/>
-          </a:xfrm>
-          <a:prstGeom prst="rect">
-            <a:avLst/>
-          </a:prstGeom>
-          <a:noFill/>
-          <a:ln w="0">
-            <a:noFill/>
-          </a:ln>
-        </p:spPr>
-        <p:txBody>
-          <a:bodyPr anchor="ctr">
-            <a:noAutofit/>
-          </a:bodyPr>
-          <a:lstStyle>
-            <a:lvl1pPr algn="r">
-              <a:lnSpc>
-                <a:spcPct val="100000"/>
-              </a:lnSpc>
-              <a:buNone/>
-              <a:defRPr b="0" lang="en-US" sz="1100" spc="-1" strike="noStrike">
-                <a:solidFill>
-                  <a:srgbClr val="696464"/>
-                </a:solidFill>
-                <a:latin typeface="Rockwell"/>
-              </a:defRPr>
-            </a:lvl1pPr>
-          </a:lstStyle>
-          <a:p>
-            <a:pPr algn="r">
-              <a:lnSpc>
-                <a:spcPct val="100000"/>
-              </a:lnSpc>
-              <a:buNone/>
-            </a:pPr>
-            <a:r>
-              <a:rPr b="0" lang="en-US" sz="1100" spc="-1" strike="noStrike">
-                <a:solidFill>
-                  <a:srgbClr val="696464"/>
-                </a:solidFill>
-                <a:latin typeface="Rockwell"/>
-              </a:rPr>
-              <a:t>&lt;date/time&gt;</a:t>
-            </a:r>
-            <a:endParaRPr b="0" lang="en-IE" sz="1100" spc="-1" strike="noStrike">
-              <a:latin typeface="Times New Roman"/>
-            </a:endParaRPr>
-          </a:p>
-        </p:txBody>
-      </p:sp>
-      <p:sp>
-        <p:nvSpPr>
-          <p:cNvPr id="11" name="PlaceHolder 3"/>
-          <p:cNvSpPr>
-            <a:spLocks noGrp="1"/>
-          </p:cNvSpPr>
-          <p:nvPr>
-            <p:ph type="ftr" idx="2"/>
+            <p:ph type="ftr" idx="1"/>
           </p:nvPr>
         </p:nvSpPr>
         <p:spPr>
           <a:xfrm>
             <a:off x="1088280" y="6272640"/>
-            <a:ext cx="6327360" cy="364680"/>
-          </a:xfrm>
-          <a:prstGeom prst="rect">
-            <a:avLst/>
-          </a:prstGeom>
-          <a:noFill/>
-          <a:ln w="0">
-            <a:noFill/>
-          </a:ln>
-        </p:spPr>
-        <p:txBody>
-          <a:bodyPr anchor="ctr">
+            <a:ext cx="6327000" cy="364320"/>
+          </a:xfrm>
+          <a:prstGeom prst="rect">
+            <a:avLst/>
+          </a:prstGeom>
+          <a:noFill/>
+          <a:ln w="0">
+            <a:noFill/>
+          </a:ln>
+        </p:spPr>
+        <p:txBody>
+          <a:bodyPr lIns="90000" rIns="90000" tIns="45000" bIns="45000" anchor="ctr">
             <a:noAutofit/>
           </a:bodyPr>
           <a:lstStyle>
             <a:lvl1pPr algn="ctr">
+              <a:lnSpc>
+                <a:spcPct val="100000"/>
+              </a:lnSpc>
               <a:buNone/>
               <a:defRPr b="0" lang="en-IE" sz="1400" spc="-1" strike="noStrike">
                 <a:latin typeface="Times New Roman"/>
@@ -7024,6 +6732,9 @@
           </a:lstStyle>
           <a:p>
             <a:pPr algn="ctr">
+              <a:lnSpc>
+                <a:spcPct val="100000"/>
+              </a:lnSpc>
               <a:buNone/>
             </a:pPr>
             <a:r>
@@ -7040,29 +6751,29 @@
       </p:sp>
       <p:sp>
         <p:nvSpPr>
-          <p:cNvPr id="12" name="PlaceHolder 4"/>
-          <p:cNvSpPr>
-            <a:spLocks noGrp="1"/>
-          </p:cNvSpPr>
-          <p:nvPr>
-            <p:ph type="sldNum" idx="3"/>
+          <p:cNvPr id="11" name="PlaceHolder 3"/>
+          <p:cNvSpPr>
+            <a:spLocks noGrp="1"/>
+          </p:cNvSpPr>
+          <p:nvPr>
+            <p:ph type="sldNum" idx="2"/>
           </p:nvPr>
         </p:nvSpPr>
         <p:spPr>
           <a:xfrm>
             <a:off x="9592560" y="4289400"/>
-            <a:ext cx="1193400" cy="639720"/>
-          </a:xfrm>
-          <a:prstGeom prst="rect">
-            <a:avLst/>
-          </a:prstGeom>
-          <a:noFill/>
-          <a:ln w="0">
-            <a:noFill/>
-          </a:ln>
-        </p:spPr>
-        <p:txBody>
-          <a:bodyPr anchor="ctr">
+            <a:ext cx="1193040" cy="639360"/>
+          </a:xfrm>
+          <a:prstGeom prst="rect">
+            <a:avLst/>
+          </a:prstGeom>
+          <a:noFill/>
+          <a:ln w="0">
+            <a:noFill/>
+          </a:ln>
+        </p:spPr>
+        <p:txBody>
+          <a:bodyPr lIns="90000" rIns="90000" tIns="45000" bIns="45000" anchor="ctr">
             <a:noAutofit/>
           </a:bodyPr>
           <a:lstStyle>
@@ -7086,7 +6797,7 @@
               </a:lnSpc>
               <a:buNone/>
             </a:pPr>
-            <a:fld id="{F7136087-1492-4363-8817-5FB89BAAE7C4}" type="slidenum">
+            <a:fld id="{DF3D8C5D-4FC9-467B-987C-FC90A34B0738}" type="slidenum">
               <a:rPr b="1" lang="en-US" sz="2800" spc="-1" strike="noStrike">
                 <a:solidFill>
                   <a:srgbClr val="ffffff"/>
@@ -7103,6 +6814,53 @@
       </p:sp>
       <p:sp>
         <p:nvSpPr>
+          <p:cNvPr id="12" name="PlaceHolder 4"/>
+          <p:cNvSpPr>
+            <a:spLocks noGrp="1"/>
+          </p:cNvSpPr>
+          <p:nvPr>
+            <p:ph type="dt" idx="3"/>
+          </p:nvPr>
+        </p:nvSpPr>
+        <p:spPr>
+          <a:xfrm>
+            <a:off x="7964280" y="6272640"/>
+            <a:ext cx="3272760" cy="364320"/>
+          </a:xfrm>
+          <a:prstGeom prst="rect">
+            <a:avLst/>
+          </a:prstGeom>
+          <a:noFill/>
+          <a:ln w="0">
+            <a:noFill/>
+          </a:ln>
+        </p:spPr>
+        <p:txBody>
+          <a:bodyPr lIns="90000" rIns="90000" tIns="45000" bIns="45000" anchor="ctr">
+            <a:noAutofit/>
+          </a:bodyPr>
+          <a:lstStyle>
+            <a:lvl1pPr>
+              <a:defRPr b="0" lang="en-IE" sz="1400" spc="-1" strike="noStrike">
+                <a:latin typeface="Times New Roman"/>
+              </a:defRPr>
+            </a:lvl1pPr>
+          </a:lstStyle>
+          <a:p>
+            <a:r>
+              <a:rPr b="0" lang="en-IE" sz="1400" spc="-1" strike="noStrike">
+                <a:latin typeface="Times New Roman"/>
+              </a:rPr>
+              <a:t>&lt;date/time&gt;</a:t>
+            </a:r>
+            <a:endParaRPr b="0" lang="en-IE" sz="1400" spc="-1" strike="noStrike">
+              <a:latin typeface="Times New Roman"/>
+            </a:endParaRPr>
+          </a:p>
+        </p:txBody>
+      </p:sp>
+      <p:sp>
+        <p:nvSpPr>
           <p:cNvPr id="13" name="PlaceHolder 5"/>
           <p:cNvSpPr>
             <a:spLocks noGrp="1"/>
@@ -7130,9 +6888,6 @@
           </a:bodyPr>
           <a:p>
             <a:pPr marL="432000" indent="-324000">
-              <a:lnSpc>
-                <a:spcPct val="90000"/>
-              </a:lnSpc>
               <a:spcBef>
                 <a:spcPts val="1417"/>
               </a:spcBef>
@@ -7144,26 +6899,17 @@
               <a:buChar char=""/>
             </a:pPr>
             <a:r>
-              <a:rPr b="0" lang="en-US" sz="2000" spc="-1" strike="noStrike">
-                <a:solidFill>
-                  <a:srgbClr val="000000"/>
-                </a:solidFill>
-                <a:latin typeface="Rockwell"/>
+              <a:rPr b="0" lang="en-IE" sz="3200" spc="-1" strike="noStrike">
+                <a:latin typeface="Arial"/>
               </a:rPr>
               <a:t>Click to edit the outline text format</a:t>
             </a:r>
-            <a:endParaRPr b="0" lang="en-US" sz="2000" spc="-1" strike="noStrike">
-              <a:solidFill>
-                <a:srgbClr val="000000"/>
-              </a:solidFill>
-              <a:latin typeface="Rockwell"/>
+            <a:endParaRPr b="0" lang="en-IE" sz="3200" spc="-1" strike="noStrike">
+              <a:latin typeface="Arial"/>
             </a:endParaRPr>
           </a:p>
           <a:p>
             <a:pPr lvl="1" marL="864000" indent="-324000">
-              <a:lnSpc>
-                <a:spcPct val="90000"/>
-              </a:lnSpc>
               <a:spcBef>
                 <a:spcPts val="1134"/>
               </a:spcBef>
@@ -7175,26 +6921,17 @@
               <a:buChar char=""/>
             </a:pPr>
             <a:r>
-              <a:rPr b="0" lang="en-US" sz="1600" spc="-1" strike="noStrike">
-                <a:solidFill>
-                  <a:srgbClr val="000000"/>
-                </a:solidFill>
-                <a:latin typeface="Rockwell"/>
+              <a:rPr b="0" lang="en-IE" sz="2800" spc="-1" strike="noStrike">
+                <a:latin typeface="Arial"/>
               </a:rPr>
               <a:t>Second Outline Level</a:t>
             </a:r>
-            <a:endParaRPr b="0" lang="en-US" sz="1600" spc="-1" strike="noStrike">
-              <a:solidFill>
-                <a:srgbClr val="000000"/>
-              </a:solidFill>
-              <a:latin typeface="Rockwell"/>
+            <a:endParaRPr b="0" lang="en-IE" sz="2800" spc="-1" strike="noStrike">
+              <a:latin typeface="Arial"/>
             </a:endParaRPr>
           </a:p>
           <a:p>
             <a:pPr lvl="2" marL="1296000" indent="-288000">
-              <a:lnSpc>
-                <a:spcPct val="90000"/>
-              </a:lnSpc>
               <a:spcBef>
                 <a:spcPts val="850"/>
               </a:spcBef>
@@ -7206,26 +6943,17 @@
               <a:buChar char=""/>
             </a:pPr>
             <a:r>
-              <a:rPr b="0" lang="en-US" sz="1600" spc="-1" strike="noStrike">
-                <a:solidFill>
-                  <a:srgbClr val="000000"/>
-                </a:solidFill>
-                <a:latin typeface="Rockwell"/>
+              <a:rPr b="0" lang="en-IE" sz="2400" spc="-1" strike="noStrike">
+                <a:latin typeface="Arial"/>
               </a:rPr>
               <a:t>Third Outline Level</a:t>
             </a:r>
-            <a:endParaRPr b="0" lang="en-US" sz="1600" spc="-1" strike="noStrike">
-              <a:solidFill>
-                <a:srgbClr val="000000"/>
-              </a:solidFill>
-              <a:latin typeface="Rockwell"/>
+            <a:endParaRPr b="0" lang="en-IE" sz="2400" spc="-1" strike="noStrike">
+              <a:latin typeface="Arial"/>
             </a:endParaRPr>
           </a:p>
           <a:p>
             <a:pPr lvl="3" marL="1728000" indent="-216000">
-              <a:lnSpc>
-                <a:spcPct val="90000"/>
-              </a:lnSpc>
               <a:spcBef>
                 <a:spcPts val="567"/>
               </a:spcBef>
@@ -7237,26 +6965,17 @@
               <a:buChar char=""/>
             </a:pPr>
             <a:r>
-              <a:rPr b="0" lang="en-US" sz="1600" spc="-1" strike="noStrike">
-                <a:solidFill>
-                  <a:srgbClr val="000000"/>
-                </a:solidFill>
-                <a:latin typeface="Rockwell"/>
+              <a:rPr b="0" lang="en-IE" sz="2000" spc="-1" strike="noStrike">
+                <a:latin typeface="Arial"/>
               </a:rPr>
               <a:t>Fourth Outline Level</a:t>
             </a:r>
-            <a:endParaRPr b="0" lang="en-US" sz="1600" spc="-1" strike="noStrike">
-              <a:solidFill>
-                <a:srgbClr val="000000"/>
-              </a:solidFill>
-              <a:latin typeface="Rockwell"/>
+            <a:endParaRPr b="0" lang="en-IE" sz="2000" spc="-1" strike="noStrike">
+              <a:latin typeface="Arial"/>
             </a:endParaRPr>
           </a:p>
           <a:p>
             <a:pPr lvl="4" marL="2160000" indent="-216000">
-              <a:lnSpc>
-                <a:spcPct val="90000"/>
-              </a:lnSpc>
               <a:spcBef>
                 <a:spcPts val="283"/>
               </a:spcBef>
@@ -7268,26 +6987,17 @@
               <a:buChar char=""/>
             </a:pPr>
             <a:r>
-              <a:rPr b="0" lang="en-US" sz="2000" spc="-1" strike="noStrike">
-                <a:solidFill>
-                  <a:srgbClr val="000000"/>
-                </a:solidFill>
-                <a:latin typeface="Rockwell"/>
+              <a:rPr b="0" lang="en-IE" sz="2000" spc="-1" strike="noStrike">
+                <a:latin typeface="Arial"/>
               </a:rPr>
               <a:t>Fifth Outline Level</a:t>
             </a:r>
-            <a:endParaRPr b="0" lang="en-US" sz="2000" spc="-1" strike="noStrike">
-              <a:solidFill>
-                <a:srgbClr val="000000"/>
-              </a:solidFill>
-              <a:latin typeface="Rockwell"/>
+            <a:endParaRPr b="0" lang="en-IE" sz="2000" spc="-1" strike="noStrike">
+              <a:latin typeface="Arial"/>
             </a:endParaRPr>
           </a:p>
           <a:p>
             <a:pPr lvl="5" marL="2592000" indent="-216000">
-              <a:lnSpc>
-                <a:spcPct val="90000"/>
-              </a:lnSpc>
               <a:spcBef>
                 <a:spcPts val="283"/>
               </a:spcBef>
@@ -7299,26 +7009,17 @@
               <a:buChar char=""/>
             </a:pPr>
             <a:r>
-              <a:rPr b="0" lang="en-US" sz="2000" spc="-1" strike="noStrike">
-                <a:solidFill>
-                  <a:srgbClr val="000000"/>
-                </a:solidFill>
-                <a:latin typeface="Rockwell"/>
+              <a:rPr b="0" lang="en-IE" sz="2000" spc="-1" strike="noStrike">
+                <a:latin typeface="Arial"/>
               </a:rPr>
               <a:t>Sixth Outline Level</a:t>
             </a:r>
-            <a:endParaRPr b="0" lang="en-US" sz="2000" spc="-1" strike="noStrike">
-              <a:solidFill>
-                <a:srgbClr val="000000"/>
-              </a:solidFill>
-              <a:latin typeface="Rockwell"/>
+            <a:endParaRPr b="0" lang="en-IE" sz="2000" spc="-1" strike="noStrike">
+              <a:latin typeface="Arial"/>
             </a:endParaRPr>
           </a:p>
           <a:p>
             <a:pPr lvl="6" marL="3024000" indent="-216000">
-              <a:lnSpc>
-                <a:spcPct val="90000"/>
-              </a:lnSpc>
               <a:spcBef>
                 <a:spcPts val="283"/>
               </a:spcBef>
@@ -7330,19 +7031,13 @@
               <a:buChar char=""/>
             </a:pPr>
             <a:r>
-              <a:rPr b="0" lang="en-US" sz="2000" spc="-1" strike="noStrike">
-                <a:solidFill>
-                  <a:srgbClr val="000000"/>
-                </a:solidFill>
-                <a:latin typeface="Rockwell"/>
+              <a:rPr b="0" lang="en-IE" sz="2000" spc="-1" strike="noStrike">
+                <a:latin typeface="Arial"/>
               </a:rPr>
               <a:t>Seventh Outline Level</a:t>
             </a:r>
-            <a:endParaRPr b="0" lang="en-US" sz="2000" spc="-1" strike="noStrike">
-              <a:solidFill>
-                <a:srgbClr val="000000"/>
-              </a:solidFill>
-              <a:latin typeface="Rockwell"/>
+            <a:endParaRPr b="0" lang="en-IE" sz="2000" spc="-1" strike="noStrike">
+              <a:latin typeface="Arial"/>
             </a:endParaRPr>
           </a:p>
         </p:txBody>
@@ -7400,9 +7095,9 @@
         <p:grpSpPr>
           <a:xfrm>
             <a:off x="11401560" y="6229800"/>
-            <a:ext cx="456840" cy="456840"/>
+            <a:ext cx="456480" cy="456480"/>
             <a:chOff x="11401560" y="6229800"/>
-            <a:chExt cx="456840" cy="456840"/>
+            <a:chExt cx="456480" cy="456480"/>
           </a:xfrm>
         </p:grpSpPr>
         <p:sp>
@@ -7414,7 +7109,7 @@
           <p:spPr>
             <a:xfrm>
               <a:off x="11401560" y="6229800"/>
-              <a:ext cx="456840" cy="456840"/>
+              <a:ext cx="456480" cy="456480"/>
             </a:xfrm>
             <a:prstGeom prst="ellipse">
               <a:avLst/>
@@ -7444,7 +7139,7 @@
           <p:spPr>
             <a:xfrm>
               <a:off x="11431080" y="6258960"/>
-              <a:ext cx="398520" cy="398520"/>
+              <a:ext cx="398160" cy="398160"/>
             </a:xfrm>
             <a:prstGeom prst="ellipse">
               <a:avLst/>
@@ -7472,336 +7167,31 @@
             <a:spLocks noGrp="1"/>
           </p:cNvSpPr>
           <p:nvPr>
-            <p:ph type="title"/>
-          </p:nvPr>
-        </p:nvSpPr>
-        <p:spPr>
-          <a:xfrm>
-            <a:off x="1069920" y="484560"/>
-            <a:ext cx="10058040" cy="1608840"/>
-          </a:xfrm>
-          <a:prstGeom prst="rect">
-            <a:avLst/>
-          </a:prstGeom>
-          <a:noFill/>
-          <a:ln w="0">
-            <a:noFill/>
-          </a:ln>
-        </p:spPr>
-        <p:txBody>
-          <a:bodyPr anchor="ctr">
-            <a:noAutofit/>
-          </a:bodyPr>
-          <a:p>
-            <a:pPr>
-              <a:lnSpc>
-                <a:spcPct val="90000"/>
-              </a:lnSpc>
-              <a:buNone/>
-            </a:pPr>
-            <a:r>
-              <a:rPr b="0" lang="en-US" sz="5400" spc="-1" strike="noStrike" cap="all">
-                <a:latin typeface="Rockwell Condensed"/>
-              </a:rPr>
-              <a:t>Click to edit Master title style</a:t>
-            </a:r>
-            <a:endParaRPr b="0" lang="en-US" sz="5400" spc="-1" strike="noStrike">
-              <a:solidFill>
-                <a:srgbClr val="000000"/>
-              </a:solidFill>
-              <a:latin typeface="Rockwell"/>
-            </a:endParaRPr>
-          </a:p>
-        </p:txBody>
-      </p:sp>
-      <p:sp>
-        <p:nvSpPr>
-          <p:cNvPr id="54" name="PlaceHolder 2"/>
-          <p:cNvSpPr>
-            <a:spLocks noGrp="1"/>
-          </p:cNvSpPr>
-          <p:nvPr>
-            <p:ph type="body"/>
-          </p:nvPr>
-        </p:nvSpPr>
-        <p:spPr>
-          <a:xfrm>
-            <a:off x="1069920" y="2121480"/>
-            <a:ext cx="10058040" cy="4050360"/>
-          </a:xfrm>
-          <a:prstGeom prst="rect">
-            <a:avLst/>
-          </a:prstGeom>
-          <a:noFill/>
-          <a:ln w="0">
-            <a:noFill/>
-          </a:ln>
-        </p:spPr>
-        <p:txBody>
-          <a:bodyPr anchor="t">
-            <a:noAutofit/>
-          </a:bodyPr>
-          <a:p>
-            <a:pPr marL="182880" indent="-182880">
-              <a:lnSpc>
-                <a:spcPct val="90000"/>
-              </a:lnSpc>
-              <a:spcBef>
-                <a:spcPts val="1199"/>
-              </a:spcBef>
-              <a:buClr>
-                <a:srgbClr val="9e3611"/>
-              </a:buClr>
-              <a:buSzPct val="85000"/>
-              <a:buFont typeface="Wingdings" charset="2"/>
-              <a:buChar char=""/>
-            </a:pPr>
-            <a:r>
-              <a:rPr b="0" lang="en-US" sz="2000" spc="-1" strike="noStrike">
-                <a:solidFill>
-                  <a:srgbClr val="000000"/>
-                </a:solidFill>
-                <a:latin typeface="Rockwell"/>
-              </a:rPr>
-              <a:t>Click to edit Master text styles</a:t>
-            </a:r>
-            <a:endParaRPr b="0" lang="en-US" sz="2000" spc="-1" strike="noStrike">
-              <a:solidFill>
-                <a:srgbClr val="000000"/>
-              </a:solidFill>
-              <a:latin typeface="Rockwell"/>
-            </a:endParaRPr>
-          </a:p>
-          <a:p>
-            <a:pPr lvl="1" marL="457200" indent="-182880">
-              <a:lnSpc>
-                <a:spcPct val="90000"/>
-              </a:lnSpc>
-              <a:spcBef>
-                <a:spcPts val="400"/>
-              </a:spcBef>
-              <a:spcAft>
-                <a:spcPts val="201"/>
-              </a:spcAft>
-              <a:buClr>
-                <a:srgbClr val="9e3611"/>
-              </a:buClr>
-              <a:buSzPct val="85000"/>
-              <a:buFont typeface="Wingdings" charset="2"/>
-              <a:buChar char=""/>
-            </a:pPr>
-            <a:r>
-              <a:rPr b="0" lang="en-US" sz="1800" spc="-1" strike="noStrike">
-                <a:solidFill>
-                  <a:srgbClr val="000000"/>
-                </a:solidFill>
-                <a:latin typeface="Rockwell"/>
-              </a:rPr>
-              <a:t>Second level</a:t>
-            </a:r>
-            <a:endParaRPr b="0" lang="en-US" sz="1800" spc="-1" strike="noStrike">
-              <a:solidFill>
-                <a:srgbClr val="000000"/>
-              </a:solidFill>
-              <a:latin typeface="Rockwell"/>
-            </a:endParaRPr>
-          </a:p>
-          <a:p>
-            <a:pPr lvl="2" marL="731520" indent="-182880">
-              <a:lnSpc>
-                <a:spcPct val="90000"/>
-              </a:lnSpc>
-              <a:spcBef>
-                <a:spcPts val="400"/>
-              </a:spcBef>
-              <a:spcAft>
-                <a:spcPts val="201"/>
-              </a:spcAft>
-              <a:buClr>
-                <a:srgbClr val="9e3611"/>
-              </a:buClr>
-              <a:buSzPct val="85000"/>
-              <a:buFont typeface="Wingdings" charset="2"/>
-              <a:buChar char=""/>
-            </a:pPr>
-            <a:r>
-              <a:rPr b="0" lang="en-US" sz="1600" spc="-1" strike="noStrike">
-                <a:solidFill>
-                  <a:srgbClr val="000000"/>
-                </a:solidFill>
-                <a:latin typeface="Rockwell"/>
-              </a:rPr>
-              <a:t>Third level</a:t>
-            </a:r>
-            <a:endParaRPr b="0" lang="en-US" sz="1600" spc="-1" strike="noStrike">
-              <a:solidFill>
-                <a:srgbClr val="000000"/>
-              </a:solidFill>
-              <a:latin typeface="Rockwell"/>
-            </a:endParaRPr>
-          </a:p>
-          <a:p>
-            <a:pPr lvl="3" marL="1005840" indent="-182880">
-              <a:lnSpc>
-                <a:spcPct val="90000"/>
-              </a:lnSpc>
-              <a:spcBef>
-                <a:spcPts val="400"/>
-              </a:spcBef>
-              <a:spcAft>
-                <a:spcPts val="201"/>
-              </a:spcAft>
-              <a:buClr>
-                <a:srgbClr val="9e3611"/>
-              </a:buClr>
-              <a:buSzPct val="85000"/>
-              <a:buFont typeface="Wingdings" charset="2"/>
-              <a:buChar char=""/>
-            </a:pPr>
-            <a:r>
-              <a:rPr b="0" lang="en-US" sz="1600" spc="-1" strike="noStrike">
-                <a:solidFill>
-                  <a:srgbClr val="000000"/>
-                </a:solidFill>
-                <a:latin typeface="Rockwell"/>
-              </a:rPr>
-              <a:t>Fourth level</a:t>
-            </a:r>
-            <a:endParaRPr b="0" lang="en-US" sz="1600" spc="-1" strike="noStrike">
-              <a:solidFill>
-                <a:srgbClr val="000000"/>
-              </a:solidFill>
-              <a:latin typeface="Rockwell"/>
-            </a:endParaRPr>
-          </a:p>
-          <a:p>
-            <a:pPr lvl="4" marL="1280160" indent="-182880">
-              <a:lnSpc>
-                <a:spcPct val="90000"/>
-              </a:lnSpc>
-              <a:spcBef>
-                <a:spcPts val="400"/>
-              </a:spcBef>
-              <a:spcAft>
-                <a:spcPts val="201"/>
-              </a:spcAft>
-              <a:buClr>
-                <a:srgbClr val="9e3611"/>
-              </a:buClr>
-              <a:buSzPct val="85000"/>
-              <a:buFont typeface="Wingdings" charset="2"/>
-              <a:buChar char=""/>
-            </a:pPr>
-            <a:r>
-              <a:rPr b="0" lang="en-US" sz="1600" spc="-1" strike="noStrike">
-                <a:solidFill>
-                  <a:srgbClr val="000000"/>
-                </a:solidFill>
-                <a:latin typeface="Rockwell"/>
-              </a:rPr>
-              <a:t>Fifth level</a:t>
-            </a:r>
-            <a:endParaRPr b="0" lang="en-US" sz="1600" spc="-1" strike="noStrike">
-              <a:solidFill>
-                <a:srgbClr val="000000"/>
-              </a:solidFill>
-              <a:latin typeface="Rockwell"/>
-            </a:endParaRPr>
-          </a:p>
-        </p:txBody>
-      </p:sp>
-      <p:sp>
-        <p:nvSpPr>
-          <p:cNvPr id="55" name="PlaceHolder 3"/>
-          <p:cNvSpPr>
-            <a:spLocks noGrp="1"/>
-          </p:cNvSpPr>
-          <p:nvPr>
-            <p:ph type="dt" idx="4"/>
-          </p:nvPr>
-        </p:nvSpPr>
-        <p:spPr>
-          <a:xfrm>
-            <a:off x="7964280" y="6272640"/>
-            <a:ext cx="3273120" cy="364680"/>
-          </a:xfrm>
-          <a:prstGeom prst="rect">
-            <a:avLst/>
-          </a:prstGeom>
-          <a:noFill/>
-          <a:ln w="0">
-            <a:noFill/>
-          </a:ln>
-        </p:spPr>
-        <p:txBody>
-          <a:bodyPr anchor="ctr">
-            <a:noAutofit/>
-          </a:bodyPr>
-          <a:lstStyle>
-            <a:lvl1pPr algn="r">
-              <a:lnSpc>
-                <a:spcPct val="100000"/>
-              </a:lnSpc>
-              <a:buNone/>
-              <a:defRPr b="0" lang="en-US" sz="1100" spc="-1" strike="noStrike">
-                <a:solidFill>
-                  <a:srgbClr val="696464"/>
-                </a:solidFill>
-                <a:latin typeface="Rockwell"/>
-              </a:defRPr>
-            </a:lvl1pPr>
-          </a:lstStyle>
-          <a:p>
-            <a:pPr algn="r">
-              <a:lnSpc>
-                <a:spcPct val="100000"/>
-              </a:lnSpc>
-              <a:buNone/>
-            </a:pPr>
-            <a:r>
-              <a:rPr b="0" lang="en-US" sz="1100" spc="-1" strike="noStrike">
-                <a:solidFill>
-                  <a:srgbClr val="696464"/>
-                </a:solidFill>
-                <a:latin typeface="Rockwell"/>
-              </a:rPr>
-              <a:t>&lt;date/time&gt;</a:t>
-            </a:r>
-            <a:endParaRPr b="0" lang="en-IE" sz="1100" spc="-1" strike="noStrike">
-              <a:latin typeface="Times New Roman"/>
-            </a:endParaRPr>
-          </a:p>
-        </p:txBody>
-      </p:sp>
-      <p:sp>
-        <p:nvSpPr>
-          <p:cNvPr id="56" name="PlaceHolder 4"/>
-          <p:cNvSpPr>
-            <a:spLocks noGrp="1"/>
-          </p:cNvSpPr>
-          <p:nvPr>
-            <p:ph type="ftr" idx="5"/>
+            <p:ph type="ftr" idx="4"/>
           </p:nvPr>
         </p:nvSpPr>
         <p:spPr>
           <a:xfrm>
             <a:off x="1088280" y="6272640"/>
-            <a:ext cx="6327360" cy="364680"/>
-          </a:xfrm>
-          <a:prstGeom prst="rect">
-            <a:avLst/>
-          </a:prstGeom>
-          <a:noFill/>
-          <a:ln w="0">
-            <a:noFill/>
-          </a:ln>
-        </p:spPr>
-        <p:txBody>
-          <a:bodyPr anchor="ctr">
+            <a:ext cx="6327000" cy="364320"/>
+          </a:xfrm>
+          <a:prstGeom prst="rect">
+            <a:avLst/>
+          </a:prstGeom>
+          <a:noFill/>
+          <a:ln w="0">
+            <a:noFill/>
+          </a:ln>
+        </p:spPr>
+        <p:txBody>
+          <a:bodyPr lIns="90000" rIns="90000" tIns="45000" bIns="45000" anchor="ctr">
             <a:noAutofit/>
           </a:bodyPr>
           <a:lstStyle>
             <a:lvl1pPr algn="ctr">
+              <a:lnSpc>
+                <a:spcPct val="100000"/>
+              </a:lnSpc>
               <a:buNone/>
               <a:defRPr b="0" lang="en-IE" sz="1400" spc="-1" strike="noStrike">
                 <a:latin typeface="Times New Roman"/>
@@ -7810,6 +7200,9 @@
           </a:lstStyle>
           <a:p>
             <a:pPr algn="ctr">
+              <a:lnSpc>
+                <a:spcPct val="100000"/>
+              </a:lnSpc>
               <a:buNone/>
             </a:pPr>
             <a:r>
@@ -7826,29 +7219,29 @@
       </p:sp>
       <p:sp>
         <p:nvSpPr>
-          <p:cNvPr id="57" name="PlaceHolder 5"/>
-          <p:cNvSpPr>
-            <a:spLocks noGrp="1"/>
-          </p:cNvSpPr>
-          <p:nvPr>
-            <p:ph type="sldNum" idx="6"/>
+          <p:cNvPr id="54" name="PlaceHolder 2"/>
+          <p:cNvSpPr>
+            <a:spLocks noGrp="1"/>
+          </p:cNvSpPr>
+          <p:nvPr>
+            <p:ph type="sldNum" idx="5"/>
           </p:nvPr>
         </p:nvSpPr>
         <p:spPr>
           <a:xfrm>
             <a:off x="11311200" y="6272640"/>
-            <a:ext cx="639720" cy="364680"/>
-          </a:xfrm>
-          <a:prstGeom prst="rect">
-            <a:avLst/>
-          </a:prstGeom>
-          <a:noFill/>
-          <a:ln w="0">
-            <a:noFill/>
-          </a:ln>
-        </p:spPr>
-        <p:txBody>
-          <a:bodyPr anchor="ctr">
+            <a:ext cx="639360" cy="364320"/>
+          </a:xfrm>
+          <a:prstGeom prst="rect">
+            <a:avLst/>
+          </a:prstGeom>
+          <a:noFill/>
+          <a:ln w="0">
+            <a:noFill/>
+          </a:ln>
+        </p:spPr>
+        <p:txBody>
+          <a:bodyPr lIns="90000" rIns="90000" tIns="45000" bIns="45000" anchor="ctr">
             <a:noAutofit/>
           </a:bodyPr>
           <a:lstStyle>
@@ -7872,7 +7265,7 @@
               </a:lnSpc>
               <a:buNone/>
             </a:pPr>
-            <a:fld id="{F9E84B8A-7FCA-46BA-B49C-7AA3D42B0649}" type="slidenum">
+            <a:fld id="{B00AB960-0835-48D9-9C70-A865CC80D821}" type="slidenum">
               <a:rPr b="1" lang="en-US" sz="1400" spc="-1" strike="noStrike">
                 <a:solidFill>
                   <a:srgbClr val="ffffff"/>
@@ -7883,6 +7276,279 @@
             </a:fld>
             <a:endParaRPr b="0" lang="en-IE" sz="1400" spc="-1" strike="noStrike">
               <a:latin typeface="Times New Roman"/>
+            </a:endParaRPr>
+          </a:p>
+        </p:txBody>
+      </p:sp>
+      <p:sp>
+        <p:nvSpPr>
+          <p:cNvPr id="55" name="PlaceHolder 3"/>
+          <p:cNvSpPr>
+            <a:spLocks noGrp="1"/>
+          </p:cNvSpPr>
+          <p:nvPr>
+            <p:ph type="dt" idx="6"/>
+          </p:nvPr>
+        </p:nvSpPr>
+        <p:spPr>
+          <a:xfrm>
+            <a:off x="7964280" y="6272640"/>
+            <a:ext cx="3272760" cy="364320"/>
+          </a:xfrm>
+          <a:prstGeom prst="rect">
+            <a:avLst/>
+          </a:prstGeom>
+          <a:noFill/>
+          <a:ln w="0">
+            <a:noFill/>
+          </a:ln>
+        </p:spPr>
+        <p:txBody>
+          <a:bodyPr lIns="90000" rIns="90000" tIns="45000" bIns="45000" anchor="ctr">
+            <a:noAutofit/>
+          </a:bodyPr>
+          <a:lstStyle>
+            <a:lvl1pPr>
+              <a:defRPr b="0" lang="en-IE" sz="1400" spc="-1" strike="noStrike">
+                <a:latin typeface="Times New Roman"/>
+              </a:defRPr>
+            </a:lvl1pPr>
+          </a:lstStyle>
+          <a:p>
+            <a:r>
+              <a:rPr b="0" lang="en-IE" sz="1400" spc="-1" strike="noStrike">
+                <a:latin typeface="Times New Roman"/>
+              </a:rPr>
+              <a:t>&lt;date/time&gt;</a:t>
+            </a:r>
+            <a:endParaRPr b="0" lang="en-IE" sz="1400" spc="-1" strike="noStrike">
+              <a:latin typeface="Times New Roman"/>
+            </a:endParaRPr>
+          </a:p>
+        </p:txBody>
+      </p:sp>
+      <p:sp>
+        <p:nvSpPr>
+          <p:cNvPr id="56" name="PlaceHolder 4"/>
+          <p:cNvSpPr>
+            <a:spLocks noGrp="1"/>
+          </p:cNvSpPr>
+          <p:nvPr>
+            <p:ph type="title"/>
+          </p:nvPr>
+        </p:nvSpPr>
+        <p:spPr>
+          <a:xfrm>
+            <a:off x="609480" y="273600"/>
+            <a:ext cx="10972440" cy="1144800"/>
+          </a:xfrm>
+          <a:prstGeom prst="rect">
+            <a:avLst/>
+          </a:prstGeom>
+          <a:noFill/>
+          <a:ln w="0">
+            <a:noFill/>
+          </a:ln>
+        </p:spPr>
+        <p:txBody>
+          <a:bodyPr lIns="0" rIns="0" tIns="0" bIns="0" anchor="ctr">
+            <a:noAutofit/>
+          </a:bodyPr>
+          <a:p>
+            <a:pPr algn="ctr">
+              <a:buNone/>
+            </a:pPr>
+            <a:r>
+              <a:rPr b="0" lang="en-IE" sz="4400" spc="-1" strike="noStrike">
+                <a:latin typeface="Arial"/>
+              </a:rPr>
+              <a:t>Click to edit the title text format</a:t>
+            </a:r>
+            <a:endParaRPr b="0" lang="en-IE" sz="4400" spc="-1" strike="noStrike">
+              <a:latin typeface="Arial"/>
+            </a:endParaRPr>
+          </a:p>
+        </p:txBody>
+      </p:sp>
+      <p:sp>
+        <p:nvSpPr>
+          <p:cNvPr id="57" name="PlaceHolder 5"/>
+          <p:cNvSpPr>
+            <a:spLocks noGrp="1"/>
+          </p:cNvSpPr>
+          <p:nvPr>
+            <p:ph type="body"/>
+          </p:nvPr>
+        </p:nvSpPr>
+        <p:spPr>
+          <a:xfrm>
+            <a:off x="609480" y="1604520"/>
+            <a:ext cx="10972440" cy="3977280"/>
+          </a:xfrm>
+          <a:prstGeom prst="rect">
+            <a:avLst/>
+          </a:prstGeom>
+          <a:noFill/>
+          <a:ln w="0">
+            <a:noFill/>
+          </a:ln>
+        </p:spPr>
+        <p:txBody>
+          <a:bodyPr lIns="0" rIns="0" tIns="0" bIns="0" anchor="t">
+            <a:normAutofit/>
+          </a:bodyPr>
+          <a:p>
+            <a:pPr marL="432000" indent="-324000">
+              <a:spcBef>
+                <a:spcPts val="1417"/>
+              </a:spcBef>
+              <a:buClr>
+                <a:srgbClr val="000000"/>
+              </a:buClr>
+              <a:buSzPct val="45000"/>
+              <a:buFont typeface="Wingdings" charset="2"/>
+              <a:buChar char=""/>
+            </a:pPr>
+            <a:r>
+              <a:rPr b="0" lang="en-IE" sz="3200" spc="-1" strike="noStrike">
+                <a:latin typeface="Arial"/>
+              </a:rPr>
+              <a:t>Click to edit the outline text format</a:t>
+            </a:r>
+            <a:endParaRPr b="0" lang="en-IE" sz="3200" spc="-1" strike="noStrike">
+              <a:latin typeface="Arial"/>
+            </a:endParaRPr>
+          </a:p>
+          <a:p>
+            <a:pPr lvl="1" marL="864000" indent="-324000">
+              <a:spcBef>
+                <a:spcPts val="1134"/>
+              </a:spcBef>
+              <a:buClr>
+                <a:srgbClr val="000000"/>
+              </a:buClr>
+              <a:buSzPct val="75000"/>
+              <a:buFont typeface="Symbol" charset="2"/>
+              <a:buChar char=""/>
+            </a:pPr>
+            <a:r>
+              <a:rPr b="0" lang="en-IE" sz="2800" spc="-1" strike="noStrike">
+                <a:latin typeface="Arial"/>
+              </a:rPr>
+              <a:t>Second Outline Level</a:t>
+            </a:r>
+            <a:endParaRPr b="0" lang="en-IE" sz="2800" spc="-1" strike="noStrike">
+              <a:latin typeface="Arial"/>
+            </a:endParaRPr>
+          </a:p>
+          <a:p>
+            <a:pPr lvl="2" marL="1296000" indent="-288000">
+              <a:spcBef>
+                <a:spcPts val="850"/>
+              </a:spcBef>
+              <a:buClr>
+                <a:srgbClr val="000000"/>
+              </a:buClr>
+              <a:buSzPct val="45000"/>
+              <a:buFont typeface="Wingdings" charset="2"/>
+              <a:buChar char=""/>
+            </a:pPr>
+            <a:r>
+              <a:rPr b="0" lang="en-IE" sz="2400" spc="-1" strike="noStrike">
+                <a:latin typeface="Arial"/>
+              </a:rPr>
+              <a:t>Third Outline Level</a:t>
+            </a:r>
+            <a:endParaRPr b="0" lang="en-IE" sz="2400" spc="-1" strike="noStrike">
+              <a:latin typeface="Arial"/>
+            </a:endParaRPr>
+          </a:p>
+          <a:p>
+            <a:pPr lvl="3" marL="1728000" indent="-216000">
+              <a:spcBef>
+                <a:spcPts val="567"/>
+              </a:spcBef>
+              <a:buClr>
+                <a:srgbClr val="000000"/>
+              </a:buClr>
+              <a:buSzPct val="75000"/>
+              <a:buFont typeface="Symbol" charset="2"/>
+              <a:buChar char=""/>
+            </a:pPr>
+            <a:r>
+              <a:rPr b="0" lang="en-IE" sz="2000" spc="-1" strike="noStrike">
+                <a:latin typeface="Arial"/>
+              </a:rPr>
+              <a:t>Fourth Outline Level</a:t>
+            </a:r>
+            <a:endParaRPr b="0" lang="en-IE" sz="2000" spc="-1" strike="noStrike">
+              <a:latin typeface="Arial"/>
+            </a:endParaRPr>
+          </a:p>
+          <a:p>
+            <a:pPr lvl="4" marL="2160000" indent="-216000">
+              <a:spcBef>
+                <a:spcPts val="283"/>
+              </a:spcBef>
+              <a:buClr>
+                <a:srgbClr val="000000"/>
+              </a:buClr>
+              <a:buSzPct val="45000"/>
+              <a:buFont typeface="Wingdings" charset="2"/>
+              <a:buChar char=""/>
+            </a:pPr>
+            <a:r>
+              <a:rPr b="0" lang="en-IE" sz="2000" spc="-1" strike="noStrike">
+                <a:latin typeface="Arial"/>
+              </a:rPr>
+              <a:t>Fifth Outline Level</a:t>
+            </a:r>
+            <a:endParaRPr b="0" lang="en-IE" sz="2000" spc="-1" strike="noStrike">
+              <a:latin typeface="Arial"/>
+            </a:endParaRPr>
+          </a:p>
+          <a:p>
+            <a:pPr lvl="5" marL="2592000" indent="-216000">
+              <a:spcBef>
+                <a:spcPts val="283"/>
+              </a:spcBef>
+              <a:buClr>
+                <a:srgbClr val="000000"/>
+              </a:buClr>
+              <a:buSzPct val="45000"/>
+              <a:buFont typeface="Wingdings" charset="2"/>
+              <a:buChar char=""/>
+            </a:pPr>
+            <a:r>
+              <a:rPr b="0" lang="en-IE" sz="2000" spc="-1" strike="noStrike">
+                <a:latin typeface="Arial"/>
+              </a:rPr>
+              <a:t>Sixth Outline Level</a:t>
+            </a:r>
+            <a:endParaRPr b="0" lang="en-IE" sz="2000" spc="-1" strike="noStrike">
+              <a:latin typeface="Arial"/>
+            </a:endParaRPr>
+          </a:p>
+          <a:p>
+            <a:pPr lvl="6" marL="3024000" indent="-216000">
+              <a:spcBef>
+                <a:spcPts val="283"/>
+              </a:spcBef>
+              <a:buClr>
+                <a:srgbClr val="000000"/>
+              </a:buClr>
+              <a:buSzPct val="45000"/>
+              <a:buFont typeface="Wingdings" charset="2"/>
+              <a:buChar char=""/>
+            </a:pPr>
+            <a:r>
+              <a:rPr b="0" lang="en-IE" sz="2000" spc="-1" strike="noStrike">
+                <a:latin typeface="Arial"/>
+              </a:rPr>
+              <a:t>Seventh Outline Level</a:t>
+            </a:r>
+            <a:endParaRPr b="0" lang="en-IE" sz="2000" spc="-1" strike="noStrike">
+              <a:latin typeface="Arial"/>
             </a:endParaRPr>
           </a:p>
         </p:txBody>
@@ -7937,18 +7603,18 @@
         <p:spPr>
           <a:xfrm>
             <a:off x="1051560" y="1432080"/>
-            <a:ext cx="9966600" cy="3035520"/>
-          </a:xfrm>
-          <a:prstGeom prst="rect">
-            <a:avLst/>
-          </a:prstGeom>
-          <a:noFill/>
-          <a:ln w="0">
-            <a:noFill/>
-          </a:ln>
-        </p:spPr>
-        <p:txBody>
-          <a:bodyPr anchor="ctr">
+            <a:ext cx="9966240" cy="3035160"/>
+          </a:xfrm>
+          <a:prstGeom prst="rect">
+            <a:avLst/>
+          </a:prstGeom>
+          <a:noFill/>
+          <a:ln w="0">
+            <a:noFill/>
+          </a:ln>
+        </p:spPr>
+        <p:txBody>
+          <a:bodyPr lIns="0" rIns="0" tIns="0" bIns="0" anchor="ctr">
             <a:noAutofit/>
           </a:bodyPr>
           <a:p>
@@ -7964,11 +7630,8 @@
               </a:rPr>
               <a:t>API Authentication</a:t>
             </a:r>
-            <a:endParaRPr b="0" lang="en-US" sz="8000" spc="-1" strike="noStrike">
-              <a:solidFill>
-                <a:srgbClr val="000000"/>
-              </a:solidFill>
-              <a:latin typeface="Rockwell"/>
+            <a:endParaRPr b="0" lang="en-IE" sz="8000" spc="-1" strike="noStrike">
+              <a:latin typeface="Arial"/>
             </a:endParaRPr>
           </a:p>
         </p:txBody>
@@ -7986,18 +7649,18 @@
         <p:spPr>
           <a:xfrm>
             <a:off x="1069920" y="4389120"/>
-            <a:ext cx="7890840" cy="1069560"/>
-          </a:xfrm>
-          <a:prstGeom prst="rect">
-            <a:avLst/>
-          </a:prstGeom>
-          <a:noFill/>
-          <a:ln w="0">
-            <a:noFill/>
-          </a:ln>
-        </p:spPr>
-        <p:txBody>
-          <a:bodyPr anchor="t">
+            <a:ext cx="7890480" cy="1069200"/>
+          </a:xfrm>
+          <a:prstGeom prst="rect">
+            <a:avLst/>
+          </a:prstGeom>
+          <a:noFill/>
+          <a:ln w="0">
+            <a:noFill/>
+          </a:ln>
+        </p:spPr>
+        <p:txBody>
+          <a:bodyPr lIns="0" rIns="0" tIns="0" bIns="0" anchor="t">
             <a:normAutofit/>
           </a:bodyPr>
           <a:p>
@@ -8110,18 +7773,18 @@
         <p:spPr>
           <a:xfrm>
             <a:off x="1069920" y="484560"/>
-            <a:ext cx="10058040" cy="1608840"/>
-          </a:xfrm>
-          <a:prstGeom prst="rect">
-            <a:avLst/>
-          </a:prstGeom>
-          <a:noFill/>
-          <a:ln w="0">
-            <a:noFill/>
-          </a:ln>
-        </p:spPr>
-        <p:txBody>
-          <a:bodyPr anchor="ctr">
+            <a:ext cx="10057680" cy="1608480"/>
+          </a:xfrm>
+          <a:prstGeom prst="rect">
+            <a:avLst/>
+          </a:prstGeom>
+          <a:noFill/>
+          <a:ln w="0">
+            <a:noFill/>
+          </a:ln>
+        </p:spPr>
+        <p:txBody>
+          <a:bodyPr lIns="90000" rIns="90000" tIns="45000" bIns="45000" anchor="ctr">
             <a:noAutofit/>
           </a:bodyPr>
           <a:p>
@@ -8137,11 +7800,8 @@
               </a:rPr>
               <a:t>Restricting access</a:t>
             </a:r>
-            <a:endParaRPr b="0" lang="en-US" sz="5400" spc="-1" strike="noStrike">
-              <a:solidFill>
-                <a:srgbClr val="000000"/>
-              </a:solidFill>
-              <a:latin typeface="Rockwell"/>
+            <a:endParaRPr b="0" lang="en-IE" sz="5400" spc="-1" strike="noStrike">
+              <a:latin typeface="Arial"/>
             </a:endParaRPr>
           </a:p>
         </p:txBody>
@@ -8159,18 +7819,18 @@
         <p:spPr>
           <a:xfrm>
             <a:off x="1069920" y="2121480"/>
-            <a:ext cx="10058040" cy="4050360"/>
-          </a:xfrm>
-          <a:prstGeom prst="rect">
-            <a:avLst/>
-          </a:prstGeom>
-          <a:noFill/>
-          <a:ln w="0">
-            <a:noFill/>
-          </a:ln>
-        </p:spPr>
-        <p:txBody>
-          <a:bodyPr anchor="t">
+            <a:ext cx="10057680" cy="4050000"/>
+          </a:xfrm>
+          <a:prstGeom prst="rect">
+            <a:avLst/>
+          </a:prstGeom>
+          <a:noFill/>
+          <a:ln w="0">
+            <a:noFill/>
+          </a:ln>
+        </p:spPr>
+        <p:txBody>
+          <a:bodyPr lIns="90000" rIns="90000" tIns="45000" bIns="45000" anchor="t">
             <a:noAutofit/>
           </a:bodyPr>
           <a:p>
@@ -8197,11 +7857,8 @@
               </a:rPr>
               <a:t>A resource owner may want to restrict access to the resource.</a:t>
             </a:r>
-            <a:endParaRPr b="0" lang="en-US" sz="2000" spc="-1" strike="noStrike">
-              <a:solidFill>
-                <a:srgbClr val="000000"/>
-              </a:solidFill>
-              <a:latin typeface="Rockwell"/>
+            <a:endParaRPr b="0" lang="en-IE" sz="2000" spc="-1" strike="noStrike">
+              <a:latin typeface="Arial"/>
             </a:endParaRPr>
           </a:p>
           <a:p>
@@ -8231,11 +7888,8 @@
               </a:rPr>
               <a:t>May not want anyone to:</a:t>
             </a:r>
-            <a:endParaRPr b="0" lang="en-US" sz="1800" spc="-1" strike="noStrike">
-              <a:solidFill>
-                <a:srgbClr val="000000"/>
-              </a:solidFill>
-              <a:latin typeface="Rockwell"/>
+            <a:endParaRPr b="0" lang="en-IE" sz="1800" spc="-1" strike="noStrike">
+              <a:latin typeface="Arial"/>
             </a:endParaRPr>
           </a:p>
           <a:p>
@@ -8274,11 +7928,8 @@
               </a:rPr>
               <a:t>Change data</a:t>
             </a:r>
-            <a:endParaRPr b="0" lang="en-US" sz="1600" spc="-1" strike="noStrike">
-              <a:solidFill>
-                <a:srgbClr val="000000"/>
-              </a:solidFill>
-              <a:latin typeface="Rockwell"/>
+            <a:endParaRPr b="0" lang="en-IE" sz="1600" spc="-1" strike="noStrike">
+              <a:latin typeface="Arial"/>
             </a:endParaRPr>
           </a:p>
           <a:p>
@@ -8308,11 +7959,8 @@
               </a:rPr>
               <a:t>View sensitive data (your bank details)</a:t>
             </a:r>
-            <a:endParaRPr b="0" lang="en-US" sz="1600" spc="-1" strike="noStrike">
-              <a:solidFill>
-                <a:srgbClr val="000000"/>
-              </a:solidFill>
-              <a:latin typeface="Rockwell"/>
+            <a:endParaRPr b="0" lang="en-IE" sz="1600" spc="-1" strike="noStrike">
+              <a:latin typeface="Arial"/>
             </a:endParaRPr>
           </a:p>
           <a:p>
@@ -8342,11 +7990,8 @@
               </a:rPr>
               <a:t>May want to limit the number of times someone can make a request, especially if the request will take a lot of processing. E.g., searching twitter feeds.</a:t>
             </a:r>
-            <a:endParaRPr b="0" lang="en-US" sz="1800" spc="-1" strike="noStrike">
-              <a:solidFill>
-                <a:srgbClr val="000000"/>
-              </a:solidFill>
-              <a:latin typeface="Rockwell"/>
+            <a:endParaRPr b="0" lang="en-IE" sz="1800" spc="-1" strike="noStrike">
+              <a:latin typeface="Arial"/>
             </a:endParaRPr>
           </a:p>
           <a:p>
@@ -8359,11 +8004,8 @@
               </a:spcBef>
               <a:buNone/>
             </a:pPr>
-            <a:endParaRPr b="0" lang="en-US" sz="1800" spc="-1" strike="noStrike">
-              <a:solidFill>
-                <a:srgbClr val="000000"/>
-              </a:solidFill>
-              <a:latin typeface="Rockwell"/>
+            <a:endParaRPr b="0" lang="en-IE" sz="1800" spc="-1" strike="noStrike">
+              <a:latin typeface="Arial"/>
             </a:endParaRPr>
           </a:p>
         </p:txBody>
@@ -8411,18 +8053,18 @@
         <p:spPr>
           <a:xfrm>
             <a:off x="1069920" y="484560"/>
-            <a:ext cx="10058040" cy="1608840"/>
-          </a:xfrm>
-          <a:prstGeom prst="rect">
-            <a:avLst/>
-          </a:prstGeom>
-          <a:noFill/>
-          <a:ln w="0">
-            <a:noFill/>
-          </a:ln>
-        </p:spPr>
-        <p:txBody>
-          <a:bodyPr anchor="ctr">
+            <a:ext cx="10057680" cy="1608480"/>
+          </a:xfrm>
+          <a:prstGeom prst="rect">
+            <a:avLst/>
+          </a:prstGeom>
+          <a:noFill/>
+          <a:ln w="0">
+            <a:noFill/>
+          </a:ln>
+        </p:spPr>
+        <p:txBody>
+          <a:bodyPr lIns="90000" rIns="90000" tIns="45000" bIns="45000" anchor="ctr">
             <a:noAutofit/>
           </a:bodyPr>
           <a:p>
@@ -8438,11 +8080,8 @@
               </a:rPr>
               <a:t>API Keys</a:t>
             </a:r>
-            <a:endParaRPr b="0" lang="en-US" sz="5400" spc="-1" strike="noStrike">
-              <a:solidFill>
-                <a:srgbClr val="000000"/>
-              </a:solidFill>
-              <a:latin typeface="Rockwell"/>
+            <a:endParaRPr b="0" lang="en-IE" sz="5400" spc="-1" strike="noStrike">
+              <a:latin typeface="Arial"/>
             </a:endParaRPr>
           </a:p>
         </p:txBody>
@@ -8460,18 +8099,18 @@
         <p:spPr>
           <a:xfrm>
             <a:off x="1069920" y="2121480"/>
-            <a:ext cx="10058040" cy="4050360"/>
-          </a:xfrm>
-          <a:prstGeom prst="rect">
-            <a:avLst/>
-          </a:prstGeom>
-          <a:noFill/>
-          <a:ln w="0">
-            <a:noFill/>
-          </a:ln>
-        </p:spPr>
-        <p:txBody>
-          <a:bodyPr anchor="t">
+            <a:ext cx="10057680" cy="4050000"/>
+          </a:xfrm>
+          <a:prstGeom prst="rect">
+            <a:avLst/>
+          </a:prstGeom>
+          <a:noFill/>
+          <a:ln w="0">
+            <a:noFill/>
+          </a:ln>
+        </p:spPr>
+        <p:txBody>
+          <a:bodyPr lIns="90000" rIns="90000" tIns="45000" bIns="45000" anchor="t">
             <a:noAutofit/>
           </a:bodyPr>
           <a:p>
@@ -8498,11 +8137,8 @@
               </a:rPr>
               <a:t>API keys exist, and can be used to provide authorisation to access resources</a:t>
             </a:r>
-            <a:endParaRPr b="0" lang="en-US" sz="2000" spc="-1" strike="noStrike">
-              <a:solidFill>
-                <a:srgbClr val="000000"/>
-              </a:solidFill>
-              <a:latin typeface="Rockwell"/>
+            <a:endParaRPr b="0" lang="en-IE" sz="2000" spc="-1" strike="noStrike">
+              <a:latin typeface="Arial"/>
             </a:endParaRPr>
           </a:p>
           <a:p>
@@ -8529,11 +8165,8 @@
               </a:rPr>
               <a:t>The resource owner can generate a key can give it to a third party, to allow the third-party access to the resource.</a:t>
             </a:r>
-            <a:endParaRPr b="0" lang="en-US" sz="2000" spc="-1" strike="noStrike">
-              <a:solidFill>
-                <a:srgbClr val="000000"/>
-              </a:solidFill>
-              <a:latin typeface="Rockwell"/>
+            <a:endParaRPr b="0" lang="en-IE" sz="2000" spc="-1" strike="noStrike">
+              <a:latin typeface="Arial"/>
             </a:endParaRPr>
           </a:p>
           <a:p>
@@ -8560,11 +8193,8 @@
               </a:rPr>
               <a:t>Hotel key</a:t>
             </a:r>
-            <a:endParaRPr b="0" lang="en-US" sz="2000" spc="-1" strike="noStrike">
-              <a:solidFill>
-                <a:srgbClr val="000000"/>
-              </a:solidFill>
-              <a:latin typeface="Rockwell"/>
+            <a:endParaRPr b="0" lang="en-IE" sz="2000" spc="-1" strike="noStrike">
+              <a:latin typeface="Arial"/>
             </a:endParaRPr>
           </a:p>
           <a:p>
@@ -8591,11 +8221,8 @@
               </a:rPr>
               <a:t>In practice:</a:t>
             </a:r>
-            <a:endParaRPr b="0" lang="en-US" sz="2000" spc="-1" strike="noStrike">
-              <a:solidFill>
-                <a:srgbClr val="000000"/>
-              </a:solidFill>
-              <a:latin typeface="Rockwell"/>
+            <a:endParaRPr b="0" lang="en-IE" sz="2000" spc="-1" strike="noStrike">
+              <a:latin typeface="Arial"/>
             </a:endParaRPr>
           </a:p>
           <a:p>
@@ -8625,11 +8252,8 @@
               </a:rPr>
               <a:t>Get a key:</a:t>
             </a:r>
-            <a:endParaRPr b="0" lang="en-US" sz="1800" spc="-1" strike="noStrike">
-              <a:solidFill>
-                <a:srgbClr val="000000"/>
-              </a:solidFill>
-              <a:latin typeface="Rockwell"/>
+            <a:endParaRPr b="0" lang="en-IE" sz="1800" spc="-1" strike="noStrike">
+              <a:latin typeface="Arial"/>
             </a:endParaRPr>
           </a:p>
           <a:p>
@@ -8659,11 +8283,8 @@
               </a:rPr>
               <a:t>Apply for a key from the resource owner</a:t>
             </a:r>
-            <a:endParaRPr b="0" lang="en-US" sz="1600" spc="-1" strike="noStrike">
-              <a:solidFill>
-                <a:srgbClr val="000000"/>
-              </a:solidFill>
-              <a:latin typeface="Rockwell"/>
+            <a:endParaRPr b="0" lang="en-IE" sz="1600" spc="-1" strike="noStrike">
+              <a:latin typeface="Arial"/>
             </a:endParaRPr>
           </a:p>
           <a:p>
@@ -8693,11 +8314,8 @@
               </a:rPr>
               <a:t>Log in and generate a key</a:t>
             </a:r>
-            <a:endParaRPr b="0" lang="en-US" sz="1600" spc="-1" strike="noStrike">
-              <a:solidFill>
-                <a:srgbClr val="000000"/>
-              </a:solidFill>
-              <a:latin typeface="Rockwell"/>
+            <a:endParaRPr b="0" lang="en-IE" sz="1600" spc="-1" strike="noStrike">
+              <a:latin typeface="Arial"/>
             </a:endParaRPr>
           </a:p>
           <a:p>
@@ -8727,11 +8345,8 @@
               </a:rPr>
               <a:t>Include it in the request to access the resource</a:t>
             </a:r>
-            <a:endParaRPr b="0" lang="en-US" sz="1800" spc="-1" strike="noStrike">
-              <a:solidFill>
-                <a:srgbClr val="000000"/>
-              </a:solidFill>
-              <a:latin typeface="Rockwell"/>
+            <a:endParaRPr b="0" lang="en-IE" sz="1800" spc="-1" strike="noStrike">
+              <a:latin typeface="Arial"/>
             </a:endParaRPr>
           </a:p>
           <a:p>
@@ -8761,11 +8376,8 @@
               </a:rPr>
               <a:t>Put it in the URL (GET) as a parameter</a:t>
             </a:r>
-            <a:endParaRPr b="0" lang="en-US" sz="1600" spc="-1" strike="noStrike">
-              <a:solidFill>
-                <a:srgbClr val="000000"/>
-              </a:solidFill>
-              <a:latin typeface="Rockwell"/>
+            <a:endParaRPr b="0" lang="en-IE" sz="1600" spc="-1" strike="noStrike">
+              <a:latin typeface="Arial"/>
             </a:endParaRPr>
           </a:p>
           <a:p>
@@ -8795,11 +8407,8 @@
               </a:rPr>
               <a:t>Put it in the header as a attribute</a:t>
             </a:r>
-            <a:endParaRPr b="0" lang="en-US" sz="1600" spc="-1" strike="noStrike">
-              <a:solidFill>
-                <a:srgbClr val="000000"/>
-              </a:solidFill>
-              <a:latin typeface="Rockwell"/>
+            <a:endParaRPr b="0" lang="en-IE" sz="1600" spc="-1" strike="noStrike">
+              <a:latin typeface="Arial"/>
             </a:endParaRPr>
           </a:p>
         </p:txBody>
@@ -8813,7 +8422,7 @@
         <p:spPr>
           <a:xfrm>
             <a:off x="7751520" y="4825440"/>
-            <a:ext cx="2071800" cy="638280"/>
+            <a:ext cx="2071440" cy="638280"/>
           </a:xfrm>
           <a:prstGeom prst="rect">
             <a:avLst/>
@@ -8846,6 +8455,7 @@
                   <a:srgbClr val="000000"/>
                 </a:solidFill>
                 <a:latin typeface="Rockwell"/>
+                <a:ea typeface="DejaVu Sans"/>
               </a:rPr>
               <a:t>Just like any other bit of data</a:t>
             </a:r>
@@ -8863,8 +8473,8 @@
         </p:nvSpPr>
         <p:spPr>
           <a:xfrm flipH="1">
-            <a:off x="5452920" y="5067000"/>
-            <a:ext cx="2298240" cy="309960"/>
+            <a:off x="5452200" y="5067000"/>
+            <a:ext cx="2297880" cy="309600"/>
           </a:xfrm>
           <a:custGeom>
             <a:avLst/>
@@ -8947,18 +8557,18 @@
         <p:spPr>
           <a:xfrm>
             <a:off x="1069920" y="484560"/>
-            <a:ext cx="10058040" cy="1608840"/>
-          </a:xfrm>
-          <a:prstGeom prst="rect">
-            <a:avLst/>
-          </a:prstGeom>
-          <a:noFill/>
-          <a:ln w="0">
-            <a:noFill/>
-          </a:ln>
-        </p:spPr>
-        <p:txBody>
-          <a:bodyPr anchor="ctr">
+            <a:ext cx="10057680" cy="1608480"/>
+          </a:xfrm>
+          <a:prstGeom prst="rect">
+            <a:avLst/>
+          </a:prstGeom>
+          <a:noFill/>
+          <a:ln w="0">
+            <a:noFill/>
+          </a:ln>
+        </p:spPr>
+        <p:txBody>
+          <a:bodyPr lIns="90000" rIns="90000" tIns="45000" bIns="45000" anchor="ctr">
             <a:noAutofit/>
           </a:bodyPr>
           <a:p>
@@ -8974,11 +8584,8 @@
               </a:rPr>
               <a:t>Demonstration 2 Github</a:t>
             </a:r>
-            <a:endParaRPr b="0" lang="en-US" sz="5400" spc="-1" strike="noStrike">
-              <a:solidFill>
-                <a:srgbClr val="000000"/>
-              </a:solidFill>
-              <a:latin typeface="Rockwell"/>
+            <a:endParaRPr b="0" lang="en-IE" sz="5400" spc="-1" strike="noStrike">
+              <a:latin typeface="Arial"/>
             </a:endParaRPr>
           </a:p>
         </p:txBody>
@@ -8996,18 +8603,18 @@
         <p:spPr>
           <a:xfrm>
             <a:off x="1063800" y="1953720"/>
-            <a:ext cx="10058040" cy="4419360"/>
-          </a:xfrm>
-          <a:prstGeom prst="rect">
-            <a:avLst/>
-          </a:prstGeom>
-          <a:noFill/>
-          <a:ln w="0">
-            <a:noFill/>
-          </a:ln>
-        </p:spPr>
-        <p:txBody>
-          <a:bodyPr anchor="t">
+            <a:ext cx="10057680" cy="4419000"/>
+          </a:xfrm>
+          <a:prstGeom prst="rect">
+            <a:avLst/>
+          </a:prstGeom>
+          <a:noFill/>
+          <a:ln w="0">
+            <a:noFill/>
+          </a:ln>
+        </p:spPr>
+        <p:txBody>
+          <a:bodyPr lIns="90000" rIns="90000" tIns="45000" bIns="45000" anchor="t">
             <a:noAutofit/>
           </a:bodyPr>
           <a:p>
@@ -9034,11 +8641,8 @@
               </a:rPr>
               <a:t>We saw in the last lecture that GitHub has an API, and used it to get public information</a:t>
             </a:r>
-            <a:endParaRPr b="0" lang="en-US" sz="2000" spc="-1" strike="noStrike">
-              <a:solidFill>
-                <a:srgbClr val="000000"/>
-              </a:solidFill>
-              <a:latin typeface="Rockwell"/>
+            <a:endParaRPr b="0" lang="en-IE" sz="2000" spc="-1" strike="noStrike">
+              <a:latin typeface="Arial"/>
             </a:endParaRPr>
           </a:p>
           <a:p>
@@ -9065,11 +8669,8 @@
               </a:rPr>
               <a:t>We can use the API get private information and make commits to the repository</a:t>
             </a:r>
-            <a:endParaRPr b="0" lang="en-US" sz="2000" spc="-1" strike="noStrike">
-              <a:solidFill>
-                <a:srgbClr val="000000"/>
-              </a:solidFill>
-              <a:latin typeface="Rockwell"/>
+            <a:endParaRPr b="0" lang="en-IE" sz="2000" spc="-1" strike="noStrike">
+              <a:latin typeface="Arial"/>
             </a:endParaRPr>
           </a:p>
           <a:p>
@@ -9099,11 +8700,8 @@
               </a:rPr>
               <a:t>Setting =&gt; generation a API key </a:t>
             </a:r>
-            <a:endParaRPr b="0" lang="en-US" sz="1800" spc="-1" strike="noStrike">
-              <a:solidFill>
-                <a:srgbClr val="000000"/>
-              </a:solidFill>
-              <a:latin typeface="Rockwell"/>
+            <a:endParaRPr b="0" lang="en-IE" sz="1800" spc="-1" strike="noStrike">
+              <a:latin typeface="Arial"/>
             </a:endParaRPr>
           </a:p>
           <a:p>
@@ -9133,11 +8731,8 @@
               </a:rPr>
               <a:t>Use the key in requests</a:t>
             </a:r>
-            <a:endParaRPr b="0" lang="en-US" sz="1800" spc="-1" strike="noStrike">
-              <a:solidFill>
-                <a:srgbClr val="000000"/>
-              </a:solidFill>
-              <a:latin typeface="Rockwell"/>
+            <a:endParaRPr b="0" lang="en-IE" sz="1800" spc="-1" strike="noStrike">
+              <a:latin typeface="Arial"/>
             </a:endParaRPr>
           </a:p>
           <a:p>
@@ -9150,11 +8745,8 @@
               </a:spcBef>
               <a:buNone/>
             </a:pPr>
-            <a:endParaRPr b="0" lang="en-US" sz="1800" spc="-1" strike="noStrike">
-              <a:solidFill>
-                <a:srgbClr val="000000"/>
-              </a:solidFill>
-              <a:latin typeface="Rockwell"/>
+            <a:endParaRPr b="0" lang="en-IE" sz="1800" spc="-1" strike="noStrike">
+              <a:latin typeface="Arial"/>
             </a:endParaRPr>
           </a:p>
           <a:p>
@@ -9167,11 +8759,8 @@
               </a:spcBef>
               <a:buNone/>
             </a:pPr>
-            <a:endParaRPr b="0" lang="en-US" sz="1800" spc="-1" strike="noStrike">
-              <a:solidFill>
-                <a:srgbClr val="000000"/>
-              </a:solidFill>
-              <a:latin typeface="Rockwell"/>
+            <a:endParaRPr b="0" lang="en-IE" sz="1800" spc="-1" strike="noStrike">
+              <a:latin typeface="Arial"/>
             </a:endParaRPr>
           </a:p>
           <a:p>
@@ -9184,11 +8773,8 @@
               </a:spcBef>
               <a:buNone/>
             </a:pPr>
-            <a:endParaRPr b="0" lang="en-US" sz="1800" spc="-1" strike="noStrike">
-              <a:solidFill>
-                <a:srgbClr val="000000"/>
-              </a:solidFill>
-              <a:latin typeface="Rockwell"/>
+            <a:endParaRPr b="0" lang="en-IE" sz="1800" spc="-1" strike="noStrike">
+              <a:latin typeface="Arial"/>
             </a:endParaRPr>
           </a:p>
           <a:p>
@@ -9229,11 +8815,8 @@
               </a:rPr>
               <a:t>datarepresentationstudent</a:t>
             </a:r>
-            <a:endParaRPr b="0" lang="en-US" sz="1800" spc="-1" strike="noStrike">
-              <a:solidFill>
-                <a:srgbClr val="000000"/>
-              </a:solidFill>
-              <a:latin typeface="Rockwell"/>
+            <a:endParaRPr b="0" lang="en-IE" sz="1800" spc="-1" strike="noStrike">
+              <a:latin typeface="Arial"/>
             </a:endParaRPr>
           </a:p>
           <a:p>
@@ -9263,11 +8846,8 @@
               </a:rPr>
               <a:t>Key: b4ddb9e5603da11cd857b83bad6ea6eb1819b92d</a:t>
             </a:r>
-            <a:endParaRPr b="0" lang="en-US" sz="1800" spc="-1" strike="noStrike">
-              <a:solidFill>
-                <a:srgbClr val="000000"/>
-              </a:solidFill>
-              <a:latin typeface="Rockwell"/>
+            <a:endParaRPr b="0" lang="en-IE" sz="1800" spc="-1" strike="noStrike">
+              <a:latin typeface="Arial"/>
             </a:endParaRPr>
           </a:p>
           <a:p>
@@ -9297,11 +8877,8 @@
               </a:rPr>
               <a:t>More info</a:t>
             </a:r>
-            <a:endParaRPr b="0" lang="en-US" sz="1800" spc="-1" strike="noStrike">
-              <a:solidFill>
-                <a:srgbClr val="000000"/>
-              </a:solidFill>
-              <a:latin typeface="Rockwell"/>
+            <a:endParaRPr b="0" lang="en-IE" sz="1800" spc="-1" strike="noStrike">
+              <a:latin typeface="Arial"/>
             </a:endParaRPr>
           </a:p>
           <a:p>
@@ -9333,11 +8910,8 @@
               </a:rPr>
               <a:t>https://developer.github.com/v3/</a:t>
             </a:r>
-            <a:endParaRPr b="0" lang="en-US" sz="1800" spc="-1" strike="noStrike">
-              <a:solidFill>
-                <a:srgbClr val="000000"/>
-              </a:solidFill>
-              <a:latin typeface="Rockwell"/>
+            <a:endParaRPr b="0" lang="en-IE" sz="1800" spc="-1" strike="noStrike">
+              <a:latin typeface="Arial"/>
             </a:endParaRPr>
           </a:p>
           <a:p>
@@ -9369,11 +8943,8 @@
               </a:rPr>
               <a:t>https://developer.github.com/v3/guides/</a:t>
             </a:r>
-            <a:endParaRPr b="0" lang="en-US" sz="1800" spc="-1" strike="noStrike">
-              <a:solidFill>
-                <a:srgbClr val="000000"/>
-              </a:solidFill>
-              <a:latin typeface="Rockwell"/>
+            <a:endParaRPr b="0" lang="en-IE" sz="1800" spc="-1" strike="noStrike">
+              <a:latin typeface="Arial"/>
             </a:endParaRPr>
           </a:p>
           <a:p>
@@ -9386,11 +8957,8 @@
               </a:spcBef>
               <a:buNone/>
             </a:pPr>
-            <a:endParaRPr b="0" lang="en-US" sz="1800" spc="-1" strike="noStrike">
-              <a:solidFill>
-                <a:srgbClr val="000000"/>
-              </a:solidFill>
-              <a:latin typeface="Rockwell"/>
+            <a:endParaRPr b="0" lang="en-IE" sz="1800" spc="-1" strike="noStrike">
+              <a:latin typeface="Arial"/>
             </a:endParaRPr>
           </a:p>
         </p:txBody>
@@ -9404,7 +8972,7 @@
         <p:spPr>
           <a:xfrm>
             <a:off x="3034080" y="3726000"/>
-            <a:ext cx="5393880" cy="638280"/>
+            <a:ext cx="5393520" cy="638280"/>
           </a:xfrm>
           <a:prstGeom prst="rect">
             <a:avLst/>
@@ -9450,6 +9018,7 @@
                   <a:srgbClr val="ffffff"/>
                 </a:solidFill>
                 <a:latin typeface="Rockwell"/>
+                <a:ea typeface="DejaVu Sans"/>
               </a:rPr>
               <a:t>requests.get(url, auth=('token',apiKey))</a:t>
             </a:r>
@@ -9513,18 +9082,18 @@
         <p:spPr>
           <a:xfrm>
             <a:off x="1069920" y="484560"/>
-            <a:ext cx="10058040" cy="1608840"/>
-          </a:xfrm>
-          <a:prstGeom prst="rect">
-            <a:avLst/>
-          </a:prstGeom>
-          <a:noFill/>
-          <a:ln w="0">
-            <a:noFill/>
-          </a:ln>
-        </p:spPr>
-        <p:txBody>
-          <a:bodyPr anchor="ctr">
+            <a:ext cx="10057680" cy="1608480"/>
+          </a:xfrm>
+          <a:prstGeom prst="rect">
+            <a:avLst/>
+          </a:prstGeom>
+          <a:noFill/>
+          <a:ln w="0">
+            <a:noFill/>
+          </a:ln>
+        </p:spPr>
+        <p:txBody>
+          <a:bodyPr lIns="90000" rIns="90000" tIns="45000" bIns="45000" anchor="ctr">
             <a:noAutofit/>
           </a:bodyPr>
           <a:p>
@@ -9540,11 +9109,8 @@
               </a:rPr>
               <a:t>A bit more on OAuth</a:t>
             </a:r>
-            <a:endParaRPr b="0" lang="en-US" sz="5400" spc="-1" strike="noStrike">
-              <a:solidFill>
-                <a:srgbClr val="000000"/>
-              </a:solidFill>
-              <a:latin typeface="Rockwell"/>
+            <a:endParaRPr b="0" lang="en-IE" sz="5400" spc="-1" strike="noStrike">
+              <a:latin typeface="Arial"/>
             </a:endParaRPr>
           </a:p>
         </p:txBody>
@@ -9562,18 +9128,18 @@
         <p:spPr>
           <a:xfrm>
             <a:off x="1069920" y="2121480"/>
-            <a:ext cx="10058040" cy="4050360"/>
-          </a:xfrm>
-          <a:prstGeom prst="rect">
-            <a:avLst/>
-          </a:prstGeom>
-          <a:noFill/>
-          <a:ln w="0">
-            <a:noFill/>
-          </a:ln>
-        </p:spPr>
-        <p:txBody>
-          <a:bodyPr anchor="t">
+            <a:ext cx="10057680" cy="4050000"/>
+          </a:xfrm>
+          <a:prstGeom prst="rect">
+            <a:avLst/>
+          </a:prstGeom>
+          <a:noFill/>
+          <a:ln w="0">
+            <a:noFill/>
+          </a:ln>
+        </p:spPr>
+        <p:txBody>
+          <a:bodyPr lIns="90000" rIns="90000" tIns="45000" bIns="45000" anchor="t">
             <a:noAutofit/>
           </a:bodyPr>
           <a:p>
@@ -9600,11 +9166,8 @@
               </a:rPr>
               <a:t>OAuth1 and OAuth2</a:t>
             </a:r>
-            <a:endParaRPr b="0" lang="en-US" sz="2000" spc="-1" strike="noStrike">
-              <a:solidFill>
-                <a:srgbClr val="000000"/>
-              </a:solidFill>
-              <a:latin typeface="Rockwell"/>
+            <a:endParaRPr b="0" lang="en-IE" sz="2000" spc="-1" strike="noStrike">
+              <a:latin typeface="Arial"/>
             </a:endParaRPr>
           </a:p>
           <a:p>
@@ -9631,11 +9194,8 @@
               </a:rPr>
               <a:t>Lots of different use-cases</a:t>
             </a:r>
-            <a:endParaRPr b="0" lang="en-US" sz="2000" spc="-1" strike="noStrike">
-              <a:solidFill>
-                <a:srgbClr val="000000"/>
-              </a:solidFill>
-              <a:latin typeface="Rockwell"/>
+            <a:endParaRPr b="0" lang="en-IE" sz="2000" spc="-1" strike="noStrike">
+              <a:latin typeface="Arial"/>
             </a:endParaRPr>
           </a:p>
           <a:p>
@@ -9662,11 +9222,8 @@
               </a:rPr>
               <a:t>2 legged</a:t>
             </a:r>
-            <a:endParaRPr b="0" lang="en-US" sz="2000" spc="-1" strike="noStrike">
-              <a:solidFill>
-                <a:srgbClr val="000000"/>
-              </a:solidFill>
-              <a:latin typeface="Rockwell"/>
+            <a:endParaRPr b="0" lang="en-IE" sz="2000" spc="-1" strike="noStrike">
+              <a:latin typeface="Arial"/>
             </a:endParaRPr>
           </a:p>
           <a:p>
@@ -9696,11 +9253,8 @@
               </a:rPr>
               <a:t>Resource owner of a techy and can get the key from the authorisation server</a:t>
             </a:r>
-            <a:endParaRPr b="0" lang="en-US" sz="1800" spc="-1" strike="noStrike">
-              <a:solidFill>
-                <a:srgbClr val="000000"/>
-              </a:solidFill>
-              <a:latin typeface="Rockwell"/>
+            <a:endParaRPr b="0" lang="en-IE" sz="1800" spc="-1" strike="noStrike">
+              <a:latin typeface="Arial"/>
             </a:endParaRPr>
           </a:p>
           <a:p>
@@ -9727,11 +9281,8 @@
               </a:rPr>
               <a:t>3 legged </a:t>
             </a:r>
-            <a:endParaRPr b="0" lang="en-US" sz="2000" spc="-1" strike="noStrike">
-              <a:solidFill>
-                <a:srgbClr val="000000"/>
-              </a:solidFill>
-              <a:latin typeface="Rockwell"/>
+            <a:endParaRPr b="0" lang="en-IE" sz="2000" spc="-1" strike="noStrike">
+              <a:latin typeface="Arial"/>
             </a:endParaRPr>
           </a:p>
           <a:p>
@@ -9761,11 +9312,8 @@
               </a:rPr>
               <a:t>Resource owner is not a techy, so we need to write the code to get the key from the authorisation server.</a:t>
             </a:r>
-            <a:endParaRPr b="0" lang="en-US" sz="1800" spc="-1" strike="noStrike">
-              <a:solidFill>
-                <a:srgbClr val="000000"/>
-              </a:solidFill>
-              <a:latin typeface="Rockwell"/>
+            <a:endParaRPr b="0" lang="en-IE" sz="1800" spc="-1" strike="noStrike">
+              <a:latin typeface="Arial"/>
             </a:endParaRPr>
           </a:p>
           <a:p>
@@ -9795,11 +9343,8 @@
               </a:rPr>
               <a:t>This is beyond the scope of this course….. But worth a quick explanation</a:t>
             </a:r>
-            <a:endParaRPr b="0" lang="en-US" sz="1800" spc="-1" strike="noStrike">
-              <a:solidFill>
-                <a:srgbClr val="000000"/>
-              </a:solidFill>
-              <a:latin typeface="Rockwell"/>
+            <a:endParaRPr b="0" lang="en-IE" sz="1800" spc="-1" strike="noStrike">
+              <a:latin typeface="Arial"/>
             </a:endParaRPr>
           </a:p>
           <a:p>
@@ -9830,11 +9375,8 @@
               </a:rPr>
               <a:t>https://auth0.com/docs/api-auth/which-oauth-flow-to-use</a:t>
             </a:r>
-            <a:endParaRPr b="0" lang="en-US" sz="1800" spc="-1" strike="noStrike">
-              <a:solidFill>
-                <a:srgbClr val="000000"/>
-              </a:solidFill>
-              <a:latin typeface="Rockwell"/>
+            <a:endParaRPr b="0" lang="en-IE" sz="1800" spc="-1" strike="noStrike">
+              <a:latin typeface="Arial"/>
             </a:endParaRPr>
           </a:p>
           <a:p>
@@ -9847,11 +9389,8 @@
               </a:spcBef>
               <a:buNone/>
             </a:pPr>
-            <a:endParaRPr b="0" lang="en-US" sz="1800" spc="-1" strike="noStrike">
-              <a:solidFill>
-                <a:srgbClr val="000000"/>
-              </a:solidFill>
-              <a:latin typeface="Rockwell"/>
+            <a:endParaRPr b="0" lang="en-IE" sz="1800" spc="-1" strike="noStrike">
+              <a:latin typeface="Arial"/>
             </a:endParaRPr>
           </a:p>
         </p:txBody>
@@ -9899,7 +9438,7 @@
         <p:spPr>
           <a:xfrm>
             <a:off x="547200" y="0"/>
-            <a:ext cx="11269800" cy="6934680"/>
+            <a:ext cx="11269440" cy="6934320"/>
           </a:xfrm>
           <a:prstGeom prst="rect">
             <a:avLst/>
@@ -9952,7 +9491,7 @@
         <p:spPr>
           <a:xfrm>
             <a:off x="1333440" y="0"/>
-            <a:ext cx="9515880" cy="6857640"/>
+            <a:ext cx="9515520" cy="6857280"/>
           </a:xfrm>
           <a:prstGeom prst="rect">
             <a:avLst/>
@@ -10005,18 +9544,18 @@
         <p:spPr>
           <a:xfrm>
             <a:off x="1069920" y="484560"/>
-            <a:ext cx="10058040" cy="1608840"/>
-          </a:xfrm>
-          <a:prstGeom prst="rect">
-            <a:avLst/>
-          </a:prstGeom>
-          <a:noFill/>
-          <a:ln w="0">
-            <a:noFill/>
-          </a:ln>
-        </p:spPr>
-        <p:txBody>
-          <a:bodyPr anchor="ctr">
+            <a:ext cx="10057680" cy="1608480"/>
+          </a:xfrm>
+          <a:prstGeom prst="rect">
+            <a:avLst/>
+          </a:prstGeom>
+          <a:noFill/>
+          <a:ln w="0">
+            <a:noFill/>
+          </a:ln>
+        </p:spPr>
+        <p:txBody>
+          <a:bodyPr lIns="90000" rIns="90000" tIns="45000" bIns="45000" anchor="ctr">
             <a:noAutofit/>
           </a:bodyPr>
           <a:p>
@@ -10032,11 +9571,8 @@
               </a:rPr>
               <a:t>Conclusion</a:t>
             </a:r>
-            <a:endParaRPr b="0" lang="en-US" sz="5400" spc="-1" strike="noStrike">
-              <a:solidFill>
-                <a:srgbClr val="000000"/>
-              </a:solidFill>
-              <a:latin typeface="Rockwell"/>
+            <a:endParaRPr b="0" lang="en-IE" sz="5400" spc="-1" strike="noStrike">
+              <a:latin typeface="Arial"/>
             </a:endParaRPr>
           </a:p>
         </p:txBody>
@@ -10054,18 +9590,18 @@
         <p:spPr>
           <a:xfrm>
             <a:off x="1069920" y="2121480"/>
-            <a:ext cx="10058040" cy="4050360"/>
-          </a:xfrm>
-          <a:prstGeom prst="rect">
-            <a:avLst/>
-          </a:prstGeom>
-          <a:noFill/>
-          <a:ln w="0">
-            <a:noFill/>
-          </a:ln>
-        </p:spPr>
-        <p:txBody>
-          <a:bodyPr anchor="t">
+            <a:ext cx="10057680" cy="4050000"/>
+          </a:xfrm>
+          <a:prstGeom prst="rect">
+            <a:avLst/>
+          </a:prstGeom>
+          <a:noFill/>
+          <a:ln w="0">
+            <a:noFill/>
+          </a:ln>
+        </p:spPr>
+        <p:txBody>
+          <a:bodyPr lIns="90000" rIns="90000" tIns="45000" bIns="45000" anchor="t">
             <a:noAutofit/>
           </a:bodyPr>
           <a:p>
@@ -10092,11 +9628,8 @@
               </a:rPr>
               <a:t>You may need keys to access a resource</a:t>
             </a:r>
-            <a:endParaRPr b="0" lang="en-US" sz="2000" spc="-1" strike="noStrike">
-              <a:solidFill>
-                <a:srgbClr val="000000"/>
-              </a:solidFill>
-              <a:latin typeface="Rockwell"/>
+            <a:endParaRPr b="0" lang="en-IE" sz="2000" spc="-1" strike="noStrike">
+              <a:latin typeface="Arial"/>
             </a:endParaRPr>
           </a:p>
           <a:p>
@@ -10126,11 +9659,8 @@
               </a:rPr>
               <a:t>Log on the resource server</a:t>
             </a:r>
-            <a:endParaRPr b="0" lang="en-US" sz="1800" spc="-1" strike="noStrike">
-              <a:solidFill>
-                <a:srgbClr val="000000"/>
-              </a:solidFill>
-              <a:latin typeface="Rockwell"/>
+            <a:endParaRPr b="0" lang="en-IE" sz="1800" spc="-1" strike="noStrike">
+              <a:latin typeface="Arial"/>
             </a:endParaRPr>
           </a:p>
           <a:p>
@@ -10160,11 +9690,8 @@
               </a:rPr>
               <a:t>Get the key</a:t>
             </a:r>
-            <a:endParaRPr b="0" lang="en-US" sz="1800" spc="-1" strike="noStrike">
-              <a:solidFill>
-                <a:srgbClr val="000000"/>
-              </a:solidFill>
-              <a:latin typeface="Rockwell"/>
+            <a:endParaRPr b="0" lang="en-IE" sz="1800" spc="-1" strike="noStrike">
+              <a:latin typeface="Arial"/>
             </a:endParaRPr>
           </a:p>
           <a:p>
@@ -10194,11 +9721,8 @@
               </a:rPr>
               <a:t>Include it in the requests </a:t>
             </a:r>
-            <a:endParaRPr b="0" lang="en-US" sz="1800" spc="-1" strike="noStrike">
-              <a:solidFill>
-                <a:srgbClr val="000000"/>
-              </a:solidFill>
-              <a:latin typeface="Rockwell"/>
+            <a:endParaRPr b="0" lang="en-IE" sz="1800" spc="-1" strike="noStrike">
+              <a:latin typeface="Arial"/>
             </a:endParaRPr>
           </a:p>
         </p:txBody>

--- a/labs/WSAA5.1 Authenticationed.pptx
+++ b/labs/WSAA5.1 Authenticationed.pptx
@@ -300,7 +300,7 @@
             <a:pPr algn="r">
               <a:buNone/>
             </a:pPr>
-            <a:fld id="{F4511D7E-9823-4A3C-B7D3-41A11A99ECE7}" type="slidenum">
+            <a:fld id="{B8200E11-44A9-484A-A697-404B3978F3CA}" type="slidenum">
               <a:rPr b="0" lang="en-IE" sz="1400" spc="-1" strike="noStrike">
                 <a:latin typeface="Times New Roman"/>
               </a:rPr>
@@ -348,7 +348,7 @@
         <p:spPr>
           <a:xfrm>
             <a:off x="216000" y="812520"/>
-            <a:ext cx="7126920" cy="4008600"/>
+            <a:ext cx="7126560" cy="4008240"/>
           </a:xfrm>
           <a:prstGeom prst="rect">
             <a:avLst/>
@@ -371,7 +371,7 @@
         <p:spPr>
           <a:xfrm>
             <a:off x="756000" y="5078520"/>
-            <a:ext cx="6047280" cy="4810680"/>
+            <a:ext cx="6046920" cy="4810320"/>
           </a:xfrm>
           <a:prstGeom prst="rect">
             <a:avLst/>
@@ -391,13 +391,128 @@
                 <a:spcPct val="100000"/>
               </a:lnSpc>
               <a:buNone/>
+              <a:tabLst>
+                <a:tab algn="l" pos="0"/>
+              </a:tabLst>
             </a:pPr>
             <a:r>
               <a:rPr b="0" lang="en-IE" sz="2000" spc="-1" strike="noStrike">
                 <a:latin typeface="Arial"/>
               </a:rPr>
-              <a:t>But not all APIs will want you to get data or interact with the data without you authenticating yourself.</a:t>
-            </a:r>
+              <a:t>But not all APIs will want you to get data or interact with the </a:t>
+            </a:r>
+            <a:r>
+              <a:rPr b="0" lang="en-IE" sz="2000" spc="-1" strike="noStrike">
+                <a:latin typeface="Arial"/>
+              </a:rPr>
+              <a:t>data without you authenticating yourself.</a:t>
+            </a:r>
+            <a:endParaRPr b="0" lang="en-IE" sz="2000" spc="-1" strike="noStrike">
+              <a:latin typeface="Arial"/>
+            </a:endParaRPr>
+          </a:p>
+          <a:p>
+            <a:pPr marL="216000" indent="-216000">
+              <a:lnSpc>
+                <a:spcPct val="100000"/>
+              </a:lnSpc>
+              <a:buNone/>
+              <a:tabLst>
+                <a:tab algn="l" pos="0"/>
+              </a:tabLst>
+            </a:pPr>
+            <a:endParaRPr b="0" lang="en-IE" sz="2000" spc="-1" strike="noStrike">
+              <a:latin typeface="Arial"/>
+            </a:endParaRPr>
+          </a:p>
+          <a:p>
+            <a:pPr marL="216000" indent="-216000">
+              <a:lnSpc>
+                <a:spcPct val="100000"/>
+              </a:lnSpc>
+              <a:buNone/>
+              <a:tabLst>
+                <a:tab algn="l" pos="0"/>
+              </a:tabLst>
+            </a:pPr>
+            <a:r>
+              <a:rPr b="0" lang="en-IE" sz="2000" spc="-1" strike="noStrike">
+                <a:latin typeface="Arial"/>
+              </a:rPr>
+              <a:t>  </a:t>
+            </a:r>
+            <a:r>
+              <a:rPr b="0" lang="en-IE" sz="2000" spc="-1" strike="noStrike">
+                <a:latin typeface="Arial"/>
+              </a:rPr>
+              <a:t>Using API keys to inteteract with APIs that require </a:t>
+            </a:r>
+            <a:r>
+              <a:rPr b="0" lang="en-IE" sz="2000" spc="-1" strike="noStrike">
+                <a:latin typeface="Arial"/>
+              </a:rPr>
+              <a:t>authentication  and OAuth exists</a:t>
+            </a:r>
+            <a:endParaRPr b="0" lang="en-IE" sz="2000" spc="-1" strike="noStrike">
+              <a:latin typeface="Arial"/>
+            </a:endParaRPr>
+          </a:p>
+          <a:p>
+            <a:pPr marL="216000" indent="-216000">
+              <a:lnSpc>
+                <a:spcPct val="100000"/>
+              </a:lnSpc>
+              <a:buNone/>
+              <a:tabLst>
+                <a:tab algn="l" pos="0"/>
+              </a:tabLst>
+            </a:pPr>
+            <a:r>
+              <a:rPr b="0" lang="en-IE" sz="2000" spc="-1" strike="noStrike">
+                <a:latin typeface="Arial"/>
+              </a:rPr>
+              <a:t>    </a:t>
+            </a:r>
+            <a:r>
+              <a:rPr b="0" lang="en-IE" sz="2000" spc="-1" strike="noStrike">
+                <a:latin typeface="Arial"/>
+              </a:rPr>
+              <a:t>There are python packages that exist for a lot of the </a:t>
+            </a:r>
+            <a:r>
+              <a:rPr b="0" lang="en-IE" sz="2000" spc="-1" strike="noStrike">
+                <a:latin typeface="Arial"/>
+              </a:rPr>
+              <a:t>common APIs</a:t>
+            </a:r>
+            <a:endParaRPr b="0" lang="en-IE" sz="2000" spc="-1" strike="noStrike">
+              <a:latin typeface="Arial"/>
+            </a:endParaRPr>
+          </a:p>
+          <a:p>
+            <a:pPr marL="216000" indent="-216000">
+              <a:lnSpc>
+                <a:spcPct val="100000"/>
+              </a:lnSpc>
+              <a:buNone/>
+              <a:tabLst>
+                <a:tab algn="l" pos="0"/>
+              </a:tabLst>
+            </a:pPr>
+            <a:endParaRPr b="0" lang="en-IE" sz="2000" spc="-1" strike="noStrike">
+              <a:latin typeface="Arial"/>
+            </a:endParaRPr>
+          </a:p>
+          <a:p>
+            <a:pPr marL="216000" indent="-216000">
+              <a:lnSpc>
+                <a:spcPct val="100000"/>
+              </a:lnSpc>
+              <a:buNone/>
+              <a:tabLst>
+                <a:tab algn="l" pos="0"/>
+              </a:tabLst>
+            </a:pPr>
             <a:endParaRPr b="0" lang="en-IE" sz="2000" spc="-1" strike="noStrike">
               <a:latin typeface="Arial"/>
             </a:endParaRPr>
@@ -439,7 +554,7 @@
         <p:spPr>
           <a:xfrm>
             <a:off x="216000" y="812520"/>
-            <a:ext cx="7126920" cy="4008600"/>
+            <a:ext cx="7126560" cy="4008240"/>
           </a:xfrm>
           <a:prstGeom prst="rect">
             <a:avLst/>
@@ -462,7 +577,7 @@
         <p:spPr>
           <a:xfrm>
             <a:off x="0" y="5078520"/>
-            <a:ext cx="7469640" cy="4816440"/>
+            <a:ext cx="7469280" cy="4816080"/>
           </a:xfrm>
           <a:prstGeom prst="rect">
             <a:avLst/>
@@ -482,6 +597,9 @@
                 <a:spcPct val="100000"/>
               </a:lnSpc>
               <a:buNone/>
+              <a:tabLst>
+                <a:tab algn="l" pos="0"/>
+              </a:tabLst>
             </a:pPr>
             <a:r>
               <a:rPr b="0" lang="en-IE" sz="1300" spc="-1" strike="noStrike">
@@ -499,6 +617,9 @@
                 <a:spcPct val="100000"/>
               </a:lnSpc>
               <a:buNone/>
+              <a:tabLst>
+                <a:tab algn="l" pos="0"/>
+              </a:tabLst>
             </a:pPr>
             <a:endParaRPr b="0" lang="en-IE" sz="2000" spc="-1" strike="noStrike">
               <a:latin typeface="Arial"/>
@@ -510,6 +631,9 @@
                 <a:spcPct val="100000"/>
               </a:lnSpc>
               <a:buNone/>
+              <a:tabLst>
+                <a:tab algn="l" pos="0"/>
+              </a:tabLst>
             </a:pPr>
             <a:r>
               <a:rPr b="0" lang="en-IE" sz="1300" spc="-1" strike="noStrike">
@@ -527,6 +651,9 @@
                 <a:spcPct val="100000"/>
               </a:lnSpc>
               <a:buNone/>
+              <a:tabLst>
+                <a:tab algn="l" pos="0"/>
+              </a:tabLst>
             </a:pPr>
             <a:endParaRPr b="0" lang="en-IE" sz="1300" spc="-1" strike="noStrike">
               <a:latin typeface="Arial"/>
@@ -538,6 +665,9 @@
                 <a:spcPct val="100000"/>
               </a:lnSpc>
               <a:buNone/>
+              <a:tabLst>
+                <a:tab algn="l" pos="0"/>
+              </a:tabLst>
             </a:pPr>
             <a:r>
               <a:rPr b="0" lang="en-IE" sz="1300" spc="-1" strike="noStrike">
@@ -555,6 +685,9 @@
                 <a:spcPct val="100000"/>
               </a:lnSpc>
               <a:buNone/>
+              <a:tabLst>
+                <a:tab algn="l" pos="0"/>
+              </a:tabLst>
             </a:pPr>
             <a:r>
               <a:rPr b="0" lang="en-IE" sz="1300" spc="-1" strike="noStrike">
@@ -572,6 +705,9 @@
                 <a:spcPct val="100000"/>
               </a:lnSpc>
               <a:buNone/>
+              <a:tabLst>
+                <a:tab algn="l" pos="0"/>
+              </a:tabLst>
             </a:pPr>
             <a:endParaRPr b="0" lang="en-IE" sz="1300" spc="-1" strike="noStrike">
               <a:latin typeface="Arial"/>
@@ -583,6 +719,9 @@
                 <a:spcPct val="100000"/>
               </a:lnSpc>
               <a:buNone/>
+              <a:tabLst>
+                <a:tab algn="l" pos="0"/>
+              </a:tabLst>
             </a:pPr>
             <a:r>
               <a:rPr b="0" lang="en-IE" sz="1300" spc="-1" strike="noStrike">
@@ -600,6 +739,9 @@
                 <a:spcPct val="100000"/>
               </a:lnSpc>
               <a:buNone/>
+              <a:tabLst>
+                <a:tab algn="l" pos="0"/>
+              </a:tabLst>
             </a:pPr>
             <a:endParaRPr b="0" lang="en-IE" sz="1300" spc="-1" strike="noStrike">
               <a:latin typeface="Arial"/>
@@ -611,6 +753,9 @@
                 <a:spcPct val="100000"/>
               </a:lnSpc>
               <a:buNone/>
+              <a:tabLst>
+                <a:tab algn="l" pos="0"/>
+              </a:tabLst>
             </a:pPr>
             <a:r>
               <a:rPr b="0" lang="en-IE" sz="1300" spc="-1" strike="noStrike">
@@ -628,6 +773,9 @@
                 <a:spcPct val="100000"/>
               </a:lnSpc>
               <a:buNone/>
+              <a:tabLst>
+                <a:tab algn="l" pos="0"/>
+              </a:tabLst>
             </a:pPr>
             <a:endParaRPr b="0" lang="en-IE" sz="1300" spc="-1" strike="noStrike">
               <a:latin typeface="Arial"/>
@@ -639,6 +787,9 @@
                 <a:spcPct val="100000"/>
               </a:lnSpc>
               <a:buNone/>
+              <a:tabLst>
+                <a:tab algn="l" pos="0"/>
+              </a:tabLst>
             </a:pPr>
             <a:r>
               <a:rPr b="0" lang="en-IE" sz="1300" spc="-1" strike="noStrike">
@@ -687,7 +838,7 @@
         <p:spPr>
           <a:xfrm>
             <a:off x="216000" y="812520"/>
-            <a:ext cx="7126920" cy="4008600"/>
+            <a:ext cx="7126560" cy="4008240"/>
           </a:xfrm>
           <a:prstGeom prst="rect">
             <a:avLst/>
@@ -710,7 +861,7 @@
         <p:spPr>
           <a:xfrm>
             <a:off x="135000" y="4905000"/>
-            <a:ext cx="7334640" cy="5786640"/>
+            <a:ext cx="7334280" cy="5786280"/>
           </a:xfrm>
           <a:prstGeom prst="rect">
             <a:avLst/>
@@ -730,6 +881,9 @@
                 <a:spcPct val="100000"/>
               </a:lnSpc>
               <a:buNone/>
+              <a:tabLst>
+                <a:tab algn="l" pos="0"/>
+              </a:tabLst>
             </a:pPr>
             <a:r>
               <a:rPr b="0" lang="en-IE" sz="1300" spc="-1" strike="noStrike">
@@ -747,6 +901,9 @@
                 <a:spcPct val="100000"/>
               </a:lnSpc>
               <a:buNone/>
+              <a:tabLst>
+                <a:tab algn="l" pos="0"/>
+              </a:tabLst>
             </a:pPr>
             <a:r>
               <a:rPr b="0" lang="en-IE" sz="1300" spc="-1" strike="noStrike">
@@ -764,6 +921,9 @@
                 <a:spcPct val="100000"/>
               </a:lnSpc>
               <a:buNone/>
+              <a:tabLst>
+                <a:tab algn="l" pos="0"/>
+              </a:tabLst>
             </a:pPr>
             <a:r>
               <a:rPr b="0" lang="en-IE" sz="1300" spc="-1" strike="noStrike">
@@ -781,6 +941,9 @@
                 <a:spcPct val="100000"/>
               </a:lnSpc>
               <a:buNone/>
+              <a:tabLst>
+                <a:tab algn="l" pos="0"/>
+              </a:tabLst>
             </a:pPr>
             <a:r>
               <a:rPr b="0" lang="en-IE" sz="1300" spc="-1" strike="noStrike">
@@ -798,6 +961,9 @@
                 <a:spcPct val="100000"/>
               </a:lnSpc>
               <a:buNone/>
+              <a:tabLst>
+                <a:tab algn="l" pos="0"/>
+              </a:tabLst>
             </a:pPr>
             <a:r>
               <a:rPr b="0" lang="en-IE" sz="1300" spc="-1" strike="noStrike">
@@ -815,6 +981,9 @@
                 <a:spcPct val="100000"/>
               </a:lnSpc>
               <a:buNone/>
+              <a:tabLst>
+                <a:tab algn="l" pos="0"/>
+              </a:tabLst>
             </a:pPr>
             <a:r>
               <a:rPr b="0" lang="en-IE" sz="1300" spc="-1" strike="noStrike">
@@ -832,6 +1001,9 @@
                 <a:spcPct val="100000"/>
               </a:lnSpc>
               <a:buNone/>
+              <a:tabLst>
+                <a:tab algn="l" pos="0"/>
+              </a:tabLst>
             </a:pPr>
             <a:r>
               <a:rPr b="0" lang="en-IE" sz="1300" spc="-1" strike="noStrike">
@@ -900,7 +1072,7 @@
         <p:spPr>
           <a:xfrm>
             <a:off x="216000" y="812520"/>
-            <a:ext cx="7126920" cy="4008600"/>
+            <a:ext cx="7126560" cy="4008240"/>
           </a:xfrm>
           <a:prstGeom prst="rect">
             <a:avLst/>
@@ -923,7 +1095,7 @@
         <p:spPr>
           <a:xfrm>
             <a:off x="90000" y="4787280"/>
-            <a:ext cx="7334640" cy="5832360"/>
+            <a:ext cx="7334280" cy="5832000"/>
           </a:xfrm>
           <a:prstGeom prst="rect">
             <a:avLst/>
@@ -943,6 +1115,9 @@
                 <a:spcPct val="100000"/>
               </a:lnSpc>
               <a:buNone/>
+              <a:tabLst>
+                <a:tab algn="l" pos="0"/>
+              </a:tabLst>
             </a:pPr>
             <a:r>
               <a:rPr b="0" lang="en-IE" sz="1300" spc="-1" strike="noStrike" u="sng">
@@ -988,6 +1163,9 @@
                 <a:spcPct val="100000"/>
               </a:lnSpc>
               <a:buNone/>
+              <a:tabLst>
+                <a:tab algn="l" pos="0"/>
+              </a:tabLst>
             </a:pPr>
             <a:r>
               <a:rPr b="0" lang="en-IE" sz="1300" spc="-1" strike="noStrike">
@@ -1005,6 +1183,9 @@
                 <a:spcPct val="100000"/>
               </a:lnSpc>
               <a:buNone/>
+              <a:tabLst>
+                <a:tab algn="l" pos="0"/>
+              </a:tabLst>
             </a:pPr>
             <a:endParaRPr b="0" lang="en-IE" sz="1500" spc="-1" strike="noStrike">
               <a:latin typeface="Arial"/>
@@ -1016,6 +1197,9 @@
                 <a:spcPct val="100000"/>
               </a:lnSpc>
               <a:buNone/>
+              <a:tabLst>
+                <a:tab algn="l" pos="0"/>
+              </a:tabLst>
             </a:pPr>
             <a:r>
               <a:rPr b="0" lang="en-IE" sz="1300" spc="-1" strike="noStrike">
@@ -1033,6 +1217,9 @@
                 <a:spcPct val="100000"/>
               </a:lnSpc>
               <a:buNone/>
+              <a:tabLst>
+                <a:tab algn="l" pos="0"/>
+              </a:tabLst>
             </a:pPr>
             <a:endParaRPr b="0" lang="en-IE" sz="1500" spc="-1" strike="noStrike">
               <a:latin typeface="Arial"/>
@@ -1044,6 +1231,9 @@
                 <a:spcPct val="100000"/>
               </a:lnSpc>
               <a:buNone/>
+              <a:tabLst>
+                <a:tab algn="l" pos="0"/>
+              </a:tabLst>
             </a:pPr>
             <a:r>
               <a:rPr b="0" lang="en-IE" sz="1300" spc="-1" strike="noStrike">
@@ -1061,6 +1251,9 @@
                 <a:spcPct val="100000"/>
               </a:lnSpc>
               <a:buNone/>
+              <a:tabLst>
+                <a:tab algn="l" pos="0"/>
+              </a:tabLst>
             </a:pPr>
             <a:endParaRPr b="0" lang="en-IE" sz="1500" spc="-1" strike="noStrike">
               <a:latin typeface="Arial"/>
@@ -1072,6 +1265,9 @@
                 <a:spcPct val="100000"/>
               </a:lnSpc>
               <a:buNone/>
+              <a:tabLst>
+                <a:tab algn="l" pos="0"/>
+              </a:tabLst>
             </a:pPr>
             <a:r>
               <a:rPr b="0" lang="en-IE" sz="1300" spc="-1" strike="noStrike">
@@ -1089,6 +1285,9 @@
                 <a:spcPct val="100000"/>
               </a:lnSpc>
               <a:buNone/>
+              <a:tabLst>
+                <a:tab algn="l" pos="0"/>
+              </a:tabLst>
             </a:pPr>
             <a:r>
               <a:rPr b="0" lang="en-IE" sz="1300" spc="-1" strike="noStrike">
@@ -1107,6 +1306,9 @@
                 <a:spcPct val="100000"/>
               </a:lnSpc>
               <a:buNone/>
+              <a:tabLst>
+                <a:tab algn="l" pos="0"/>
+              </a:tabLst>
             </a:pPr>
             <a:endParaRPr b="0" lang="en-IE" sz="1500" spc="-1" strike="noStrike">
               <a:latin typeface="Arial"/>
@@ -1118,6 +1320,9 @@
                 <a:spcPct val="100000"/>
               </a:lnSpc>
               <a:buNone/>
+              <a:tabLst>
+                <a:tab algn="l" pos="0"/>
+              </a:tabLst>
             </a:pPr>
             <a:r>
               <a:rPr b="0" lang="en-IE" sz="1300" spc="-1" strike="noStrike">
@@ -1136,6 +1341,9 @@
                 <a:spcPct val="100000"/>
               </a:lnSpc>
               <a:buNone/>
+              <a:tabLst>
+                <a:tab algn="l" pos="0"/>
+              </a:tabLst>
             </a:pPr>
             <a:endParaRPr b="0" lang="en-IE" sz="1500" spc="-1" strike="noStrike">
               <a:latin typeface="Arial"/>
@@ -1147,6 +1355,9 @@
                 <a:spcPct val="100000"/>
               </a:lnSpc>
               <a:buNone/>
+              <a:tabLst>
+                <a:tab algn="l" pos="0"/>
+              </a:tabLst>
             </a:pPr>
             <a:r>
               <a:rPr b="0" lang="en-IE" sz="1300" spc="-1" strike="noStrike">
@@ -1165,6 +1376,9 @@
                 <a:spcPct val="100000"/>
               </a:lnSpc>
               <a:buNone/>
+              <a:tabLst>
+                <a:tab algn="l" pos="0"/>
+              </a:tabLst>
             </a:pPr>
             <a:r>
               <a:rPr b="0" lang="en-IE" sz="1300" spc="-1" strike="noStrike">
@@ -1183,6 +1397,9 @@
                 <a:spcPct val="100000"/>
               </a:lnSpc>
               <a:buNone/>
+              <a:tabLst>
+                <a:tab algn="l" pos="0"/>
+              </a:tabLst>
             </a:pPr>
             <a:r>
               <a:rPr b="0" lang="en-IE" sz="1300" spc="-1" strike="noStrike">
@@ -1201,6 +1418,9 @@
                 <a:spcPct val="100000"/>
               </a:lnSpc>
               <a:buNone/>
+              <a:tabLst>
+                <a:tab algn="l" pos="0"/>
+              </a:tabLst>
             </a:pPr>
             <a:r>
               <a:rPr b="0" lang="en-IE" sz="1300" spc="-1" strike="noStrike">
@@ -1250,7 +1470,7 @@
         <p:spPr>
           <a:xfrm>
             <a:off x="216000" y="812520"/>
-            <a:ext cx="7126920" cy="4008600"/>
+            <a:ext cx="7126560" cy="4008240"/>
           </a:xfrm>
           <a:prstGeom prst="rect">
             <a:avLst/>
@@ -1273,7 +1493,7 @@
         <p:spPr>
           <a:xfrm>
             <a:off x="180000" y="5078520"/>
-            <a:ext cx="7244640" cy="10766160"/>
+            <a:ext cx="7244280" cy="10765800"/>
           </a:xfrm>
           <a:prstGeom prst="rect">
             <a:avLst/>
@@ -1293,6 +1513,9 @@
                 <a:spcPct val="100000"/>
               </a:lnSpc>
               <a:buNone/>
+              <a:tabLst>
+                <a:tab algn="l" pos="0"/>
+              </a:tabLst>
             </a:pPr>
             <a:r>
               <a:rPr b="0" lang="en-IE" sz="1800" spc="-1" strike="noStrike">
@@ -1310,6 +1533,9 @@
                 <a:spcPct val="100000"/>
               </a:lnSpc>
               <a:buNone/>
+              <a:tabLst>
+                <a:tab algn="l" pos="0"/>
+              </a:tabLst>
             </a:pPr>
             <a:r>
               <a:rPr b="0" lang="en-IE" sz="1800" spc="-1" strike="noStrike">
@@ -1327,6 +1553,9 @@
                 <a:spcPct val="100000"/>
               </a:lnSpc>
               <a:buNone/>
+              <a:tabLst>
+                <a:tab algn="l" pos="0"/>
+              </a:tabLst>
             </a:pPr>
             <a:r>
               <a:rPr b="0" lang="en-IE" sz="1800" spc="-1" strike="noStrike">
@@ -1344,6 +1573,9 @@
                 <a:spcPct val="100000"/>
               </a:lnSpc>
               <a:buNone/>
+              <a:tabLst>
+                <a:tab algn="l" pos="0"/>
+              </a:tabLst>
             </a:pPr>
             <a:r>
               <a:rPr b="0" lang="en-IE" sz="1800" spc="-1" strike="noStrike">
@@ -1361,6 +1593,9 @@
                 <a:spcPct val="100000"/>
               </a:lnSpc>
               <a:buNone/>
+              <a:tabLst>
+                <a:tab algn="l" pos="0"/>
+              </a:tabLst>
             </a:pPr>
             <a:endParaRPr b="0" lang="en-IE" sz="1800" spc="-1" strike="noStrike">
               <a:latin typeface="Arial"/>
@@ -1372,6 +1607,9 @@
                 <a:spcPct val="100000"/>
               </a:lnSpc>
               <a:buNone/>
+              <a:tabLst>
+                <a:tab algn="l" pos="0"/>
+              </a:tabLst>
             </a:pPr>
             <a:r>
               <a:rPr b="0" lang="en-IE" sz="1800" spc="-1" strike="noStrike">
@@ -1389,6 +1627,9 @@
                 <a:spcPct val="100000"/>
               </a:lnSpc>
               <a:buNone/>
+              <a:tabLst>
+                <a:tab algn="l" pos="0"/>
+              </a:tabLst>
             </a:pPr>
             <a:endParaRPr b="0" lang="en-IE" sz="2000" spc="-1" strike="noStrike">
               <a:latin typeface="Arial"/>
@@ -1431,7 +1672,7 @@
         <p:spPr>
           <a:xfrm>
             <a:off x="216000" y="812520"/>
-            <a:ext cx="7126920" cy="4008600"/>
+            <a:ext cx="7126560" cy="4008240"/>
           </a:xfrm>
           <a:prstGeom prst="rect">
             <a:avLst/>
@@ -1454,7 +1695,7 @@
         <p:spPr>
           <a:xfrm>
             <a:off x="90000" y="5078520"/>
-            <a:ext cx="7334640" cy="5496120"/>
+            <a:ext cx="7334280" cy="5495760"/>
           </a:xfrm>
           <a:prstGeom prst="rect">
             <a:avLst/>
@@ -1474,6 +1715,9 @@
                 <a:spcPct val="100000"/>
               </a:lnSpc>
               <a:buNone/>
+              <a:tabLst>
+                <a:tab algn="l" pos="0"/>
+              </a:tabLst>
             </a:pPr>
             <a:r>
               <a:rPr b="0" lang="en-IE" sz="2000" spc="-1" strike="noStrike">
@@ -1491,6 +1735,9 @@
                 <a:spcPct val="100000"/>
               </a:lnSpc>
               <a:buNone/>
+              <a:tabLst>
+                <a:tab algn="l" pos="0"/>
+              </a:tabLst>
             </a:pPr>
             <a:endParaRPr b="0" lang="en-IE" sz="2000" spc="-1" strike="noStrike">
               <a:latin typeface="Arial"/>
@@ -1502,6 +1749,9 @@
                 <a:spcPct val="100000"/>
               </a:lnSpc>
               <a:buNone/>
+              <a:tabLst>
+                <a:tab algn="l" pos="0"/>
+              </a:tabLst>
             </a:pPr>
             <a:r>
               <a:rPr b="0" lang="en-IE" sz="2000" spc="-1" strike="noStrike">
@@ -1550,7 +1800,7 @@
         <p:spPr>
           <a:xfrm>
             <a:off x="216000" y="812520"/>
-            <a:ext cx="7126920" cy="4008600"/>
+            <a:ext cx="7126560" cy="4008240"/>
           </a:xfrm>
           <a:prstGeom prst="rect">
             <a:avLst/>
@@ -1573,7 +1823,7 @@
         <p:spPr>
           <a:xfrm>
             <a:off x="225000" y="5078520"/>
-            <a:ext cx="7244640" cy="4810680"/>
+            <a:ext cx="7244280" cy="4810320"/>
           </a:xfrm>
           <a:prstGeom prst="rect">
             <a:avLst/>
@@ -1593,6 +1843,9 @@
                 <a:spcPct val="100000"/>
               </a:lnSpc>
               <a:buNone/>
+              <a:tabLst>
+                <a:tab algn="l" pos="0"/>
+              </a:tabLst>
             </a:pPr>
             <a:r>
               <a:rPr b="0" lang="en-IE" sz="2000" spc="-1" strike="noStrike">
@@ -1610,6 +1863,9 @@
                 <a:spcPct val="100000"/>
               </a:lnSpc>
               <a:buNone/>
+              <a:tabLst>
+                <a:tab algn="l" pos="0"/>
+              </a:tabLst>
             </a:pPr>
             <a:r>
               <a:rPr b="0" lang="en-IE" sz="2000" spc="-1" strike="noStrike">
@@ -1627,6 +1883,9 @@
                 <a:spcPct val="100000"/>
               </a:lnSpc>
               <a:buNone/>
+              <a:tabLst>
+                <a:tab algn="l" pos="0"/>
+              </a:tabLst>
             </a:pPr>
             <a:r>
               <a:rPr b="0" lang="en-IE" sz="2000" spc="-1" strike="noStrike">
@@ -1644,6 +1903,9 @@
                 <a:spcPct val="100000"/>
               </a:lnSpc>
               <a:buNone/>
+              <a:tabLst>
+                <a:tab algn="l" pos="0"/>
+              </a:tabLst>
             </a:pPr>
             <a:endParaRPr b="0" lang="en-IE" sz="2000" spc="-1" strike="noStrike">
               <a:latin typeface="Arial"/>
@@ -1655,6 +1917,9 @@
                 <a:spcPct val="100000"/>
               </a:lnSpc>
               <a:buNone/>
+              <a:tabLst>
+                <a:tab algn="l" pos="0"/>
+              </a:tabLst>
             </a:pPr>
             <a:r>
               <a:rPr b="0" lang="en-IE" sz="2000" spc="-1" strike="noStrike">
@@ -1672,6 +1937,9 @@
                 <a:spcPct val="100000"/>
               </a:lnSpc>
               <a:buNone/>
+              <a:tabLst>
+                <a:tab algn="l" pos="0"/>
+              </a:tabLst>
             </a:pPr>
             <a:endParaRPr b="0" lang="en-IE" sz="2000" spc="-1" strike="noStrike">
               <a:latin typeface="Arial"/>
@@ -1683,6 +1951,9 @@
                 <a:spcPct val="100000"/>
               </a:lnSpc>
               <a:buNone/>
+              <a:tabLst>
+                <a:tab algn="l" pos="0"/>
+              </a:tabLst>
             </a:pPr>
             <a:r>
               <a:rPr b="0" lang="en-IE" sz="2000" spc="-1" strike="noStrike">
@@ -1731,7 +2002,7 @@
         <p:spPr>
           <a:xfrm>
             <a:off x="216000" y="812520"/>
-            <a:ext cx="7126920" cy="4008600"/>
+            <a:ext cx="7126560" cy="4008240"/>
           </a:xfrm>
           <a:prstGeom prst="rect">
             <a:avLst/>
@@ -1754,7 +2025,7 @@
         <p:spPr>
           <a:xfrm>
             <a:off x="756000" y="5078520"/>
-            <a:ext cx="6047280" cy="4810680"/>
+            <a:ext cx="6046920" cy="4810320"/>
           </a:xfrm>
           <a:prstGeom prst="rect">
             <a:avLst/>
@@ -1774,6 +2045,9 @@
                 <a:spcPct val="100000"/>
               </a:lnSpc>
               <a:buNone/>
+              <a:tabLst>
+                <a:tab algn="l" pos="0"/>
+              </a:tabLst>
             </a:pPr>
             <a:r>
               <a:rPr b="0" lang="en-IE" sz="2000" spc="-1" strike="noStrike">
@@ -1791,6 +2065,9 @@
                 <a:spcPct val="100000"/>
               </a:lnSpc>
               <a:buNone/>
+              <a:tabLst>
+                <a:tab algn="l" pos="0"/>
+              </a:tabLst>
             </a:pPr>
             <a:endParaRPr b="0" lang="en-IE" sz="2000" spc="-1" strike="noStrike">
               <a:latin typeface="Arial"/>
@@ -1802,6 +2079,9 @@
                 <a:spcPct val="100000"/>
               </a:lnSpc>
               <a:buNone/>
+              <a:tabLst>
+                <a:tab algn="l" pos="0"/>
+              </a:tabLst>
             </a:pPr>
             <a:r>
               <a:rPr b="0" lang="en-IE" sz="2000" spc="-1" strike="noStrike">
@@ -1819,6 +2099,9 @@
                 <a:spcPct val="100000"/>
               </a:lnSpc>
               <a:buNone/>
+              <a:tabLst>
+                <a:tab algn="l" pos="0"/>
+              </a:tabLst>
             </a:pPr>
             <a:endParaRPr b="0" lang="en-IE" sz="2000" spc="-1" strike="noStrike">
               <a:latin typeface="Arial"/>
@@ -1830,6 +2113,9 @@
                 <a:spcPct val="100000"/>
               </a:lnSpc>
               <a:buNone/>
+              <a:tabLst>
+                <a:tab algn="l" pos="0"/>
+              </a:tabLst>
             </a:pPr>
             <a:r>
               <a:rPr b="0" lang="en-IE" sz="2000" spc="-1" strike="noStrike">
@@ -1899,7 +2185,7 @@
         <p:txBody>
           <a:bodyPr/>
           <a:p>
-            <a:fld id="{4B480046-3108-489A-A565-80260F40D886}" type="slidenum">
+            <a:fld id="{32599479-23C4-489B-B9DC-A432191FAB94}" type="slidenum">
               <a:t>&lt;#&gt;</a:t>
             </a:fld>
           </a:p>
@@ -2087,7 +2373,7 @@
         <p:txBody>
           <a:bodyPr/>
           <a:p>
-            <a:fld id="{AE0DDA4D-FF05-48FF-8062-EC0F8370D5C1}" type="slidenum">
+            <a:fld id="{BDF6C2E0-196A-41EE-8A73-13804083EBD7}" type="slidenum">
               <a:t>&lt;#&gt;</a:t>
             </a:fld>
           </a:p>
@@ -2343,7 +2629,7 @@
         <p:txBody>
           <a:bodyPr/>
           <a:p>
-            <a:fld id="{C11E37D3-6823-4B5C-B8BB-3F920EAC83B2}" type="slidenum">
+            <a:fld id="{18D6CF80-7357-4E68-A1A0-9D77109CA2AC}" type="slidenum">
               <a:t>&lt;#&gt;</a:t>
             </a:fld>
           </a:p>
@@ -2667,7 +2953,7 @@
         <p:txBody>
           <a:bodyPr/>
           <a:p>
-            <a:fld id="{B579AFEA-6E0B-4068-9301-EFBF43CCF5DE}" type="slidenum">
+            <a:fld id="{7F3C15C6-BF70-453B-BA71-768BB701C7D4}" type="slidenum">
               <a:t>&lt;#&gt;</a:t>
             </a:fld>
           </a:p>
@@ -2750,7 +3036,7 @@
         <p:txBody>
           <a:bodyPr/>
           <a:p>
-            <a:fld id="{57EA690C-8EE9-4403-AFAA-4F08C58F2E55}" type="slidenum">
+            <a:fld id="{7CAF2C01-CE69-44F4-AE8F-719ABF44D275}" type="slidenum">
               <a:t>&lt;#&gt;</a:t>
             </a:fld>
           </a:p>
@@ -2907,7 +3193,7 @@
         <p:txBody>
           <a:bodyPr/>
           <a:p>
-            <a:fld id="{3222B19E-B424-4959-BF08-01E18E95E4BD}" type="slidenum">
+            <a:fld id="{14DF4E45-2B90-4E03-B299-AC8DF814866A}" type="slidenum">
               <a:t>&lt;#&gt;</a:t>
             </a:fld>
           </a:p>
@@ -3061,7 +3347,7 @@
         <p:txBody>
           <a:bodyPr/>
           <a:p>
-            <a:fld id="{81450F39-E322-4506-8198-C0AE7A87F326}" type="slidenum">
+            <a:fld id="{5C8E90D3-DF3A-47A5-B341-3B43130800A6}" type="slidenum">
               <a:t>&lt;#&gt;</a:t>
             </a:fld>
           </a:p>
@@ -3249,7 +3535,7 @@
         <p:txBody>
           <a:bodyPr/>
           <a:p>
-            <a:fld id="{79B164FF-F5C1-4C96-892E-834B2485BE01}" type="slidenum">
+            <a:fld id="{2912750D-9007-40B6-A8F1-0B7AC4742826}" type="slidenum">
               <a:t>&lt;#&gt;</a:t>
             </a:fld>
           </a:p>
@@ -3369,7 +3655,7 @@
         <p:txBody>
           <a:bodyPr/>
           <a:p>
-            <a:fld id="{26E0404C-60E8-4059-803C-CBAB7148E454}" type="slidenum">
+            <a:fld id="{F70B852E-2BE0-492F-B2A9-348C443AA073}" type="slidenum">
               <a:t>&lt;#&gt;</a:t>
             </a:fld>
           </a:p>
@@ -3489,7 +3775,7 @@
         <p:txBody>
           <a:bodyPr/>
           <a:p>
-            <a:fld id="{74595CFC-F666-4532-B479-E79C11F710C4}" type="slidenum">
+            <a:fld id="{7FE80CB7-A254-4B19-AAD3-8B55BD679B42}" type="slidenum">
               <a:t>&lt;#&gt;</a:t>
             </a:fld>
           </a:p>
@@ -3711,7 +3997,7 @@
         <p:txBody>
           <a:bodyPr/>
           <a:p>
-            <a:fld id="{E27C724E-DDE9-4F56-8706-1A7CE94E96D1}" type="slidenum">
+            <a:fld id="{9336A3C6-6DE1-4173-8983-23089D23EF68}" type="slidenum">
               <a:t>&lt;#&gt;</a:t>
             </a:fld>
           </a:p>
@@ -3868,7 +4154,7 @@
         <p:txBody>
           <a:bodyPr/>
           <a:p>
-            <a:fld id="{74ACA6CF-CEFD-49E8-B083-68082885C446}" type="slidenum">
+            <a:fld id="{B57866DC-109D-4D6A-AE70-DD384622238B}" type="slidenum">
               <a:t>&lt;#&gt;</a:t>
             </a:fld>
           </a:p>
@@ -4090,7 +4376,7 @@
         <p:txBody>
           <a:bodyPr/>
           <a:p>
-            <a:fld id="{4193DD5E-7680-4ECC-8844-E549FD7E30AA}" type="slidenum">
+            <a:fld id="{7825FE32-A11E-40DF-A4DB-B225BD46E602}" type="slidenum">
               <a:t>&lt;#&gt;</a:t>
             </a:fld>
           </a:p>
@@ -4312,7 +4598,7 @@
         <p:txBody>
           <a:bodyPr/>
           <a:p>
-            <a:fld id="{76DB1E64-66DF-401D-8288-2E5DCE223306}" type="slidenum">
+            <a:fld id="{C4F26BC1-B597-441C-A060-F12EB76D655B}" type="slidenum">
               <a:t>&lt;#&gt;</a:t>
             </a:fld>
           </a:p>
@@ -4500,7 +4786,7 @@
         <p:txBody>
           <a:bodyPr/>
           <a:p>
-            <a:fld id="{0B4B3F3F-95D9-4B7D-9F5B-26DB6FF73C4B}" type="slidenum">
+            <a:fld id="{319E57CB-72C7-43A0-880B-3F232B8CBB3A}" type="slidenum">
               <a:t>&lt;#&gt;</a:t>
             </a:fld>
           </a:p>
@@ -4756,7 +5042,7 @@
         <p:txBody>
           <a:bodyPr/>
           <a:p>
-            <a:fld id="{968CC70A-5A8E-47BF-A4CF-6481BD8A1948}" type="slidenum">
+            <a:fld id="{02278252-5EED-499B-A7C3-2CAAEDCF1DC8}" type="slidenum">
               <a:t>&lt;#&gt;</a:t>
             </a:fld>
           </a:p>
@@ -5080,7 +5366,7 @@
         <p:txBody>
           <a:bodyPr/>
           <a:p>
-            <a:fld id="{FB232877-72C6-4223-82A8-1E7CDA179595}" type="slidenum">
+            <a:fld id="{5C5A9BB1-1954-4424-9B92-2D870B26C483}" type="slidenum">
               <a:t>&lt;#&gt;</a:t>
             </a:fld>
           </a:p>
@@ -5234,7 +5520,7 @@
         <p:txBody>
           <a:bodyPr/>
           <a:p>
-            <a:fld id="{6471F41B-6427-4E40-9F8B-43FF8D95C6FE}" type="slidenum">
+            <a:fld id="{B407A2F6-F4A5-4D00-ABD2-86387604A11E}" type="slidenum">
               <a:t>&lt;#&gt;</a:t>
             </a:fld>
           </a:p>
@@ -5422,7 +5708,7 @@
         <p:txBody>
           <a:bodyPr/>
           <a:p>
-            <a:fld id="{9270877E-8D11-4056-9D1F-984DFA16B618}" type="slidenum">
+            <a:fld id="{2CCB96C9-11CB-43F1-ABFB-A8211EB3C420}" type="slidenum">
               <a:t>&lt;#&gt;</a:t>
             </a:fld>
           </a:p>
@@ -5542,7 +5828,7 @@
         <p:txBody>
           <a:bodyPr/>
           <a:p>
-            <a:fld id="{4978390B-F27E-45E6-B6E0-6F3BA837D5E3}" type="slidenum">
+            <a:fld id="{CB3261F3-4A4B-4496-8E59-50E3A895A309}" type="slidenum">
               <a:t>&lt;#&gt;</a:t>
             </a:fld>
           </a:p>
@@ -5662,7 +5948,7 @@
         <p:txBody>
           <a:bodyPr/>
           <a:p>
-            <a:fld id="{72BBBEF1-AAF4-456A-A8A1-58E199463336}" type="slidenum">
+            <a:fld id="{B81D5820-18B0-4DE5-BF26-9E6F475121BC}" type="slidenum">
               <a:t>&lt;#&gt;</a:t>
             </a:fld>
           </a:p>
@@ -5884,7 +6170,7 @@
         <p:txBody>
           <a:bodyPr/>
           <a:p>
-            <a:fld id="{B4D43974-5DA0-4D2E-BAFF-BCD696B89BAE}" type="slidenum">
+            <a:fld id="{8D2EB7CE-9D94-4465-BD72-A8E0BF183FAD}" type="slidenum">
               <a:t>&lt;#&gt;</a:t>
             </a:fld>
           </a:p>
@@ -6106,7 +6392,7 @@
         <p:txBody>
           <a:bodyPr/>
           <a:p>
-            <a:fld id="{36D264DF-E7DE-438A-9394-432E1B9561AF}" type="slidenum">
+            <a:fld id="{C3822106-3694-4D89-9A2F-F5DFE69D6C37}" type="slidenum">
               <a:t>&lt;#&gt;</a:t>
             </a:fld>
           </a:p>
@@ -6328,7 +6614,7 @@
         <p:txBody>
           <a:bodyPr/>
           <a:p>
-            <a:fld id="{C9A0BF52-BA7C-40D2-AB39-92909C9CCB59}" type="slidenum">
+            <a:fld id="{213BE633-C3F2-4A52-A53E-8BF8CED264E2}" type="slidenum">
               <a:t>&lt;#&gt;</a:t>
             </a:fld>
           </a:p>
@@ -6393,9 +6679,9 @@
         <p:grpSpPr>
           <a:xfrm>
             <a:off x="11401560" y="6229800"/>
-            <a:ext cx="456480" cy="456480"/>
+            <a:ext cx="456120" cy="456120"/>
             <a:chOff x="11401560" y="6229800"/>
-            <a:chExt cx="456480" cy="456480"/>
+            <a:chExt cx="456120" cy="456120"/>
           </a:xfrm>
         </p:grpSpPr>
         <p:sp>
@@ -6407,7 +6693,7 @@
           <p:spPr>
             <a:xfrm>
               <a:off x="11401560" y="6229800"/>
-              <a:ext cx="456480" cy="456480"/>
+              <a:ext cx="456120" cy="456120"/>
             </a:xfrm>
             <a:prstGeom prst="ellipse">
               <a:avLst/>
@@ -6437,7 +6723,7 @@
           <p:spPr>
             <a:xfrm>
               <a:off x="11431080" y="6258960"/>
-              <a:ext cx="398160" cy="398160"/>
+              <a:ext cx="397800" cy="397800"/>
             </a:xfrm>
             <a:prstGeom prst="ellipse">
               <a:avLst/>
@@ -6467,7 +6753,7 @@
         <p:spPr>
           <a:xfrm>
             <a:off x="920880" y="1347120"/>
-            <a:ext cx="10222200" cy="79920"/>
+            <a:ext cx="10221840" cy="79560"/>
           </a:xfrm>
           <a:prstGeom prst="rect">
             <a:avLst/>
@@ -6507,7 +6793,7 @@
         <p:spPr>
           <a:xfrm>
             <a:off x="920880" y="4299840"/>
-            <a:ext cx="10222200" cy="79920"/>
+            <a:ext cx="10221840" cy="79560"/>
           </a:xfrm>
           <a:prstGeom prst="rect">
             <a:avLst/>
@@ -6547,7 +6833,7 @@
         <p:spPr>
           <a:xfrm>
             <a:off x="920880" y="1484640"/>
-            <a:ext cx="10222200" cy="2742480"/>
+            <a:ext cx="10221840" cy="2742120"/>
           </a:xfrm>
           <a:prstGeom prst="rect">
             <a:avLst/>
@@ -6587,9 +6873,9 @@
         <p:grpSpPr>
           <a:xfrm>
             <a:off x="9649080" y="4069080"/>
-            <a:ext cx="1080360" cy="1080360"/>
+            <a:ext cx="1080000" cy="1080000"/>
             <a:chOff x="9649080" y="4069080"/>
-            <a:chExt cx="1080360" cy="1080360"/>
+            <a:chExt cx="1080000" cy="1080000"/>
           </a:xfrm>
         </p:grpSpPr>
         <p:sp>
@@ -6601,7 +6887,7 @@
           <p:spPr>
             <a:xfrm>
               <a:off x="9649080" y="4069080"/>
-              <a:ext cx="1080360" cy="1080360"/>
+              <a:ext cx="1080000" cy="1080000"/>
             </a:xfrm>
             <a:prstGeom prst="ellipse">
               <a:avLst/>
@@ -6631,7 +6917,7 @@
           <p:spPr>
             <a:xfrm>
               <a:off x="9757440" y="4177080"/>
-              <a:ext cx="864000" cy="864000"/>
+              <a:ext cx="863640" cy="863640"/>
             </a:xfrm>
             <a:prstGeom prst="ellipse">
               <a:avLst/>
@@ -6664,8 +6950,8 @@
         </p:nvSpPr>
         <p:spPr>
           <a:xfrm>
-            <a:off x="1069920" y="484560"/>
-            <a:ext cx="10057680" cy="1608480"/>
+            <a:off x="609480" y="273600"/>
+            <a:ext cx="10972080" cy="1144440"/>
           </a:xfrm>
           <a:prstGeom prst="rect">
             <a:avLst/>
@@ -6699,180 +6985,13 @@
             <a:spLocks noGrp="1"/>
           </p:cNvSpPr>
           <p:nvPr>
-            <p:ph type="ftr" idx="1"/>
-          </p:nvPr>
-        </p:nvSpPr>
-        <p:spPr>
-          <a:xfrm>
-            <a:off x="1088280" y="6272640"/>
-            <a:ext cx="6327000" cy="364320"/>
-          </a:xfrm>
-          <a:prstGeom prst="rect">
-            <a:avLst/>
-          </a:prstGeom>
-          <a:noFill/>
-          <a:ln w="0">
-            <a:noFill/>
-          </a:ln>
-        </p:spPr>
-        <p:txBody>
-          <a:bodyPr lIns="90000" rIns="90000" tIns="45000" bIns="45000" anchor="ctr">
-            <a:noAutofit/>
-          </a:bodyPr>
-          <a:lstStyle>
-            <a:lvl1pPr algn="ctr">
-              <a:lnSpc>
-                <a:spcPct val="100000"/>
-              </a:lnSpc>
-              <a:buNone/>
-              <a:defRPr b="0" lang="en-IE" sz="1400" spc="-1" strike="noStrike">
-                <a:latin typeface="Times New Roman"/>
-              </a:defRPr>
-            </a:lvl1pPr>
-          </a:lstStyle>
-          <a:p>
-            <a:pPr algn="ctr">
-              <a:lnSpc>
-                <a:spcPct val="100000"/>
-              </a:lnSpc>
-              <a:buNone/>
-            </a:pPr>
-            <a:r>
-              <a:rPr b="0" lang="en-IE" sz="1400" spc="-1" strike="noStrike">
-                <a:latin typeface="Times New Roman"/>
-              </a:rPr>
-              <a:t>&lt;footer&gt;</a:t>
-            </a:r>
-            <a:endParaRPr b="0" lang="en-IE" sz="1400" spc="-1" strike="noStrike">
-              <a:latin typeface="Times New Roman"/>
-            </a:endParaRPr>
-          </a:p>
-        </p:txBody>
-      </p:sp>
-      <p:sp>
-        <p:nvSpPr>
-          <p:cNvPr id="11" name="PlaceHolder 3"/>
-          <p:cNvSpPr>
-            <a:spLocks noGrp="1"/>
-          </p:cNvSpPr>
-          <p:nvPr>
-            <p:ph type="sldNum" idx="2"/>
-          </p:nvPr>
-        </p:nvSpPr>
-        <p:spPr>
-          <a:xfrm>
-            <a:off x="9592560" y="4289400"/>
-            <a:ext cx="1193040" cy="639360"/>
-          </a:xfrm>
-          <a:prstGeom prst="rect">
-            <a:avLst/>
-          </a:prstGeom>
-          <a:noFill/>
-          <a:ln w="0">
-            <a:noFill/>
-          </a:ln>
-        </p:spPr>
-        <p:txBody>
-          <a:bodyPr lIns="90000" rIns="90000" tIns="45000" bIns="45000" anchor="ctr">
-            <a:noAutofit/>
-          </a:bodyPr>
-          <a:lstStyle>
-            <a:lvl1pPr algn="ctr">
-              <a:lnSpc>
-                <a:spcPct val="100000"/>
-              </a:lnSpc>
-              <a:buNone/>
-              <a:defRPr b="1" lang="en-US" sz="2800" spc="-1" strike="noStrike">
-                <a:solidFill>
-                  <a:srgbClr val="ffffff"/>
-                </a:solidFill>
-                <a:latin typeface="Rockwell Condensed"/>
-              </a:defRPr>
-            </a:lvl1pPr>
-          </a:lstStyle>
-          <a:p>
-            <a:pPr algn="ctr">
-              <a:lnSpc>
-                <a:spcPct val="100000"/>
-              </a:lnSpc>
-              <a:buNone/>
-            </a:pPr>
-            <a:fld id="{DF3D8C5D-4FC9-467B-987C-FC90A34B0738}" type="slidenum">
-              <a:rPr b="1" lang="en-US" sz="2800" spc="-1" strike="noStrike">
-                <a:solidFill>
-                  <a:srgbClr val="ffffff"/>
-                </a:solidFill>
-                <a:latin typeface="Rockwell Condensed"/>
-              </a:rPr>
-              <a:t>&lt;number&gt;</a:t>
-            </a:fld>
-            <a:endParaRPr b="0" lang="en-IE" sz="2800" spc="-1" strike="noStrike">
-              <a:latin typeface="Times New Roman"/>
-            </a:endParaRPr>
-          </a:p>
-        </p:txBody>
-      </p:sp>
-      <p:sp>
-        <p:nvSpPr>
-          <p:cNvPr id="12" name="PlaceHolder 4"/>
-          <p:cNvSpPr>
-            <a:spLocks noGrp="1"/>
-          </p:cNvSpPr>
-          <p:nvPr>
-            <p:ph type="dt" idx="3"/>
-          </p:nvPr>
-        </p:nvSpPr>
-        <p:spPr>
-          <a:xfrm>
-            <a:off x="7964280" y="6272640"/>
-            <a:ext cx="3272760" cy="364320"/>
-          </a:xfrm>
-          <a:prstGeom prst="rect">
-            <a:avLst/>
-          </a:prstGeom>
-          <a:noFill/>
-          <a:ln w="0">
-            <a:noFill/>
-          </a:ln>
-        </p:spPr>
-        <p:txBody>
-          <a:bodyPr lIns="90000" rIns="90000" tIns="45000" bIns="45000" anchor="ctr">
-            <a:noAutofit/>
-          </a:bodyPr>
-          <a:lstStyle>
-            <a:lvl1pPr>
-              <a:defRPr b="0" lang="en-IE" sz="1400" spc="-1" strike="noStrike">
-                <a:latin typeface="Times New Roman"/>
-              </a:defRPr>
-            </a:lvl1pPr>
-          </a:lstStyle>
-          <a:p>
-            <a:r>
-              <a:rPr b="0" lang="en-IE" sz="1400" spc="-1" strike="noStrike">
-                <a:latin typeface="Times New Roman"/>
-              </a:rPr>
-              <a:t>&lt;date/time&gt;</a:t>
-            </a:r>
-            <a:endParaRPr b="0" lang="en-IE" sz="1400" spc="-1" strike="noStrike">
-              <a:latin typeface="Times New Roman"/>
-            </a:endParaRPr>
-          </a:p>
-        </p:txBody>
-      </p:sp>
-      <p:sp>
-        <p:nvSpPr>
-          <p:cNvPr id="13" name="PlaceHolder 5"/>
-          <p:cNvSpPr>
-            <a:spLocks noGrp="1"/>
-          </p:cNvSpPr>
-          <p:nvPr>
             <p:ph type="body"/>
           </p:nvPr>
         </p:nvSpPr>
         <p:spPr>
           <a:xfrm>
             <a:off x="609480" y="1604520"/>
-            <a:ext cx="10972440" cy="3977280"/>
+            <a:ext cx="10972080" cy="3976920"/>
           </a:xfrm>
           <a:prstGeom prst="rect">
             <a:avLst/>
@@ -6899,12 +7018,12 @@
               <a:buChar char=""/>
             </a:pPr>
             <a:r>
-              <a:rPr b="0" lang="en-IE" sz="3200" spc="-1" strike="noStrike">
+              <a:rPr b="0" lang="en-IE" sz="1800" spc="-1" strike="noStrike">
                 <a:latin typeface="Arial"/>
               </a:rPr>
               <a:t>Click to edit the outline text format</a:t>
             </a:r>
-            <a:endParaRPr b="0" lang="en-IE" sz="3200" spc="-1" strike="noStrike">
+            <a:endParaRPr b="0" lang="en-IE" sz="1800" spc="-1" strike="noStrike">
               <a:latin typeface="Arial"/>
             </a:endParaRPr>
           </a:p>
@@ -6921,12 +7040,12 @@
               <a:buChar char=""/>
             </a:pPr>
             <a:r>
-              <a:rPr b="0" lang="en-IE" sz="2800" spc="-1" strike="noStrike">
+              <a:rPr b="0" lang="en-IE" sz="1800" spc="-1" strike="noStrike">
                 <a:latin typeface="Arial"/>
               </a:rPr>
               <a:t>Second Outline Level</a:t>
             </a:r>
-            <a:endParaRPr b="0" lang="en-IE" sz="2800" spc="-1" strike="noStrike">
+            <a:endParaRPr b="0" lang="en-IE" sz="1800" spc="-1" strike="noStrike">
               <a:latin typeface="Arial"/>
             </a:endParaRPr>
           </a:p>
@@ -6943,12 +7062,12 @@
               <a:buChar char=""/>
             </a:pPr>
             <a:r>
-              <a:rPr b="0" lang="en-IE" sz="2400" spc="-1" strike="noStrike">
+              <a:rPr b="0" lang="en-IE" sz="1800" spc="-1" strike="noStrike">
                 <a:latin typeface="Arial"/>
               </a:rPr>
               <a:t>Third Outline Level</a:t>
             </a:r>
-            <a:endParaRPr b="0" lang="en-IE" sz="2400" spc="-1" strike="noStrike">
+            <a:endParaRPr b="0" lang="en-IE" sz="1800" spc="-1" strike="noStrike">
               <a:latin typeface="Arial"/>
             </a:endParaRPr>
           </a:p>
@@ -6965,12 +7084,12 @@
               <a:buChar char=""/>
             </a:pPr>
             <a:r>
-              <a:rPr b="0" lang="en-IE" sz="2000" spc="-1" strike="noStrike">
+              <a:rPr b="0" lang="en-IE" sz="1800" spc="-1" strike="noStrike">
                 <a:latin typeface="Arial"/>
               </a:rPr>
               <a:t>Fourth Outline Level</a:t>
             </a:r>
-            <a:endParaRPr b="0" lang="en-IE" sz="2000" spc="-1" strike="noStrike">
+            <a:endParaRPr b="0" lang="en-IE" sz="1800" spc="-1" strike="noStrike">
               <a:latin typeface="Arial"/>
             </a:endParaRPr>
           </a:p>
@@ -6987,12 +7106,12 @@
               <a:buChar char=""/>
             </a:pPr>
             <a:r>
-              <a:rPr b="0" lang="en-IE" sz="2000" spc="-1" strike="noStrike">
+              <a:rPr b="0" lang="en-IE" sz="1800" spc="-1" strike="noStrike">
                 <a:latin typeface="Arial"/>
               </a:rPr>
               <a:t>Fifth Outline Level</a:t>
             </a:r>
-            <a:endParaRPr b="0" lang="en-IE" sz="2000" spc="-1" strike="noStrike">
+            <a:endParaRPr b="0" lang="en-IE" sz="1800" spc="-1" strike="noStrike">
               <a:latin typeface="Arial"/>
             </a:endParaRPr>
           </a:p>
@@ -7009,12 +7128,12 @@
               <a:buChar char=""/>
             </a:pPr>
             <a:r>
-              <a:rPr b="0" lang="en-IE" sz="2000" spc="-1" strike="noStrike">
+              <a:rPr b="0" lang="en-IE" sz="1800" spc="-1" strike="noStrike">
                 <a:latin typeface="Arial"/>
               </a:rPr>
               <a:t>Sixth Outline Level</a:t>
             </a:r>
-            <a:endParaRPr b="0" lang="en-IE" sz="2000" spc="-1" strike="noStrike">
+            <a:endParaRPr b="0" lang="en-IE" sz="1800" spc="-1" strike="noStrike">
               <a:latin typeface="Arial"/>
             </a:endParaRPr>
           </a:p>
@@ -7031,13 +7150,180 @@
               <a:buChar char=""/>
             </a:pPr>
             <a:r>
-              <a:rPr b="0" lang="en-IE" sz="2000" spc="-1" strike="noStrike">
+              <a:rPr b="0" lang="en-IE" sz="1800" spc="-1" strike="noStrike">
                 <a:latin typeface="Arial"/>
               </a:rPr>
               <a:t>Seventh Outline Level</a:t>
             </a:r>
-            <a:endParaRPr b="0" lang="en-IE" sz="2000" spc="-1" strike="noStrike">
-              <a:latin typeface="Arial"/>
+            <a:endParaRPr b="0" lang="en-IE" sz="1800" spc="-1" strike="noStrike">
+              <a:latin typeface="Arial"/>
+            </a:endParaRPr>
+          </a:p>
+        </p:txBody>
+      </p:sp>
+      <p:sp>
+        <p:nvSpPr>
+          <p:cNvPr id="11" name="PlaceHolder 3"/>
+          <p:cNvSpPr>
+            <a:spLocks noGrp="1"/>
+          </p:cNvSpPr>
+          <p:nvPr>
+            <p:ph type="ftr" idx="1"/>
+          </p:nvPr>
+        </p:nvSpPr>
+        <p:spPr>
+          <a:xfrm>
+            <a:off x="1088280" y="6272640"/>
+            <a:ext cx="6326640" cy="363960"/>
+          </a:xfrm>
+          <a:prstGeom prst="rect">
+            <a:avLst/>
+          </a:prstGeom>
+          <a:noFill/>
+          <a:ln w="0">
+            <a:noFill/>
+          </a:ln>
+        </p:spPr>
+        <p:txBody>
+          <a:bodyPr lIns="90000" rIns="90000" tIns="45000" bIns="45000" anchor="ctr">
+            <a:noAutofit/>
+          </a:bodyPr>
+          <a:lstStyle>
+            <a:lvl1pPr algn="ctr">
+              <a:lnSpc>
+                <a:spcPct val="100000"/>
+              </a:lnSpc>
+              <a:buNone/>
+              <a:defRPr b="0" lang="en-IE" sz="1400" spc="-1" strike="noStrike">
+                <a:latin typeface="Times New Roman"/>
+              </a:defRPr>
+            </a:lvl1pPr>
+          </a:lstStyle>
+          <a:p>
+            <a:pPr algn="ctr">
+              <a:lnSpc>
+                <a:spcPct val="100000"/>
+              </a:lnSpc>
+              <a:buNone/>
+            </a:pPr>
+            <a:r>
+              <a:rPr b="0" lang="en-IE" sz="1400" spc="-1" strike="noStrike">
+                <a:latin typeface="Times New Roman"/>
+              </a:rPr>
+              <a:t>&lt;footer&gt;</a:t>
+            </a:r>
+            <a:endParaRPr b="0" lang="en-IE" sz="1400" spc="-1" strike="noStrike">
+              <a:latin typeface="Times New Roman"/>
+            </a:endParaRPr>
+          </a:p>
+        </p:txBody>
+      </p:sp>
+      <p:sp>
+        <p:nvSpPr>
+          <p:cNvPr id="12" name="PlaceHolder 4"/>
+          <p:cNvSpPr>
+            <a:spLocks noGrp="1"/>
+          </p:cNvSpPr>
+          <p:nvPr>
+            <p:ph type="sldNum" idx="2"/>
+          </p:nvPr>
+        </p:nvSpPr>
+        <p:spPr>
+          <a:xfrm>
+            <a:off x="9592560" y="4289400"/>
+            <a:ext cx="1192680" cy="639000"/>
+          </a:xfrm>
+          <a:prstGeom prst="rect">
+            <a:avLst/>
+          </a:prstGeom>
+          <a:noFill/>
+          <a:ln w="0">
+            <a:noFill/>
+          </a:ln>
+        </p:spPr>
+        <p:txBody>
+          <a:bodyPr lIns="90000" rIns="90000" tIns="45000" bIns="45000" anchor="ctr">
+            <a:noAutofit/>
+          </a:bodyPr>
+          <a:lstStyle>
+            <a:lvl1pPr algn="ctr">
+              <a:lnSpc>
+                <a:spcPct val="100000"/>
+              </a:lnSpc>
+              <a:buNone/>
+              <a:defRPr b="1" lang="en-US" sz="2800" spc="-1" strike="noStrike">
+                <a:solidFill>
+                  <a:srgbClr val="ffffff"/>
+                </a:solidFill>
+                <a:latin typeface="Rockwell Condensed"/>
+              </a:defRPr>
+            </a:lvl1pPr>
+          </a:lstStyle>
+          <a:p>
+            <a:pPr algn="ctr">
+              <a:lnSpc>
+                <a:spcPct val="100000"/>
+              </a:lnSpc>
+              <a:buNone/>
+            </a:pPr>
+            <a:fld id="{9138BC3E-20D1-47BF-8994-AFAA964E935A}" type="slidenum">
+              <a:rPr b="1" lang="en-US" sz="2800" spc="-1" strike="noStrike">
+                <a:solidFill>
+                  <a:srgbClr val="ffffff"/>
+                </a:solidFill>
+                <a:latin typeface="Rockwell Condensed"/>
+              </a:rPr>
+              <a:t>&lt;number&gt;</a:t>
+            </a:fld>
+            <a:endParaRPr b="0" lang="en-IE" sz="2800" spc="-1" strike="noStrike">
+              <a:latin typeface="Times New Roman"/>
+            </a:endParaRPr>
+          </a:p>
+        </p:txBody>
+      </p:sp>
+      <p:sp>
+        <p:nvSpPr>
+          <p:cNvPr id="13" name="PlaceHolder 5"/>
+          <p:cNvSpPr>
+            <a:spLocks noGrp="1"/>
+          </p:cNvSpPr>
+          <p:nvPr>
+            <p:ph type="dt" idx="3"/>
+          </p:nvPr>
+        </p:nvSpPr>
+        <p:spPr>
+          <a:xfrm>
+            <a:off x="7964280" y="6272640"/>
+            <a:ext cx="3272400" cy="363960"/>
+          </a:xfrm>
+          <a:prstGeom prst="rect">
+            <a:avLst/>
+          </a:prstGeom>
+          <a:noFill/>
+          <a:ln w="0">
+            <a:noFill/>
+          </a:ln>
+        </p:spPr>
+        <p:txBody>
+          <a:bodyPr lIns="90000" rIns="90000" tIns="45000" bIns="45000" anchor="ctr">
+            <a:noAutofit/>
+          </a:bodyPr>
+          <a:lstStyle>
+            <a:lvl1pPr>
+              <a:defRPr b="0" lang="en-IE" sz="1400" spc="-1" strike="noStrike">
+                <a:latin typeface="Times New Roman"/>
+              </a:defRPr>
+            </a:lvl1pPr>
+          </a:lstStyle>
+          <a:p>
+            <a:r>
+              <a:rPr b="0" lang="en-IE" sz="1400" spc="-1" strike="noStrike">
+                <a:latin typeface="Times New Roman"/>
+              </a:rPr>
+              <a:t>&lt;date/time&gt;</a:t>
+            </a:r>
+            <a:endParaRPr b="0" lang="en-IE" sz="1400" spc="-1" strike="noStrike">
+              <a:latin typeface="Times New Roman"/>
             </a:endParaRPr>
           </a:p>
         </p:txBody>
@@ -7095,9 +7381,9 @@
         <p:grpSpPr>
           <a:xfrm>
             <a:off x="11401560" y="6229800"/>
-            <a:ext cx="456480" cy="456480"/>
+            <a:ext cx="456120" cy="456120"/>
             <a:chOff x="11401560" y="6229800"/>
-            <a:chExt cx="456480" cy="456480"/>
+            <a:chExt cx="456120" cy="456120"/>
           </a:xfrm>
         </p:grpSpPr>
         <p:sp>
@@ -7109,7 +7395,7 @@
           <p:spPr>
             <a:xfrm>
               <a:off x="11401560" y="6229800"/>
-              <a:ext cx="456480" cy="456480"/>
+              <a:ext cx="456120" cy="456120"/>
             </a:xfrm>
             <a:prstGeom prst="ellipse">
               <a:avLst/>
@@ -7139,7 +7425,7 @@
           <p:spPr>
             <a:xfrm>
               <a:off x="11431080" y="6258960"/>
-              <a:ext cx="398160" cy="398160"/>
+              <a:ext cx="397800" cy="397800"/>
             </a:xfrm>
             <a:prstGeom prst="ellipse">
               <a:avLst/>
@@ -7173,7 +7459,7 @@
         <p:spPr>
           <a:xfrm>
             <a:off x="1088280" y="6272640"/>
-            <a:ext cx="6327000" cy="364320"/>
+            <a:ext cx="6326640" cy="363960"/>
           </a:xfrm>
           <a:prstGeom prst="rect">
             <a:avLst/>
@@ -7230,7 +7516,7 @@
         <p:spPr>
           <a:xfrm>
             <a:off x="11311200" y="6272640"/>
-            <a:ext cx="639360" cy="364320"/>
+            <a:ext cx="639000" cy="363960"/>
           </a:xfrm>
           <a:prstGeom prst="rect">
             <a:avLst/>
@@ -7265,7 +7551,7 @@
               </a:lnSpc>
               <a:buNone/>
             </a:pPr>
-            <a:fld id="{B00AB960-0835-48D9-9C70-A865CC80D821}" type="slidenum">
+            <a:fld id="{D215F22C-9152-4076-A98C-7A65D3758A77}" type="slidenum">
               <a:rPr b="1" lang="en-US" sz="1400" spc="-1" strike="noStrike">
                 <a:solidFill>
                   <a:srgbClr val="ffffff"/>
@@ -7293,7 +7579,7 @@
         <p:spPr>
           <a:xfrm>
             <a:off x="7964280" y="6272640"/>
-            <a:ext cx="3272760" cy="364320"/>
+            <a:ext cx="3272400" cy="363960"/>
           </a:xfrm>
           <a:prstGeom prst="rect">
             <a:avLst/>
@@ -7603,7 +7889,7 @@
         <p:spPr>
           <a:xfrm>
             <a:off x="1051560" y="1432080"/>
-            <a:ext cx="9966240" cy="3035160"/>
+            <a:ext cx="9965880" cy="3034800"/>
           </a:xfrm>
           <a:prstGeom prst="rect">
             <a:avLst/>
@@ -7649,7 +7935,7 @@
         <p:spPr>
           <a:xfrm>
             <a:off x="1069920" y="4389120"/>
-            <a:ext cx="7890480" cy="1069200"/>
+            <a:ext cx="7890120" cy="1068840"/>
           </a:xfrm>
           <a:prstGeom prst="rect">
             <a:avLst/>
@@ -7773,7 +8059,7 @@
         <p:spPr>
           <a:xfrm>
             <a:off x="1069920" y="484560"/>
-            <a:ext cx="10057680" cy="1608480"/>
+            <a:ext cx="10057320" cy="1608120"/>
           </a:xfrm>
           <a:prstGeom prst="rect">
             <a:avLst/>
@@ -7819,7 +8105,7 @@
         <p:spPr>
           <a:xfrm>
             <a:off x="1069920" y="2121480"/>
-            <a:ext cx="10057680" cy="4050000"/>
+            <a:ext cx="10057320" cy="4049640"/>
           </a:xfrm>
           <a:prstGeom prst="rect">
             <a:avLst/>
@@ -8053,7 +8339,7 @@
         <p:spPr>
           <a:xfrm>
             <a:off x="1069920" y="484560"/>
-            <a:ext cx="10057680" cy="1608480"/>
+            <a:ext cx="10057320" cy="1608120"/>
           </a:xfrm>
           <a:prstGeom prst="rect">
             <a:avLst/>
@@ -8099,7 +8385,7 @@
         <p:spPr>
           <a:xfrm>
             <a:off x="1069920" y="2121480"/>
-            <a:ext cx="10057680" cy="4050000"/>
+            <a:ext cx="10057320" cy="4049640"/>
           </a:xfrm>
           <a:prstGeom prst="rect">
             <a:avLst/>
@@ -8422,7 +8708,7 @@
         <p:spPr>
           <a:xfrm>
             <a:off x="7751520" y="4825440"/>
-            <a:ext cx="2071440" cy="638280"/>
+            <a:ext cx="2071080" cy="638280"/>
           </a:xfrm>
           <a:prstGeom prst="rect">
             <a:avLst/>
@@ -8474,7 +8760,7 @@
         <p:spPr>
           <a:xfrm flipH="1">
             <a:off x="5452200" y="5067000"/>
-            <a:ext cx="2297880" cy="309600"/>
+            <a:ext cx="2297520" cy="309240"/>
           </a:xfrm>
           <a:custGeom>
             <a:avLst/>
@@ -8557,7 +8843,7 @@
         <p:spPr>
           <a:xfrm>
             <a:off x="1069920" y="484560"/>
-            <a:ext cx="10057680" cy="1608480"/>
+            <a:ext cx="10057320" cy="1608120"/>
           </a:xfrm>
           <a:prstGeom prst="rect">
             <a:avLst/>
@@ -8603,7 +8889,7 @@
         <p:spPr>
           <a:xfrm>
             <a:off x="1063800" y="1953720"/>
-            <a:ext cx="10057680" cy="4419000"/>
+            <a:ext cx="10057320" cy="4418640"/>
           </a:xfrm>
           <a:prstGeom prst="rect">
             <a:avLst/>
@@ -8972,7 +9258,7 @@
         <p:spPr>
           <a:xfrm>
             <a:off x="3034080" y="3726000"/>
-            <a:ext cx="5393520" cy="638280"/>
+            <a:ext cx="5393160" cy="638280"/>
           </a:xfrm>
           <a:prstGeom prst="rect">
             <a:avLst/>
@@ -9082,7 +9368,7 @@
         <p:spPr>
           <a:xfrm>
             <a:off x="1069920" y="484560"/>
-            <a:ext cx="10057680" cy="1608480"/>
+            <a:ext cx="10057320" cy="1608120"/>
           </a:xfrm>
           <a:prstGeom prst="rect">
             <a:avLst/>
@@ -9128,7 +9414,7 @@
         <p:spPr>
           <a:xfrm>
             <a:off x="1069920" y="2121480"/>
-            <a:ext cx="10057680" cy="4050000"/>
+            <a:ext cx="10057320" cy="4049640"/>
           </a:xfrm>
           <a:prstGeom prst="rect">
             <a:avLst/>
@@ -9438,7 +9724,7 @@
         <p:spPr>
           <a:xfrm>
             <a:off x="547200" y="0"/>
-            <a:ext cx="11269440" cy="6934320"/>
+            <a:ext cx="11269080" cy="6933960"/>
           </a:xfrm>
           <a:prstGeom prst="rect">
             <a:avLst/>
@@ -9491,7 +9777,7 @@
         <p:spPr>
           <a:xfrm>
             <a:off x="1333440" y="0"/>
-            <a:ext cx="9515520" cy="6857280"/>
+            <a:ext cx="9515160" cy="6856920"/>
           </a:xfrm>
           <a:prstGeom prst="rect">
             <a:avLst/>
@@ -9544,7 +9830,7 @@
         <p:spPr>
           <a:xfrm>
             <a:off x="1069920" y="484560"/>
-            <a:ext cx="10057680" cy="1608480"/>
+            <a:ext cx="10057320" cy="1608120"/>
           </a:xfrm>
           <a:prstGeom prst="rect">
             <a:avLst/>
@@ -9590,7 +9876,7 @@
         <p:spPr>
           <a:xfrm>
             <a:off x="1069920" y="2121480"/>
-            <a:ext cx="10057680" cy="4050000"/>
+            <a:ext cx="10057320" cy="4049640"/>
           </a:xfrm>
           <a:prstGeom prst="rect">
             <a:avLst/>
